--- a/poster/poster_temp.pptx
+++ b/poster/poster_temp.pptx
@@ -261,2650 +261,6 @@
     <p:extLst/>
   </p:cmAuthor>
 </p:cmAuthorLst>
-</file>
-
-<file path=ppt/charts/chart1.xml><?xml version="1.0" encoding="utf-8"?>
-<c:chartSpace xmlns:c="http://schemas.openxmlformats.org/drawingml/2006/chart" xmlns:a="http://schemas.openxmlformats.org/drawingml/2006/main" xmlns:r="http://schemas.openxmlformats.org/officeDocument/2006/relationships" xmlns:c16r2="http://schemas.microsoft.com/office/drawing/2015/06/chart">
-  <c:date1904 val="0"/>
-  <c:lang val="en-US"/>
-  <c:roundedCorners val="0"/>
-  <mc:AlternateContent xmlns:mc="http://schemas.openxmlformats.org/markup-compatibility/2006">
-    <mc:Choice xmlns:c14="http://schemas.microsoft.com/office/drawing/2007/8/2/chart" Requires="c14">
-      <c14:style val="102"/>
-    </mc:Choice>
-    <mc:Fallback>
-      <c:style val="2"/>
-    </mc:Fallback>
-  </mc:AlternateContent>
-  <c:chart>
-    <c:autoTitleDeleted val="1"/>
-    <c:plotArea>
-      <c:layout/>
-      <c:barChart>
-        <c:barDir val="col"/>
-        <c:grouping val="clustered"/>
-        <c:varyColors val="0"/>
-        <c:ser>
-          <c:idx val="0"/>
-          <c:order val="0"/>
-          <c:tx>
-            <c:strRef>
-              <c:f>Ending!$B$29</c:f>
-              <c:strCache>
-                <c:ptCount val="1"/>
-                <c:pt idx="0">
-                  <c:v>Third</c:v>
-                </c:pt>
-              </c:strCache>
-            </c:strRef>
-          </c:tx>
-          <c:spPr>
-            <a:solidFill>
-              <a:srgbClr val="0070C0"/>
-            </a:solidFill>
-            <a:ln>
-              <a:noFill/>
-            </a:ln>
-            <a:effectLst/>
-          </c:spPr>
-          <c:invertIfNegative val="0"/>
-          <c:cat>
-            <c:strRef>
-              <c:f>Ending!$A$30:$A$34</c:f>
-              <c:strCache>
-                <c:ptCount val="5"/>
-                <c:pt idx="0">
-                  <c:v>Friendship Value</c:v>
-                </c:pt>
-                <c:pt idx="1">
-                  <c:v>More Respect</c:v>
-                </c:pt>
-                <c:pt idx="2">
-                  <c:v>Reciprocation</c:v>
-                </c:pt>
-                <c:pt idx="3">
-                  <c:v>Why Respect</c:v>
-                </c:pt>
-                <c:pt idx="4">
-                  <c:v>Others</c:v>
-                </c:pt>
-              </c:strCache>
-            </c:strRef>
-          </c:cat>
-          <c:val>
-            <c:numRef>
-              <c:f>Ending!$B$30:$B$34</c:f>
-              <c:numCache>
-                <c:formatCode>General</c:formatCode>
-                <c:ptCount val="5"/>
-                <c:pt idx="0">
-                  <c:v>37.5</c:v>
-                </c:pt>
-                <c:pt idx="1">
-                  <c:v>12.5</c:v>
-                </c:pt>
-                <c:pt idx="2">
-                  <c:v>20.83333333333329</c:v>
-                </c:pt>
-                <c:pt idx="3">
-                  <c:v>12.5</c:v>
-                </c:pt>
-                <c:pt idx="4">
-                  <c:v>16.666666666666661</c:v>
-                </c:pt>
-              </c:numCache>
-            </c:numRef>
-          </c:val>
-          <c:extLst>
-            <c:ext xmlns:c16="http://schemas.microsoft.com/office/drawing/2014/chart" uri="{C3380CC4-5D6E-409C-BE32-E72D297353CC}">
-              <c16:uniqueId val="{00000000-56D4-754B-884E-1B6B64A6DDCB}"/>
-            </c:ext>
-          </c:extLst>
-        </c:ser>
-        <c:ser>
-          <c:idx val="1"/>
-          <c:order val="1"/>
-          <c:tx>
-            <c:strRef>
-              <c:f>Ending!$C$29</c:f>
-              <c:strCache>
-                <c:ptCount val="1"/>
-                <c:pt idx="0">
-                  <c:v>Fourth</c:v>
-                </c:pt>
-              </c:strCache>
-            </c:strRef>
-          </c:tx>
-          <c:spPr>
-            <a:solidFill>
-              <a:srgbClr val="FFC000"/>
-            </a:solidFill>
-            <a:ln>
-              <a:noFill/>
-            </a:ln>
-            <a:effectLst/>
-          </c:spPr>
-          <c:invertIfNegative val="0"/>
-          <c:cat>
-            <c:strRef>
-              <c:f>Ending!$A$30:$A$34</c:f>
-              <c:strCache>
-                <c:ptCount val="5"/>
-                <c:pt idx="0">
-                  <c:v>Friendship Value</c:v>
-                </c:pt>
-                <c:pt idx="1">
-                  <c:v>More Respect</c:v>
-                </c:pt>
-                <c:pt idx="2">
-                  <c:v>Reciprocation</c:v>
-                </c:pt>
-                <c:pt idx="3">
-                  <c:v>Why Respect</c:v>
-                </c:pt>
-                <c:pt idx="4">
-                  <c:v>Others</c:v>
-                </c:pt>
-              </c:strCache>
-            </c:strRef>
-          </c:cat>
-          <c:val>
-            <c:numRef>
-              <c:f>Ending!$C$30:$C$34</c:f>
-              <c:numCache>
-                <c:formatCode>General</c:formatCode>
-                <c:ptCount val="5"/>
-                <c:pt idx="0">
-                  <c:v>50</c:v>
-                </c:pt>
-                <c:pt idx="1">
-                  <c:v>16.666666666666661</c:v>
-                </c:pt>
-                <c:pt idx="2">
-                  <c:v>16.666666666666661</c:v>
-                </c:pt>
-                <c:pt idx="3">
-                  <c:v>50</c:v>
-                </c:pt>
-                <c:pt idx="4">
-                  <c:v>66.666666666666643</c:v>
-                </c:pt>
-              </c:numCache>
-            </c:numRef>
-          </c:val>
-          <c:extLst>
-            <c:ext xmlns:c16="http://schemas.microsoft.com/office/drawing/2014/chart" uri="{C3380CC4-5D6E-409C-BE32-E72D297353CC}">
-              <c16:uniqueId val="{00000001-56D4-754B-884E-1B6B64A6DDCB}"/>
-            </c:ext>
-          </c:extLst>
-        </c:ser>
-        <c:ser>
-          <c:idx val="2"/>
-          <c:order val="2"/>
-          <c:tx>
-            <c:strRef>
-              <c:f>Ending!$D$29</c:f>
-              <c:strCache>
-                <c:ptCount val="1"/>
-                <c:pt idx="0">
-                  <c:v>Fifth</c:v>
-                </c:pt>
-              </c:strCache>
-            </c:strRef>
-          </c:tx>
-          <c:spPr>
-            <a:solidFill>
-              <a:srgbClr val="008000"/>
-            </a:solidFill>
-            <a:ln>
-              <a:noFill/>
-            </a:ln>
-            <a:effectLst/>
-          </c:spPr>
-          <c:invertIfNegative val="0"/>
-          <c:cat>
-            <c:strRef>
-              <c:f>Ending!$A$30:$A$34</c:f>
-              <c:strCache>
-                <c:ptCount val="5"/>
-                <c:pt idx="0">
-                  <c:v>Friendship Value</c:v>
-                </c:pt>
-                <c:pt idx="1">
-                  <c:v>More Respect</c:v>
-                </c:pt>
-                <c:pt idx="2">
-                  <c:v>Reciprocation</c:v>
-                </c:pt>
-                <c:pt idx="3">
-                  <c:v>Why Respect</c:v>
-                </c:pt>
-                <c:pt idx="4">
-                  <c:v>Others</c:v>
-                </c:pt>
-              </c:strCache>
-            </c:strRef>
-          </c:cat>
-          <c:val>
-            <c:numRef>
-              <c:f>Ending!$D$30:$D$34</c:f>
-              <c:numCache>
-                <c:formatCode>General</c:formatCode>
-                <c:ptCount val="5"/>
-                <c:pt idx="0">
-                  <c:v>18.18181818181818</c:v>
-                </c:pt>
-                <c:pt idx="1">
-                  <c:v>21.212121212121179</c:v>
-                </c:pt>
-                <c:pt idx="2">
-                  <c:v>6.0606060606060614</c:v>
-                </c:pt>
-                <c:pt idx="3">
-                  <c:v>39.393939393939398</c:v>
-                </c:pt>
-                <c:pt idx="4">
-                  <c:v>15.15151515151515</c:v>
-                </c:pt>
-              </c:numCache>
-            </c:numRef>
-          </c:val>
-          <c:extLst>
-            <c:ext xmlns:c16="http://schemas.microsoft.com/office/drawing/2014/chart" uri="{C3380CC4-5D6E-409C-BE32-E72D297353CC}">
-              <c16:uniqueId val="{00000002-56D4-754B-884E-1B6B64A6DDCB}"/>
-            </c:ext>
-          </c:extLst>
-        </c:ser>
-        <c:dLbls>
-          <c:showLegendKey val="0"/>
-          <c:showVal val="0"/>
-          <c:showCatName val="0"/>
-          <c:showSerName val="0"/>
-          <c:showPercent val="0"/>
-          <c:showBubbleSize val="0"/>
-        </c:dLbls>
-        <c:gapWidth val="219"/>
-        <c:overlap val="-27"/>
-        <c:axId val="1718754976"/>
-        <c:axId val="1718757296"/>
-      </c:barChart>
-      <c:catAx>
-        <c:axId val="1718754976"/>
-        <c:scaling>
-          <c:orientation val="minMax"/>
-        </c:scaling>
-        <c:delete val="0"/>
-        <c:axPos val="b"/>
-        <c:numFmt formatCode="General" sourceLinked="1"/>
-        <c:majorTickMark val="in"/>
-        <c:minorTickMark val="none"/>
-        <c:tickLblPos val="nextTo"/>
-        <c:spPr>
-          <a:noFill/>
-          <a:ln w="9525" cap="flat" cmpd="sng" algn="ctr">
-            <a:solidFill>
-              <a:schemeClr val="tx1">
-                <a:lumMod val="15000"/>
-                <a:lumOff val="85000"/>
-              </a:schemeClr>
-            </a:solidFill>
-            <a:round/>
-          </a:ln>
-          <a:effectLst/>
-        </c:spPr>
-        <c:txPr>
-          <a:bodyPr rot="-60000000" spcFirstLastPara="1" vertOverflow="ellipsis" vert="horz" wrap="square" anchor="ctr" anchorCtr="1"/>
-          <a:lstStyle/>
-          <a:p>
-            <a:pPr>
-              <a:defRPr sz="2800" b="0" i="0" u="none" strike="noStrike" kern="1200" baseline="0">
-                <a:solidFill>
-                  <a:schemeClr val="tx1"/>
-                </a:solidFill>
-                <a:latin typeface="Arial" charset="0"/>
-                <a:ea typeface="Arial" charset="0"/>
-                <a:cs typeface="Arial" charset="0"/>
-              </a:defRPr>
-            </a:pPr>
-            <a:endParaRPr lang="en-US"/>
-          </a:p>
-        </c:txPr>
-        <c:crossAx val="1718757296"/>
-        <c:crosses val="autoZero"/>
-        <c:auto val="1"/>
-        <c:lblAlgn val="ctr"/>
-        <c:lblOffset val="100"/>
-        <c:noMultiLvlLbl val="0"/>
-      </c:catAx>
-      <c:valAx>
-        <c:axId val="1718757296"/>
-        <c:scaling>
-          <c:orientation val="minMax"/>
-        </c:scaling>
-        <c:delete val="0"/>
-        <c:axPos val="l"/>
-        <c:title>
-          <c:tx>
-            <c:rich>
-              <a:bodyPr rot="-5400000" spcFirstLastPara="1" vertOverflow="ellipsis" vert="horz" wrap="square" anchor="ctr" anchorCtr="1"/>
-              <a:lstStyle/>
-              <a:p>
-                <a:pPr>
-                  <a:defRPr sz="2800" b="0" i="0" u="none" strike="noStrike" kern="1200" baseline="0">
-                    <a:solidFill>
-                      <a:schemeClr val="tx1">
-                        <a:lumMod val="65000"/>
-                        <a:lumOff val="35000"/>
-                      </a:schemeClr>
-                    </a:solidFill>
-                    <a:latin typeface="Arial" charset="0"/>
-                    <a:ea typeface="Arial" charset="0"/>
-                    <a:cs typeface="Arial" charset="0"/>
-                  </a:defRPr>
-                </a:pPr>
-                <a:r>
-                  <a:rPr lang="en-US" sz="2800" dirty="0">
-                    <a:solidFill>
-                      <a:schemeClr val="tx1"/>
-                    </a:solidFill>
-                    <a:latin typeface="Arial" charset="0"/>
-                    <a:ea typeface="Arial" charset="0"/>
-                    <a:cs typeface="Arial" charset="0"/>
-                  </a:rPr>
-                  <a:t>Percentage</a:t>
-                </a:r>
-                <a:r>
-                  <a:rPr lang="en-US" sz="2800" baseline="0" dirty="0">
-                    <a:solidFill>
-                      <a:schemeClr val="tx1"/>
-                    </a:solidFill>
-                    <a:latin typeface="Arial" charset="0"/>
-                    <a:ea typeface="Arial" charset="0"/>
-                    <a:cs typeface="Arial" charset="0"/>
-                  </a:rPr>
-                  <a:t> </a:t>
-                </a:r>
-                <a:endParaRPr lang="en-US" sz="2800" dirty="0">
-                  <a:solidFill>
-                    <a:schemeClr val="tx1"/>
-                  </a:solidFill>
-                  <a:latin typeface="Arial" charset="0"/>
-                  <a:ea typeface="Arial" charset="0"/>
-                  <a:cs typeface="Arial" charset="0"/>
-                </a:endParaRPr>
-              </a:p>
-            </c:rich>
-          </c:tx>
-          <c:layout>
-            <c:manualLayout>
-              <c:xMode val="edge"/>
-              <c:yMode val="edge"/>
-              <c:x val="8.9029512525007192E-3"/>
-              <c:y val="0.21709113305481501"/>
-            </c:manualLayout>
-          </c:layout>
-          <c:overlay val="0"/>
-          <c:spPr>
-            <a:noFill/>
-            <a:ln>
-              <a:noFill/>
-            </a:ln>
-            <a:effectLst/>
-          </c:spPr>
-          <c:txPr>
-            <a:bodyPr rot="-5400000" spcFirstLastPara="1" vertOverflow="ellipsis" vert="horz" wrap="square" anchor="ctr" anchorCtr="1"/>
-            <a:lstStyle/>
-            <a:p>
-              <a:pPr>
-                <a:defRPr sz="2800" b="0" i="0" u="none" strike="noStrike" kern="1200" baseline="0">
-                  <a:solidFill>
-                    <a:schemeClr val="tx1">
-                      <a:lumMod val="65000"/>
-                      <a:lumOff val="35000"/>
-                    </a:schemeClr>
-                  </a:solidFill>
-                  <a:latin typeface="Arial" charset="0"/>
-                  <a:ea typeface="Arial" charset="0"/>
-                  <a:cs typeface="Arial" charset="0"/>
-                </a:defRPr>
-              </a:pPr>
-              <a:endParaRPr lang="en-US"/>
-            </a:p>
-          </c:txPr>
-        </c:title>
-        <c:numFmt formatCode="General" sourceLinked="0"/>
-        <c:majorTickMark val="in"/>
-        <c:minorTickMark val="none"/>
-        <c:tickLblPos val="nextTo"/>
-        <c:spPr>
-          <a:noFill/>
-          <a:ln>
-            <a:solidFill>
-              <a:schemeClr val="bg2">
-                <a:lumMod val="75000"/>
-              </a:schemeClr>
-            </a:solidFill>
-          </a:ln>
-          <a:effectLst/>
-        </c:spPr>
-        <c:txPr>
-          <a:bodyPr rot="-60000000" spcFirstLastPara="1" vertOverflow="ellipsis" vert="horz" wrap="square" anchor="ctr" anchorCtr="1"/>
-          <a:lstStyle/>
-          <a:p>
-            <a:pPr>
-              <a:defRPr sz="2800" b="0" i="0" u="none" strike="noStrike" kern="1200" baseline="0">
-                <a:solidFill>
-                  <a:schemeClr val="tx1"/>
-                </a:solidFill>
-                <a:latin typeface="Arial" charset="0"/>
-                <a:ea typeface="Arial" charset="0"/>
-                <a:cs typeface="Arial" charset="0"/>
-              </a:defRPr>
-            </a:pPr>
-            <a:endParaRPr lang="en-US"/>
-          </a:p>
-        </c:txPr>
-        <c:crossAx val="1718754976"/>
-        <c:crosses val="autoZero"/>
-        <c:crossBetween val="between"/>
-      </c:valAx>
-      <c:spPr>
-        <a:noFill/>
-        <a:ln>
-          <a:noFill/>
-        </a:ln>
-        <a:effectLst/>
-      </c:spPr>
-    </c:plotArea>
-    <c:legend>
-      <c:legendPos val="b"/>
-      <c:layout>
-        <c:manualLayout>
-          <c:xMode val="edge"/>
-          <c:yMode val="edge"/>
-          <c:x val="0.68549065365573303"/>
-          <c:y val="1.5889077357731901E-2"/>
-          <c:w val="0.30379934741492398"/>
-          <c:h val="9.2801463158107902E-2"/>
-        </c:manualLayout>
-      </c:layout>
-      <c:overlay val="0"/>
-      <c:spPr>
-        <a:noFill/>
-        <a:ln>
-          <a:noFill/>
-        </a:ln>
-        <a:effectLst/>
-      </c:spPr>
-      <c:txPr>
-        <a:bodyPr rot="0" spcFirstLastPara="1" vertOverflow="ellipsis" vert="horz" wrap="square" anchor="ctr" anchorCtr="1"/>
-        <a:lstStyle/>
-        <a:p>
-          <a:pPr>
-            <a:defRPr sz="2800" b="0" i="0" u="none" strike="noStrike" kern="1200" baseline="0">
-              <a:solidFill>
-                <a:schemeClr val="tx1"/>
-              </a:solidFill>
-              <a:latin typeface="Arial" charset="0"/>
-              <a:ea typeface="Arial" charset="0"/>
-              <a:cs typeface="Arial" charset="0"/>
-            </a:defRPr>
-          </a:pPr>
-          <a:endParaRPr lang="en-US"/>
-        </a:p>
-      </c:txPr>
-    </c:legend>
-    <c:plotVisOnly val="1"/>
-    <c:dispBlanksAs val="gap"/>
-    <c:showDLblsOverMax val="0"/>
-  </c:chart>
-  <c:spPr>
-    <a:noFill/>
-    <a:ln>
-      <a:noFill/>
-    </a:ln>
-    <a:effectLst/>
-  </c:spPr>
-  <c:txPr>
-    <a:bodyPr/>
-    <a:lstStyle/>
-    <a:p>
-      <a:pPr>
-        <a:defRPr/>
-      </a:pPr>
-      <a:endParaRPr lang="en-US"/>
-    </a:p>
-  </c:txPr>
-  <c:externalData r:id="rId3">
-    <c:autoUpdate val="0"/>
-  </c:externalData>
-</c:chartSpace>
-</file>
-
-<file path=ppt/charts/chart2.xml><?xml version="1.0" encoding="utf-8"?>
-<c:chartSpace xmlns:c="http://schemas.openxmlformats.org/drawingml/2006/chart" xmlns:a="http://schemas.openxmlformats.org/drawingml/2006/main" xmlns:r="http://schemas.openxmlformats.org/officeDocument/2006/relationships" xmlns:c16r2="http://schemas.microsoft.com/office/drawing/2015/06/chart">
-  <c:date1904 val="0"/>
-  <c:lang val="en-US"/>
-  <c:roundedCorners val="0"/>
-  <mc:AlternateContent xmlns:mc="http://schemas.openxmlformats.org/markup-compatibility/2006">
-    <mc:Choice xmlns:c14="http://schemas.microsoft.com/office/drawing/2007/8/2/chart" Requires="c14">
-      <c14:style val="102"/>
-    </mc:Choice>
-    <mc:Fallback>
-      <c:style val="2"/>
-    </mc:Fallback>
-  </mc:AlternateContent>
-  <c:chart>
-    <c:autoTitleDeleted val="1"/>
-    <c:plotArea>
-      <c:layout>
-        <c:manualLayout>
-          <c:layoutTarget val="inner"/>
-          <c:xMode val="edge"/>
-          <c:yMode val="edge"/>
-          <c:x val="9.2990768461880605E-2"/>
-          <c:y val="0.13123462381779"/>
-          <c:w val="0.88650056434218305"/>
-          <c:h val="0.61252826829662899"/>
-        </c:manualLayout>
-      </c:layout>
-      <c:barChart>
-        <c:barDir val="col"/>
-        <c:grouping val="clustered"/>
-        <c:varyColors val="0"/>
-        <c:ser>
-          <c:idx val="0"/>
-          <c:order val="0"/>
-          <c:tx>
-            <c:strRef>
-              <c:f>[1]Sheet1!$G$34</c:f>
-              <c:strCache>
-                <c:ptCount val="1"/>
-                <c:pt idx="0">
-                  <c:v>Third</c:v>
-                </c:pt>
-              </c:strCache>
-            </c:strRef>
-          </c:tx>
-          <c:spPr>
-            <a:solidFill>
-              <a:srgbClr val="0070C0"/>
-            </a:solidFill>
-            <a:ln>
-              <a:noFill/>
-            </a:ln>
-            <a:effectLst/>
-          </c:spPr>
-          <c:invertIfNegative val="0"/>
-          <c:cat>
-            <c:multiLvlStrRef>
-              <c:f>[1]Sheet1!$H$32:$M$33</c:f>
-              <c:multiLvlStrCache>
-                <c:ptCount val="6"/>
-                <c:lvl>
-                  <c:pt idx="0">
-                    <c:v>Respect</c:v>
-                  </c:pt>
-                  <c:pt idx="1">
-                    <c:v>Disrespect</c:v>
-                  </c:pt>
-                  <c:pt idx="2">
-                    <c:v>Respect</c:v>
-                  </c:pt>
-                  <c:pt idx="3">
-                    <c:v>Disrespect</c:v>
-                  </c:pt>
-                  <c:pt idx="4">
-                    <c:v>Respect</c:v>
-                  </c:pt>
-                  <c:pt idx="5">
-                    <c:v>Disrespect</c:v>
-                  </c:pt>
-                </c:lvl>
-                <c:lvl>
-                  <c:pt idx="0">
-                    <c:v>Non-Friends</c:v>
-                  </c:pt>
-                  <c:pt idx="2">
-                    <c:v>Friends</c:v>
-                  </c:pt>
-                  <c:pt idx="4">
-                    <c:v>Best Friends</c:v>
-                  </c:pt>
-                </c:lvl>
-              </c:multiLvlStrCache>
-            </c:multiLvlStrRef>
-          </c:cat>
-          <c:val>
-            <c:numRef>
-              <c:f>[1]Sheet1!$H$34:$M$34</c:f>
-              <c:numCache>
-                <c:formatCode>General</c:formatCode>
-                <c:ptCount val="6"/>
-                <c:pt idx="0">
-                  <c:v>58.620689655172377</c:v>
-                </c:pt>
-                <c:pt idx="1">
-                  <c:v>72.549019607843164</c:v>
-                </c:pt>
-                <c:pt idx="2">
-                  <c:v>37.931034482758591</c:v>
-                </c:pt>
-                <c:pt idx="3">
-                  <c:v>19.6078431372549</c:v>
-                </c:pt>
-                <c:pt idx="4">
-                  <c:v>3.4482758620689649</c:v>
-                </c:pt>
-                <c:pt idx="5">
-                  <c:v>9.8039215686274517</c:v>
-                </c:pt>
-              </c:numCache>
-            </c:numRef>
-          </c:val>
-          <c:extLst>
-            <c:ext xmlns:c16="http://schemas.microsoft.com/office/drawing/2014/chart" uri="{C3380CC4-5D6E-409C-BE32-E72D297353CC}">
-              <c16:uniqueId val="{00000000-AE24-AB48-8B6D-C93FB72310C8}"/>
-            </c:ext>
-          </c:extLst>
-        </c:ser>
-        <c:ser>
-          <c:idx val="1"/>
-          <c:order val="1"/>
-          <c:tx>
-            <c:strRef>
-              <c:f>[1]Sheet1!$G$35</c:f>
-              <c:strCache>
-                <c:ptCount val="1"/>
-                <c:pt idx="0">
-                  <c:v>Fourth</c:v>
-                </c:pt>
-              </c:strCache>
-            </c:strRef>
-          </c:tx>
-          <c:spPr>
-            <a:solidFill>
-              <a:srgbClr val="FFC000"/>
-            </a:solidFill>
-            <a:ln>
-              <a:noFill/>
-            </a:ln>
-            <a:effectLst/>
-          </c:spPr>
-          <c:invertIfNegative val="0"/>
-          <c:cat>
-            <c:multiLvlStrRef>
-              <c:f>[1]Sheet1!$H$32:$M$33</c:f>
-              <c:multiLvlStrCache>
-                <c:ptCount val="6"/>
-                <c:lvl>
-                  <c:pt idx="0">
-                    <c:v>Respect</c:v>
-                  </c:pt>
-                  <c:pt idx="1">
-                    <c:v>Disrespect</c:v>
-                  </c:pt>
-                  <c:pt idx="2">
-                    <c:v>Respect</c:v>
-                  </c:pt>
-                  <c:pt idx="3">
-                    <c:v>Disrespect</c:v>
-                  </c:pt>
-                  <c:pt idx="4">
-                    <c:v>Respect</c:v>
-                  </c:pt>
-                  <c:pt idx="5">
-                    <c:v>Disrespect</c:v>
-                  </c:pt>
-                </c:lvl>
-                <c:lvl>
-                  <c:pt idx="0">
-                    <c:v>Non-Friends</c:v>
-                  </c:pt>
-                  <c:pt idx="2">
-                    <c:v>Friends</c:v>
-                  </c:pt>
-                  <c:pt idx="4">
-                    <c:v>Best Friends</c:v>
-                  </c:pt>
-                </c:lvl>
-              </c:multiLvlStrCache>
-            </c:multiLvlStrRef>
-          </c:cat>
-          <c:val>
-            <c:numRef>
-              <c:f>[1]Sheet1!$H$35:$M$35</c:f>
-              <c:numCache>
-                <c:formatCode>General</c:formatCode>
-                <c:ptCount val="6"/>
-                <c:pt idx="0">
-                  <c:v>71.428571428571388</c:v>
-                </c:pt>
-                <c:pt idx="1">
-                  <c:v>70.454545454545453</c:v>
-                </c:pt>
-                <c:pt idx="2">
-                  <c:v>28.571428571428569</c:v>
-                </c:pt>
-                <c:pt idx="3">
-                  <c:v>15.90909090909091</c:v>
-                </c:pt>
-                <c:pt idx="4">
-                  <c:v>0</c:v>
-                </c:pt>
-                <c:pt idx="5">
-                  <c:v>13.63636363636363</c:v>
-                </c:pt>
-              </c:numCache>
-            </c:numRef>
-          </c:val>
-          <c:extLst>
-            <c:ext xmlns:c16="http://schemas.microsoft.com/office/drawing/2014/chart" uri="{C3380CC4-5D6E-409C-BE32-E72D297353CC}">
-              <c16:uniqueId val="{00000001-AE24-AB48-8B6D-C93FB72310C8}"/>
-            </c:ext>
-          </c:extLst>
-        </c:ser>
-        <c:ser>
-          <c:idx val="2"/>
-          <c:order val="2"/>
-          <c:tx>
-            <c:strRef>
-              <c:f>[1]Sheet1!$G$36</c:f>
-              <c:strCache>
-                <c:ptCount val="1"/>
-                <c:pt idx="0">
-                  <c:v>Fifth</c:v>
-                </c:pt>
-              </c:strCache>
-            </c:strRef>
-          </c:tx>
-          <c:spPr>
-            <a:solidFill>
-              <a:srgbClr val="008000"/>
-            </a:solidFill>
-            <a:ln>
-              <a:noFill/>
-            </a:ln>
-            <a:effectLst/>
-          </c:spPr>
-          <c:invertIfNegative val="0"/>
-          <c:cat>
-            <c:multiLvlStrRef>
-              <c:f>[1]Sheet1!$H$32:$M$33</c:f>
-              <c:multiLvlStrCache>
-                <c:ptCount val="6"/>
-                <c:lvl>
-                  <c:pt idx="0">
-                    <c:v>Respect</c:v>
-                  </c:pt>
-                  <c:pt idx="1">
-                    <c:v>Disrespect</c:v>
-                  </c:pt>
-                  <c:pt idx="2">
-                    <c:v>Respect</c:v>
-                  </c:pt>
-                  <c:pt idx="3">
-                    <c:v>Disrespect</c:v>
-                  </c:pt>
-                  <c:pt idx="4">
-                    <c:v>Respect</c:v>
-                  </c:pt>
-                  <c:pt idx="5">
-                    <c:v>Disrespect</c:v>
-                  </c:pt>
-                </c:lvl>
-                <c:lvl>
-                  <c:pt idx="0">
-                    <c:v>Non-Friends</c:v>
-                  </c:pt>
-                  <c:pt idx="2">
-                    <c:v>Friends</c:v>
-                  </c:pt>
-                  <c:pt idx="4">
-                    <c:v>Best Friends</c:v>
-                  </c:pt>
-                </c:lvl>
-              </c:multiLvlStrCache>
-            </c:multiLvlStrRef>
-          </c:cat>
-          <c:val>
-            <c:numRef>
-              <c:f>[1]Sheet1!$H$36:$M$36</c:f>
-              <c:numCache>
-                <c:formatCode>General</c:formatCode>
-                <c:ptCount val="6"/>
-                <c:pt idx="0">
-                  <c:v>70.588235294117666</c:v>
-                </c:pt>
-                <c:pt idx="1">
-                  <c:v>75.675675675675677</c:v>
-                </c:pt>
-                <c:pt idx="2">
-                  <c:v>26.47058823529412</c:v>
-                </c:pt>
-                <c:pt idx="3">
-                  <c:v>21.621621621621621</c:v>
-                </c:pt>
-                <c:pt idx="4">
-                  <c:v>2.9411764705882351</c:v>
-                </c:pt>
-                <c:pt idx="5">
-                  <c:v>5.4054054054054053</c:v>
-                </c:pt>
-              </c:numCache>
-            </c:numRef>
-          </c:val>
-          <c:extLst>
-            <c:ext xmlns:c16="http://schemas.microsoft.com/office/drawing/2014/chart" uri="{C3380CC4-5D6E-409C-BE32-E72D297353CC}">
-              <c16:uniqueId val="{00000002-AE24-AB48-8B6D-C93FB72310C8}"/>
-            </c:ext>
-          </c:extLst>
-        </c:ser>
-        <c:dLbls>
-          <c:showLegendKey val="0"/>
-          <c:showVal val="0"/>
-          <c:showCatName val="0"/>
-          <c:showSerName val="0"/>
-          <c:showPercent val="0"/>
-          <c:showBubbleSize val="0"/>
-        </c:dLbls>
-        <c:gapWidth val="219"/>
-        <c:overlap val="-27"/>
-        <c:axId val="1674815920"/>
-        <c:axId val="1674812256"/>
-      </c:barChart>
-      <c:catAx>
-        <c:axId val="1674815920"/>
-        <c:scaling>
-          <c:orientation val="minMax"/>
-        </c:scaling>
-        <c:delete val="0"/>
-        <c:axPos val="b"/>
-        <c:numFmt formatCode="General" sourceLinked="1"/>
-        <c:majorTickMark val="none"/>
-        <c:minorTickMark val="none"/>
-        <c:tickLblPos val="nextTo"/>
-        <c:spPr>
-          <a:noFill/>
-          <a:ln w="9525" cap="flat" cmpd="sng" algn="ctr">
-            <a:solidFill>
-              <a:schemeClr val="tx1">
-                <a:lumMod val="15000"/>
-                <a:lumOff val="85000"/>
-              </a:schemeClr>
-            </a:solidFill>
-            <a:round/>
-          </a:ln>
-          <a:effectLst/>
-        </c:spPr>
-        <c:txPr>
-          <a:bodyPr rot="-60000000" spcFirstLastPara="1" vertOverflow="ellipsis" vert="horz" wrap="square" anchor="ctr" anchorCtr="1"/>
-          <a:lstStyle/>
-          <a:p>
-            <a:pPr>
-              <a:defRPr sz="2800" b="0" i="0" u="none" strike="noStrike" kern="1200" baseline="0">
-                <a:solidFill>
-                  <a:schemeClr val="tx1"/>
-                </a:solidFill>
-                <a:latin typeface="+mn-lt"/>
-                <a:ea typeface="+mn-ea"/>
-                <a:cs typeface="+mn-cs"/>
-              </a:defRPr>
-            </a:pPr>
-            <a:endParaRPr lang="en-US"/>
-          </a:p>
-        </c:txPr>
-        <c:crossAx val="1674812256"/>
-        <c:crosses val="autoZero"/>
-        <c:auto val="1"/>
-        <c:lblAlgn val="ctr"/>
-        <c:lblOffset val="100"/>
-        <c:noMultiLvlLbl val="0"/>
-      </c:catAx>
-      <c:valAx>
-        <c:axId val="1674812256"/>
-        <c:scaling>
-          <c:orientation val="minMax"/>
-        </c:scaling>
-        <c:delete val="0"/>
-        <c:axPos val="l"/>
-        <c:title>
-          <c:tx>
-            <c:rich>
-              <a:bodyPr rot="-5400000" spcFirstLastPara="1" vertOverflow="ellipsis" vert="horz" wrap="square" anchor="ctr" anchorCtr="1"/>
-              <a:lstStyle/>
-              <a:p>
-                <a:pPr>
-                  <a:defRPr sz="2800" b="0" i="0" u="none" strike="noStrike" kern="1200" baseline="0">
-                    <a:solidFill>
-                      <a:schemeClr val="tx1"/>
-                    </a:solidFill>
-                    <a:latin typeface="+mn-lt"/>
-                    <a:ea typeface="+mn-ea"/>
-                    <a:cs typeface="+mn-cs"/>
-                  </a:defRPr>
-                </a:pPr>
-                <a:r>
-                  <a:rPr lang="fr-FR" sz="2800">
-                    <a:solidFill>
-                      <a:schemeClr val="tx1"/>
-                    </a:solidFill>
-                  </a:rPr>
-                  <a:t>Percentage</a:t>
-                </a:r>
-                <a:endParaRPr lang="fr-FR" sz="2800" dirty="0">
-                  <a:solidFill>
-                    <a:schemeClr val="tx1"/>
-                  </a:solidFill>
-                </a:endParaRPr>
-              </a:p>
-            </c:rich>
-          </c:tx>
-          <c:overlay val="0"/>
-          <c:spPr>
-            <a:noFill/>
-            <a:ln>
-              <a:noFill/>
-            </a:ln>
-            <a:effectLst/>
-          </c:spPr>
-          <c:txPr>
-            <a:bodyPr rot="-5400000" spcFirstLastPara="1" vertOverflow="ellipsis" vert="horz" wrap="square" anchor="ctr" anchorCtr="1"/>
-            <a:lstStyle/>
-            <a:p>
-              <a:pPr>
-                <a:defRPr sz="2800" b="0" i="0" u="none" strike="noStrike" kern="1200" baseline="0">
-                  <a:solidFill>
-                    <a:schemeClr val="tx1"/>
-                  </a:solidFill>
-                  <a:latin typeface="+mn-lt"/>
-                  <a:ea typeface="+mn-ea"/>
-                  <a:cs typeface="+mn-cs"/>
-                </a:defRPr>
-              </a:pPr>
-              <a:endParaRPr lang="en-US"/>
-            </a:p>
-          </c:txPr>
-        </c:title>
-        <c:numFmt formatCode="General" sourceLinked="0"/>
-        <c:majorTickMark val="none"/>
-        <c:minorTickMark val="none"/>
-        <c:tickLblPos val="nextTo"/>
-        <c:spPr>
-          <a:noFill/>
-          <a:ln>
-            <a:noFill/>
-          </a:ln>
-          <a:effectLst/>
-        </c:spPr>
-        <c:txPr>
-          <a:bodyPr rot="-60000000" spcFirstLastPara="1" vertOverflow="ellipsis" vert="horz" wrap="square" anchor="ctr" anchorCtr="1"/>
-          <a:lstStyle/>
-          <a:p>
-            <a:pPr>
-              <a:defRPr sz="2800" b="0" i="0" u="none" strike="noStrike" kern="1200" baseline="0">
-                <a:solidFill>
-                  <a:schemeClr val="tx1"/>
-                </a:solidFill>
-                <a:latin typeface="+mn-lt"/>
-                <a:ea typeface="+mn-ea"/>
-                <a:cs typeface="+mn-cs"/>
-              </a:defRPr>
-            </a:pPr>
-            <a:endParaRPr lang="en-US"/>
-          </a:p>
-        </c:txPr>
-        <c:crossAx val="1674815920"/>
-        <c:crosses val="autoZero"/>
-        <c:crossBetween val="between"/>
-      </c:valAx>
-      <c:spPr>
-        <a:noFill/>
-        <a:ln>
-          <a:noFill/>
-        </a:ln>
-        <a:effectLst/>
-      </c:spPr>
-    </c:plotArea>
-    <c:legend>
-      <c:legendPos val="b"/>
-      <c:layout>
-        <c:manualLayout>
-          <c:xMode val="edge"/>
-          <c:yMode val="edge"/>
-          <c:x val="0.678334846967796"/>
-          <c:y val="8.4434640059905697E-2"/>
-          <c:w val="0.27179829306071901"/>
-          <c:h val="0.14518691199276601"/>
-        </c:manualLayout>
-      </c:layout>
-      <c:overlay val="0"/>
-      <c:spPr>
-        <a:noFill/>
-        <a:ln>
-          <a:noFill/>
-        </a:ln>
-        <a:effectLst/>
-      </c:spPr>
-      <c:txPr>
-        <a:bodyPr rot="0" spcFirstLastPara="1" vertOverflow="ellipsis" vert="horz" wrap="square" anchor="ctr" anchorCtr="1"/>
-        <a:lstStyle/>
-        <a:p>
-          <a:pPr>
-            <a:defRPr sz="2400" b="0" i="0" u="none" strike="noStrike" kern="1200" baseline="0">
-              <a:solidFill>
-                <a:schemeClr val="tx1"/>
-              </a:solidFill>
-              <a:latin typeface="+mn-lt"/>
-              <a:ea typeface="+mn-ea"/>
-              <a:cs typeface="+mn-cs"/>
-            </a:defRPr>
-          </a:pPr>
-          <a:endParaRPr lang="en-US"/>
-        </a:p>
-      </c:txPr>
-    </c:legend>
-    <c:plotVisOnly val="1"/>
-    <c:dispBlanksAs val="gap"/>
-    <c:showDLblsOverMax val="0"/>
-  </c:chart>
-  <c:spPr>
-    <a:noFill/>
-    <a:ln>
-      <a:noFill/>
-    </a:ln>
-    <a:effectLst/>
-  </c:spPr>
-  <c:txPr>
-    <a:bodyPr/>
-    <a:lstStyle/>
-    <a:p>
-      <a:pPr>
-        <a:defRPr/>
-      </a:pPr>
-      <a:endParaRPr lang="en-US"/>
-    </a:p>
-  </c:txPr>
-  <c:externalData r:id="rId3">
-    <c:autoUpdate val="0"/>
-  </c:externalData>
-</c:chartSpace>
-</file>
-
-<file path=ppt/charts/chart3.xml><?xml version="1.0" encoding="utf-8"?>
-<c:chartSpace xmlns:c="http://schemas.openxmlformats.org/drawingml/2006/chart" xmlns:a="http://schemas.openxmlformats.org/drawingml/2006/main" xmlns:r="http://schemas.openxmlformats.org/officeDocument/2006/relationships" xmlns:c16r2="http://schemas.microsoft.com/office/drawing/2015/06/chart">
-  <c:date1904 val="0"/>
-  <c:lang val="en-US"/>
-  <c:roundedCorners val="0"/>
-  <mc:AlternateContent xmlns:mc="http://schemas.openxmlformats.org/markup-compatibility/2006">
-    <mc:Choice xmlns:c14="http://schemas.microsoft.com/office/drawing/2007/8/2/chart" Requires="c14">
-      <c14:style val="102"/>
-    </mc:Choice>
-    <mc:Fallback>
-      <c:style val="2"/>
-    </mc:Fallback>
-  </mc:AlternateContent>
-  <c:chart>
-    <c:autoTitleDeleted val="1"/>
-    <c:plotArea>
-      <c:layout/>
-      <c:barChart>
-        <c:barDir val="col"/>
-        <c:grouping val="clustered"/>
-        <c:varyColors val="0"/>
-        <c:ser>
-          <c:idx val="0"/>
-          <c:order val="0"/>
-          <c:tx>
-            <c:strRef>
-              <c:f>Sheet1!$O$13</c:f>
-              <c:strCache>
-                <c:ptCount val="1"/>
-                <c:pt idx="0">
-                  <c:v>Third</c:v>
-                </c:pt>
-              </c:strCache>
-            </c:strRef>
-          </c:tx>
-          <c:spPr>
-            <a:solidFill>
-              <a:srgbClr val="0070C0"/>
-            </a:solidFill>
-            <a:ln>
-              <a:noFill/>
-            </a:ln>
-            <a:effectLst/>
-          </c:spPr>
-          <c:invertIfNegative val="0"/>
-          <c:cat>
-            <c:multiLvlStrRef>
-              <c:f>Sheet1!$P$11:$U$12</c:f>
-              <c:multiLvlStrCache>
-                <c:ptCount val="6"/>
-                <c:lvl>
-                  <c:pt idx="0">
-                    <c:v>Respect</c:v>
-                  </c:pt>
-                  <c:pt idx="1">
-                    <c:v>Disrespect</c:v>
-                  </c:pt>
-                  <c:pt idx="2">
-                    <c:v>Respect</c:v>
-                  </c:pt>
-                  <c:pt idx="3">
-                    <c:v>Disrespect</c:v>
-                  </c:pt>
-                  <c:pt idx="4">
-                    <c:v>Respect</c:v>
-                  </c:pt>
-                  <c:pt idx="5">
-                    <c:v>Disrespect</c:v>
-                  </c:pt>
-                </c:lvl>
-                <c:lvl>
-                  <c:pt idx="0">
-                    <c:v>Context</c:v>
-                  </c:pt>
-                  <c:pt idx="2">
-                    <c:v>Chronology</c:v>
-                  </c:pt>
-                  <c:pt idx="4">
-                    <c:v>Theme</c:v>
-                  </c:pt>
-                </c:lvl>
-              </c:multiLvlStrCache>
-            </c:multiLvlStrRef>
-          </c:cat>
-          <c:val>
-            <c:numRef>
-              <c:f>Sheet1!$P$13:$U$13</c:f>
-              <c:numCache>
-                <c:formatCode>General</c:formatCode>
-                <c:ptCount val="6"/>
-                <c:pt idx="0">
-                  <c:v>1.6896551719999999</c:v>
-                </c:pt>
-                <c:pt idx="1">
-                  <c:v>1.923076923</c:v>
-                </c:pt>
-                <c:pt idx="2">
-                  <c:v>2.7931034480000001</c:v>
-                </c:pt>
-                <c:pt idx="3">
-                  <c:v>2.711538462</c:v>
-                </c:pt>
-                <c:pt idx="4">
-                  <c:v>1.9655172409999999</c:v>
-                </c:pt>
-                <c:pt idx="5">
-                  <c:v>2.134615385</c:v>
-                </c:pt>
-              </c:numCache>
-            </c:numRef>
-          </c:val>
-          <c:extLst>
-            <c:ext xmlns:c16="http://schemas.microsoft.com/office/drawing/2014/chart" uri="{C3380CC4-5D6E-409C-BE32-E72D297353CC}">
-              <c16:uniqueId val="{00000000-75F4-BB4E-8684-E3DAFC641CC6}"/>
-            </c:ext>
-          </c:extLst>
-        </c:ser>
-        <c:ser>
-          <c:idx val="1"/>
-          <c:order val="1"/>
-          <c:tx>
-            <c:strRef>
-              <c:f>Sheet1!$O$14</c:f>
-              <c:strCache>
-                <c:ptCount val="1"/>
-                <c:pt idx="0">
-                  <c:v>Fourth </c:v>
-                </c:pt>
-              </c:strCache>
-            </c:strRef>
-          </c:tx>
-          <c:spPr>
-            <a:solidFill>
-              <a:srgbClr val="FFC000"/>
-            </a:solidFill>
-            <a:ln>
-              <a:noFill/>
-            </a:ln>
-            <a:effectLst/>
-          </c:spPr>
-          <c:invertIfNegative val="0"/>
-          <c:cat>
-            <c:multiLvlStrRef>
-              <c:f>Sheet1!$P$11:$U$12</c:f>
-              <c:multiLvlStrCache>
-                <c:ptCount val="6"/>
-                <c:lvl>
-                  <c:pt idx="0">
-                    <c:v>Respect</c:v>
-                  </c:pt>
-                  <c:pt idx="1">
-                    <c:v>Disrespect</c:v>
-                  </c:pt>
-                  <c:pt idx="2">
-                    <c:v>Respect</c:v>
-                  </c:pt>
-                  <c:pt idx="3">
-                    <c:v>Disrespect</c:v>
-                  </c:pt>
-                  <c:pt idx="4">
-                    <c:v>Respect</c:v>
-                  </c:pt>
-                  <c:pt idx="5">
-                    <c:v>Disrespect</c:v>
-                  </c:pt>
-                </c:lvl>
-                <c:lvl>
-                  <c:pt idx="0">
-                    <c:v>Context</c:v>
-                  </c:pt>
-                  <c:pt idx="2">
-                    <c:v>Chronology</c:v>
-                  </c:pt>
-                  <c:pt idx="4">
-                    <c:v>Theme</c:v>
-                  </c:pt>
-                </c:lvl>
-              </c:multiLvlStrCache>
-            </c:multiLvlStrRef>
-          </c:cat>
-          <c:val>
-            <c:numRef>
-              <c:f>Sheet1!$P$14:$U$14</c:f>
-              <c:numCache>
-                <c:formatCode>General</c:formatCode>
-                <c:ptCount val="6"/>
-                <c:pt idx="0">
-                  <c:v>2.3571428569999999</c:v>
-                </c:pt>
-                <c:pt idx="1">
-                  <c:v>1.931818182</c:v>
-                </c:pt>
-                <c:pt idx="2">
-                  <c:v>2.9285714289999998</c:v>
-                </c:pt>
-                <c:pt idx="3">
-                  <c:v>2.75</c:v>
-                </c:pt>
-                <c:pt idx="4">
-                  <c:v>2.2857142860000002</c:v>
-                </c:pt>
-                <c:pt idx="5">
-                  <c:v>1.931818182</c:v>
-                </c:pt>
-              </c:numCache>
-            </c:numRef>
-          </c:val>
-          <c:extLst>
-            <c:ext xmlns:c16="http://schemas.microsoft.com/office/drawing/2014/chart" uri="{C3380CC4-5D6E-409C-BE32-E72D297353CC}">
-              <c16:uniqueId val="{00000001-75F4-BB4E-8684-E3DAFC641CC6}"/>
-            </c:ext>
-          </c:extLst>
-        </c:ser>
-        <c:ser>
-          <c:idx val="2"/>
-          <c:order val="2"/>
-          <c:tx>
-            <c:strRef>
-              <c:f>Sheet1!$O$15</c:f>
-              <c:strCache>
-                <c:ptCount val="1"/>
-                <c:pt idx="0">
-                  <c:v>Fifth</c:v>
-                </c:pt>
-              </c:strCache>
-            </c:strRef>
-          </c:tx>
-          <c:spPr>
-            <a:solidFill>
-              <a:srgbClr val="008000"/>
-            </a:solidFill>
-            <a:ln>
-              <a:noFill/>
-            </a:ln>
-            <a:effectLst/>
-          </c:spPr>
-          <c:invertIfNegative val="0"/>
-          <c:cat>
-            <c:multiLvlStrRef>
-              <c:f>Sheet1!$P$11:$U$12</c:f>
-              <c:multiLvlStrCache>
-                <c:ptCount val="6"/>
-                <c:lvl>
-                  <c:pt idx="0">
-                    <c:v>Respect</c:v>
-                  </c:pt>
-                  <c:pt idx="1">
-                    <c:v>Disrespect</c:v>
-                  </c:pt>
-                  <c:pt idx="2">
-                    <c:v>Respect</c:v>
-                  </c:pt>
-                  <c:pt idx="3">
-                    <c:v>Disrespect</c:v>
-                  </c:pt>
-                  <c:pt idx="4">
-                    <c:v>Respect</c:v>
-                  </c:pt>
-                  <c:pt idx="5">
-                    <c:v>Disrespect</c:v>
-                  </c:pt>
-                </c:lvl>
-                <c:lvl>
-                  <c:pt idx="0">
-                    <c:v>Context</c:v>
-                  </c:pt>
-                  <c:pt idx="2">
-                    <c:v>Chronology</c:v>
-                  </c:pt>
-                  <c:pt idx="4">
-                    <c:v>Theme</c:v>
-                  </c:pt>
-                </c:lvl>
-              </c:multiLvlStrCache>
-            </c:multiLvlStrRef>
-          </c:cat>
-          <c:val>
-            <c:numRef>
-              <c:f>Sheet1!$P$15:$U$15</c:f>
-              <c:numCache>
-                <c:formatCode>General</c:formatCode>
-                <c:ptCount val="6"/>
-                <c:pt idx="0">
-                  <c:v>1.9705882349999999</c:v>
-                </c:pt>
-                <c:pt idx="1">
-                  <c:v>1.7105263159999999</c:v>
-                </c:pt>
-                <c:pt idx="2">
-                  <c:v>2.8823529410000002</c:v>
-                </c:pt>
-                <c:pt idx="3">
-                  <c:v>2.8684210530000001</c:v>
-                </c:pt>
-                <c:pt idx="4">
-                  <c:v>2.088235294</c:v>
-                </c:pt>
-                <c:pt idx="5">
-                  <c:v>2.263157895</c:v>
-                </c:pt>
-              </c:numCache>
-            </c:numRef>
-          </c:val>
-          <c:extLst>
-            <c:ext xmlns:c16="http://schemas.microsoft.com/office/drawing/2014/chart" uri="{C3380CC4-5D6E-409C-BE32-E72D297353CC}">
-              <c16:uniqueId val="{00000002-75F4-BB4E-8684-E3DAFC641CC6}"/>
-            </c:ext>
-          </c:extLst>
-        </c:ser>
-        <c:dLbls>
-          <c:showLegendKey val="0"/>
-          <c:showVal val="0"/>
-          <c:showCatName val="0"/>
-          <c:showSerName val="0"/>
-          <c:showPercent val="0"/>
-          <c:showBubbleSize val="0"/>
-        </c:dLbls>
-        <c:gapWidth val="219"/>
-        <c:overlap val="-27"/>
-        <c:axId val="1674675648"/>
-        <c:axId val="1674664784"/>
-      </c:barChart>
-      <c:catAx>
-        <c:axId val="1674675648"/>
-        <c:scaling>
-          <c:orientation val="minMax"/>
-        </c:scaling>
-        <c:delete val="0"/>
-        <c:axPos val="b"/>
-        <c:numFmt formatCode="General" sourceLinked="1"/>
-        <c:majorTickMark val="in"/>
-        <c:minorTickMark val="none"/>
-        <c:tickLblPos val="nextTo"/>
-        <c:spPr>
-          <a:noFill/>
-          <a:ln w="9525" cap="flat" cmpd="sng" algn="ctr">
-            <a:solidFill>
-              <a:schemeClr val="tx1">
-                <a:lumMod val="15000"/>
-                <a:lumOff val="85000"/>
-              </a:schemeClr>
-            </a:solidFill>
-            <a:round/>
-          </a:ln>
-          <a:effectLst/>
-        </c:spPr>
-        <c:txPr>
-          <a:bodyPr rot="-60000000" vert="horz"/>
-          <a:lstStyle/>
-          <a:p>
-            <a:pPr>
-              <a:defRPr sz="2800"/>
-            </a:pPr>
-            <a:endParaRPr lang="en-US"/>
-          </a:p>
-        </c:txPr>
-        <c:crossAx val="1674664784"/>
-        <c:crosses val="autoZero"/>
-        <c:auto val="1"/>
-        <c:lblAlgn val="ctr"/>
-        <c:lblOffset val="100"/>
-        <c:noMultiLvlLbl val="0"/>
-      </c:catAx>
-      <c:valAx>
-        <c:axId val="1674664784"/>
-        <c:scaling>
-          <c:orientation val="minMax"/>
-        </c:scaling>
-        <c:delete val="0"/>
-        <c:axPos val="l"/>
-        <c:title>
-          <c:tx>
-            <c:rich>
-              <a:bodyPr rot="-5400000" vert="horz"/>
-              <a:lstStyle/>
-              <a:p>
-                <a:pPr>
-                  <a:defRPr sz="2800" b="0"/>
-                </a:pPr>
-                <a:r>
-                  <a:rPr lang="fr-FR" sz="2800" b="0"/>
-                  <a:t>Score</a:t>
-                </a:r>
-              </a:p>
-            </c:rich>
-          </c:tx>
-          <c:overlay val="0"/>
-          <c:spPr>
-            <a:noFill/>
-            <a:ln>
-              <a:noFill/>
-            </a:ln>
-            <a:effectLst/>
-          </c:spPr>
-        </c:title>
-        <c:numFmt formatCode="General" sourceLinked="0"/>
-        <c:majorTickMark val="in"/>
-        <c:minorTickMark val="none"/>
-        <c:tickLblPos val="nextTo"/>
-        <c:spPr>
-          <a:noFill/>
-          <a:ln>
-            <a:solidFill>
-              <a:schemeClr val="bg2">
-                <a:lumMod val="75000"/>
-              </a:schemeClr>
-            </a:solidFill>
-          </a:ln>
-          <a:effectLst/>
-        </c:spPr>
-        <c:txPr>
-          <a:bodyPr rot="-60000000" vert="horz"/>
-          <a:lstStyle/>
-          <a:p>
-            <a:pPr>
-              <a:defRPr sz="2800"/>
-            </a:pPr>
-            <a:endParaRPr lang="en-US"/>
-          </a:p>
-        </c:txPr>
-        <c:crossAx val="1674675648"/>
-        <c:crosses val="autoZero"/>
-        <c:crossBetween val="between"/>
-      </c:valAx>
-      <c:spPr>
-        <a:noFill/>
-        <a:ln>
-          <a:noFill/>
-        </a:ln>
-        <a:effectLst/>
-      </c:spPr>
-    </c:plotArea>
-    <c:legend>
-      <c:legendPos val="b"/>
-      <c:layout>
-        <c:manualLayout>
-          <c:xMode val="edge"/>
-          <c:yMode val="edge"/>
-          <c:x val="0.62006690880584203"/>
-          <c:y val="3.3073201735081298E-2"/>
-          <c:w val="0.352004731764541"/>
-          <c:h val="7.3191208475832895E-2"/>
-        </c:manualLayout>
-      </c:layout>
-      <c:overlay val="0"/>
-      <c:spPr>
-        <a:noFill/>
-        <a:ln>
-          <a:noFill/>
-        </a:ln>
-        <a:effectLst/>
-      </c:spPr>
-      <c:txPr>
-        <a:bodyPr rot="0" vert="horz"/>
-        <a:lstStyle/>
-        <a:p>
-          <a:pPr>
-            <a:defRPr sz="2400"/>
-          </a:pPr>
-          <a:endParaRPr lang="en-US"/>
-        </a:p>
-      </c:txPr>
-    </c:legend>
-    <c:plotVisOnly val="1"/>
-    <c:dispBlanksAs val="gap"/>
-    <c:showDLblsOverMax val="0"/>
-  </c:chart>
-  <c:spPr>
-    <a:noFill/>
-    <a:ln>
-      <a:noFill/>
-    </a:ln>
-    <a:effectLst/>
-  </c:spPr>
-  <c:txPr>
-    <a:bodyPr/>
-    <a:lstStyle/>
-    <a:p>
-      <a:pPr>
-        <a:defRPr sz="2000"/>
-      </a:pPr>
-      <a:endParaRPr lang="en-US"/>
-    </a:p>
-  </c:txPr>
-  <c:externalData r:id="rId1">
-    <c:autoUpdate val="0"/>
-  </c:externalData>
-</c:chartSpace>
-</file>
-
-<file path=ppt/charts/colors1.xml><?xml version="1.0" encoding="utf-8"?>
-<cs:colorStyle xmlns:cs="http://schemas.microsoft.com/office/drawing/2012/chartStyle" xmlns:a="http://schemas.openxmlformats.org/drawingml/2006/main" meth="cycle" id="10">
-  <a:schemeClr val="accent1"/>
-  <a:schemeClr val="accent2"/>
-  <a:schemeClr val="accent3"/>
-  <a:schemeClr val="accent4"/>
-  <a:schemeClr val="accent5"/>
-  <a:schemeClr val="accent6"/>
-  <cs:variation/>
-  <cs:variation>
-    <a:lumMod val="60000"/>
-  </cs:variation>
-  <cs:variation>
-    <a:lumMod val="80000"/>
-    <a:lumOff val="20000"/>
-  </cs:variation>
-  <cs:variation>
-    <a:lumMod val="80000"/>
-  </cs:variation>
-  <cs:variation>
-    <a:lumMod val="60000"/>
-    <a:lumOff val="40000"/>
-  </cs:variation>
-  <cs:variation>
-    <a:lumMod val="50000"/>
-  </cs:variation>
-  <cs:variation>
-    <a:lumMod val="70000"/>
-    <a:lumOff val="30000"/>
-  </cs:variation>
-  <cs:variation>
-    <a:lumMod val="70000"/>
-  </cs:variation>
-  <cs:variation>
-    <a:lumMod val="50000"/>
-    <a:lumOff val="50000"/>
-  </cs:variation>
-</cs:colorStyle>
-</file>
-
-<file path=ppt/charts/colors2.xml><?xml version="1.0" encoding="utf-8"?>
-<cs:colorStyle xmlns:cs="http://schemas.microsoft.com/office/drawing/2012/chartStyle" xmlns:a="http://schemas.openxmlformats.org/drawingml/2006/main" meth="cycle" id="10">
-  <a:schemeClr val="accent1"/>
-  <a:schemeClr val="accent2"/>
-  <a:schemeClr val="accent3"/>
-  <a:schemeClr val="accent4"/>
-  <a:schemeClr val="accent5"/>
-  <a:schemeClr val="accent6"/>
-  <cs:variation/>
-  <cs:variation>
-    <a:lumMod val="60000"/>
-  </cs:variation>
-  <cs:variation>
-    <a:lumMod val="80000"/>
-    <a:lumOff val="20000"/>
-  </cs:variation>
-  <cs:variation>
-    <a:lumMod val="80000"/>
-  </cs:variation>
-  <cs:variation>
-    <a:lumMod val="60000"/>
-    <a:lumOff val="40000"/>
-  </cs:variation>
-  <cs:variation>
-    <a:lumMod val="50000"/>
-  </cs:variation>
-  <cs:variation>
-    <a:lumMod val="70000"/>
-    <a:lumOff val="30000"/>
-  </cs:variation>
-  <cs:variation>
-    <a:lumMod val="70000"/>
-  </cs:variation>
-  <cs:variation>
-    <a:lumMod val="50000"/>
-    <a:lumOff val="50000"/>
-  </cs:variation>
-</cs:colorStyle>
-</file>
-
-<file path=ppt/charts/style1.xml><?xml version="1.0" encoding="utf-8"?>
-<cs:chartStyle xmlns:cs="http://schemas.microsoft.com/office/drawing/2012/chartStyle" xmlns:a="http://schemas.openxmlformats.org/drawingml/2006/main" id="201">
-  <cs:axisTitle>
-    <cs:lnRef idx="0"/>
-    <cs:fillRef idx="0"/>
-    <cs:effectRef idx="0"/>
-    <cs:fontRef idx="minor">
-      <a:schemeClr val="tx1">
-        <a:lumMod val="65000"/>
-        <a:lumOff val="35000"/>
-      </a:schemeClr>
-    </cs:fontRef>
-    <cs:defRPr sz="1000" kern="1200"/>
-  </cs:axisTitle>
-  <cs:categoryAxis>
-    <cs:lnRef idx="0"/>
-    <cs:fillRef idx="0"/>
-    <cs:effectRef idx="0"/>
-    <cs:fontRef idx="minor">
-      <a:schemeClr val="tx1">
-        <a:lumMod val="65000"/>
-        <a:lumOff val="35000"/>
-      </a:schemeClr>
-    </cs:fontRef>
-    <cs:spPr>
-      <a:ln w="9525" cap="flat" cmpd="sng" algn="ctr">
-        <a:solidFill>
-          <a:schemeClr val="tx1">
-            <a:lumMod val="15000"/>
-            <a:lumOff val="85000"/>
-          </a:schemeClr>
-        </a:solidFill>
-        <a:round/>
-      </a:ln>
-    </cs:spPr>
-    <cs:defRPr sz="900" kern="1200"/>
-  </cs:categoryAxis>
-  <cs:chartArea mods="allowNoFillOverride allowNoLineOverride">
-    <cs:lnRef idx="0"/>
-    <cs:fillRef idx="0"/>
-    <cs:effectRef idx="0"/>
-    <cs:fontRef idx="minor">
-      <a:schemeClr val="tx1"/>
-    </cs:fontRef>
-    <cs:spPr>
-      <a:solidFill>
-        <a:schemeClr val="bg1"/>
-      </a:solidFill>
-      <a:ln w="9525" cap="flat" cmpd="sng" algn="ctr">
-        <a:solidFill>
-          <a:schemeClr val="tx1">
-            <a:lumMod val="15000"/>
-            <a:lumOff val="85000"/>
-          </a:schemeClr>
-        </a:solidFill>
-        <a:round/>
-      </a:ln>
-    </cs:spPr>
-    <cs:defRPr sz="1000" kern="1200"/>
-  </cs:chartArea>
-  <cs:dataLabel>
-    <cs:lnRef idx="0"/>
-    <cs:fillRef idx="0"/>
-    <cs:effectRef idx="0"/>
-    <cs:fontRef idx="minor">
-      <a:schemeClr val="tx1">
-        <a:lumMod val="75000"/>
-        <a:lumOff val="25000"/>
-      </a:schemeClr>
-    </cs:fontRef>
-    <cs:defRPr sz="900" kern="1200"/>
-  </cs:dataLabel>
-  <cs:dataLabelCallout>
-    <cs:lnRef idx="0"/>
-    <cs:fillRef idx="0"/>
-    <cs:effectRef idx="0"/>
-    <cs:fontRef idx="minor">
-      <a:schemeClr val="dk1">
-        <a:lumMod val="65000"/>
-        <a:lumOff val="35000"/>
-      </a:schemeClr>
-    </cs:fontRef>
-    <cs:spPr>
-      <a:solidFill>
-        <a:schemeClr val="lt1"/>
-      </a:solidFill>
-      <a:ln>
-        <a:solidFill>
-          <a:schemeClr val="dk1">
-            <a:lumMod val="25000"/>
-            <a:lumOff val="75000"/>
-          </a:schemeClr>
-        </a:solidFill>
-      </a:ln>
-    </cs:spPr>
-    <cs:defRPr sz="900" kern="1200"/>
-    <cs:bodyPr rot="0" spcFirstLastPara="1" vertOverflow="clip" horzOverflow="clip" vert="horz" wrap="square" lIns="36576" tIns="18288" rIns="36576" bIns="18288" anchor="ctr" anchorCtr="1">
-      <a:spAutoFit/>
-    </cs:bodyPr>
-  </cs:dataLabelCallout>
-  <cs:dataPoint>
-    <cs:lnRef idx="0"/>
-    <cs:fillRef idx="1">
-      <cs:styleClr val="auto"/>
-    </cs:fillRef>
-    <cs:effectRef idx="0"/>
-    <cs:fontRef idx="minor">
-      <a:schemeClr val="tx1"/>
-    </cs:fontRef>
-  </cs:dataPoint>
-  <cs:dataPoint3D>
-    <cs:lnRef idx="0"/>
-    <cs:fillRef idx="1">
-      <cs:styleClr val="auto"/>
-    </cs:fillRef>
-    <cs:effectRef idx="0"/>
-    <cs:fontRef idx="minor">
-      <a:schemeClr val="tx1"/>
-    </cs:fontRef>
-  </cs:dataPoint3D>
-  <cs:dataPointLine>
-    <cs:lnRef idx="0">
-      <cs:styleClr val="auto"/>
-    </cs:lnRef>
-    <cs:fillRef idx="1"/>
-    <cs:effectRef idx="0"/>
-    <cs:fontRef idx="minor">
-      <a:schemeClr val="tx1"/>
-    </cs:fontRef>
-    <cs:spPr>
-      <a:ln w="28575" cap="rnd">
-        <a:solidFill>
-          <a:schemeClr val="phClr"/>
-        </a:solidFill>
-        <a:round/>
-      </a:ln>
-    </cs:spPr>
-  </cs:dataPointLine>
-  <cs:dataPointMarker>
-    <cs:lnRef idx="0">
-      <cs:styleClr val="auto"/>
-    </cs:lnRef>
-    <cs:fillRef idx="1">
-      <cs:styleClr val="auto"/>
-    </cs:fillRef>
-    <cs:effectRef idx="0"/>
-    <cs:fontRef idx="minor">
-      <a:schemeClr val="tx1"/>
-    </cs:fontRef>
-    <cs:spPr>
-      <a:ln w="9525">
-        <a:solidFill>
-          <a:schemeClr val="phClr"/>
-        </a:solidFill>
-      </a:ln>
-    </cs:spPr>
-  </cs:dataPointMarker>
-  <cs:dataPointMarkerLayout symbol="circle" size="5"/>
-  <cs:dataPointWireframe>
-    <cs:lnRef idx="0">
-      <cs:styleClr val="auto"/>
-    </cs:lnRef>
-    <cs:fillRef idx="1"/>
-    <cs:effectRef idx="0"/>
-    <cs:fontRef idx="minor">
-      <a:schemeClr val="tx1"/>
-    </cs:fontRef>
-    <cs:spPr>
-      <a:ln w="9525" cap="rnd">
-        <a:solidFill>
-          <a:schemeClr val="phClr"/>
-        </a:solidFill>
-        <a:round/>
-      </a:ln>
-    </cs:spPr>
-  </cs:dataPointWireframe>
-  <cs:dataTable>
-    <cs:lnRef idx="0"/>
-    <cs:fillRef idx="0"/>
-    <cs:effectRef idx="0"/>
-    <cs:fontRef idx="minor">
-      <a:schemeClr val="tx1">
-        <a:lumMod val="65000"/>
-        <a:lumOff val="35000"/>
-      </a:schemeClr>
-    </cs:fontRef>
-    <cs:spPr>
-      <a:noFill/>
-      <a:ln w="9525" cap="flat" cmpd="sng" algn="ctr">
-        <a:solidFill>
-          <a:schemeClr val="tx1">
-            <a:lumMod val="15000"/>
-            <a:lumOff val="85000"/>
-          </a:schemeClr>
-        </a:solidFill>
-        <a:round/>
-      </a:ln>
-    </cs:spPr>
-    <cs:defRPr sz="900" kern="1200"/>
-  </cs:dataTable>
-  <cs:downBar>
-    <cs:lnRef idx="0"/>
-    <cs:fillRef idx="0"/>
-    <cs:effectRef idx="0"/>
-    <cs:fontRef idx="minor">
-      <a:schemeClr val="dk1"/>
-    </cs:fontRef>
-    <cs:spPr>
-      <a:solidFill>
-        <a:schemeClr val="dk1">
-          <a:lumMod val="65000"/>
-          <a:lumOff val="35000"/>
-        </a:schemeClr>
-      </a:solidFill>
-      <a:ln w="9525">
-        <a:solidFill>
-          <a:schemeClr val="tx1">
-            <a:lumMod val="65000"/>
-            <a:lumOff val="35000"/>
-          </a:schemeClr>
-        </a:solidFill>
-      </a:ln>
-    </cs:spPr>
-  </cs:downBar>
-  <cs:dropLine>
-    <cs:lnRef idx="0"/>
-    <cs:fillRef idx="0"/>
-    <cs:effectRef idx="0"/>
-    <cs:fontRef idx="minor">
-      <a:schemeClr val="tx1"/>
-    </cs:fontRef>
-    <cs:spPr>
-      <a:ln w="9525" cap="flat" cmpd="sng" algn="ctr">
-        <a:solidFill>
-          <a:schemeClr val="tx1">
-            <a:lumMod val="35000"/>
-            <a:lumOff val="65000"/>
-          </a:schemeClr>
-        </a:solidFill>
-        <a:round/>
-      </a:ln>
-    </cs:spPr>
-  </cs:dropLine>
-  <cs:errorBar>
-    <cs:lnRef idx="0"/>
-    <cs:fillRef idx="0"/>
-    <cs:effectRef idx="0"/>
-    <cs:fontRef idx="minor">
-      <a:schemeClr val="tx1"/>
-    </cs:fontRef>
-    <cs:spPr>
-      <a:ln w="9525" cap="flat" cmpd="sng" algn="ctr">
-        <a:solidFill>
-          <a:schemeClr val="tx1">
-            <a:lumMod val="65000"/>
-            <a:lumOff val="35000"/>
-          </a:schemeClr>
-        </a:solidFill>
-        <a:round/>
-      </a:ln>
-    </cs:spPr>
-  </cs:errorBar>
-  <cs:floor>
-    <cs:lnRef idx="0"/>
-    <cs:fillRef idx="0"/>
-    <cs:effectRef idx="0"/>
-    <cs:fontRef idx="minor">
-      <a:schemeClr val="tx1"/>
-    </cs:fontRef>
-    <cs:spPr>
-      <a:noFill/>
-      <a:ln>
-        <a:noFill/>
-      </a:ln>
-    </cs:spPr>
-  </cs:floor>
-  <cs:gridlineMajor>
-    <cs:lnRef idx="0"/>
-    <cs:fillRef idx="0"/>
-    <cs:effectRef idx="0"/>
-    <cs:fontRef idx="minor">
-      <a:schemeClr val="tx1"/>
-    </cs:fontRef>
-    <cs:spPr>
-      <a:ln w="9525" cap="flat" cmpd="sng" algn="ctr">
-        <a:solidFill>
-          <a:schemeClr val="tx1">
-            <a:lumMod val="15000"/>
-            <a:lumOff val="85000"/>
-          </a:schemeClr>
-        </a:solidFill>
-        <a:round/>
-      </a:ln>
-    </cs:spPr>
-  </cs:gridlineMajor>
-  <cs:gridlineMinor>
-    <cs:lnRef idx="0"/>
-    <cs:fillRef idx="0"/>
-    <cs:effectRef idx="0"/>
-    <cs:fontRef idx="minor">
-      <a:schemeClr val="tx1"/>
-    </cs:fontRef>
-    <cs:spPr>
-      <a:ln w="9525" cap="flat" cmpd="sng" algn="ctr">
-        <a:solidFill>
-          <a:schemeClr val="tx1">
-            <a:lumMod val="5000"/>
-            <a:lumOff val="95000"/>
-          </a:schemeClr>
-        </a:solidFill>
-        <a:round/>
-      </a:ln>
-    </cs:spPr>
-  </cs:gridlineMinor>
-  <cs:hiLoLine>
-    <cs:lnRef idx="0"/>
-    <cs:fillRef idx="0"/>
-    <cs:effectRef idx="0"/>
-    <cs:fontRef idx="minor">
-      <a:schemeClr val="tx1"/>
-    </cs:fontRef>
-    <cs:spPr>
-      <a:ln w="9525" cap="flat" cmpd="sng" algn="ctr">
-        <a:solidFill>
-          <a:schemeClr val="tx1">
-            <a:lumMod val="75000"/>
-            <a:lumOff val="25000"/>
-          </a:schemeClr>
-        </a:solidFill>
-        <a:round/>
-      </a:ln>
-    </cs:spPr>
-  </cs:hiLoLine>
-  <cs:leaderLine>
-    <cs:lnRef idx="0"/>
-    <cs:fillRef idx="0"/>
-    <cs:effectRef idx="0"/>
-    <cs:fontRef idx="minor">
-      <a:schemeClr val="tx1"/>
-    </cs:fontRef>
-    <cs:spPr>
-      <a:ln w="9525" cap="flat" cmpd="sng" algn="ctr">
-        <a:solidFill>
-          <a:schemeClr val="tx1">
-            <a:lumMod val="35000"/>
-            <a:lumOff val="65000"/>
-          </a:schemeClr>
-        </a:solidFill>
-        <a:round/>
-      </a:ln>
-    </cs:spPr>
-  </cs:leaderLine>
-  <cs:legend>
-    <cs:lnRef idx="0"/>
-    <cs:fillRef idx="0"/>
-    <cs:effectRef idx="0"/>
-    <cs:fontRef idx="minor">
-      <a:schemeClr val="tx1">
-        <a:lumMod val="65000"/>
-        <a:lumOff val="35000"/>
-      </a:schemeClr>
-    </cs:fontRef>
-    <cs:defRPr sz="900" kern="1200"/>
-  </cs:legend>
-  <cs:plotArea mods="allowNoFillOverride allowNoLineOverride">
-    <cs:lnRef idx="0"/>
-    <cs:fillRef idx="0"/>
-    <cs:effectRef idx="0"/>
-    <cs:fontRef idx="minor">
-      <a:schemeClr val="tx1"/>
-    </cs:fontRef>
-  </cs:plotArea>
-  <cs:plotArea3D mods="allowNoFillOverride allowNoLineOverride">
-    <cs:lnRef idx="0"/>
-    <cs:fillRef idx="0"/>
-    <cs:effectRef idx="0"/>
-    <cs:fontRef idx="minor">
-      <a:schemeClr val="tx1"/>
-    </cs:fontRef>
-  </cs:plotArea3D>
-  <cs:seriesAxis>
-    <cs:lnRef idx="0"/>
-    <cs:fillRef idx="0"/>
-    <cs:effectRef idx="0"/>
-    <cs:fontRef idx="minor">
-      <a:schemeClr val="tx1">
-        <a:lumMod val="65000"/>
-        <a:lumOff val="35000"/>
-      </a:schemeClr>
-    </cs:fontRef>
-    <cs:defRPr sz="900" kern="1200"/>
-  </cs:seriesAxis>
-  <cs:seriesLine>
-    <cs:lnRef idx="0"/>
-    <cs:fillRef idx="0"/>
-    <cs:effectRef idx="0"/>
-    <cs:fontRef idx="minor">
-      <a:schemeClr val="tx1"/>
-    </cs:fontRef>
-    <cs:spPr>
-      <a:ln w="9525" cap="flat" cmpd="sng" algn="ctr">
-        <a:solidFill>
-          <a:schemeClr val="tx1">
-            <a:lumMod val="35000"/>
-            <a:lumOff val="65000"/>
-          </a:schemeClr>
-        </a:solidFill>
-        <a:round/>
-      </a:ln>
-    </cs:spPr>
-  </cs:seriesLine>
-  <cs:title>
-    <cs:lnRef idx="0"/>
-    <cs:fillRef idx="0"/>
-    <cs:effectRef idx="0"/>
-    <cs:fontRef idx="minor">
-      <a:schemeClr val="tx1">
-        <a:lumMod val="65000"/>
-        <a:lumOff val="35000"/>
-      </a:schemeClr>
-    </cs:fontRef>
-    <cs:defRPr sz="1400" b="0" kern="1200" spc="0" baseline="0"/>
-  </cs:title>
-  <cs:trendline>
-    <cs:lnRef idx="0">
-      <cs:styleClr val="auto"/>
-    </cs:lnRef>
-    <cs:fillRef idx="0"/>
-    <cs:effectRef idx="0"/>
-    <cs:fontRef idx="minor">
-      <a:schemeClr val="tx1"/>
-    </cs:fontRef>
-    <cs:spPr>
-      <a:ln w="19050" cap="rnd">
-        <a:solidFill>
-          <a:schemeClr val="phClr"/>
-        </a:solidFill>
-        <a:prstDash val="sysDot"/>
-      </a:ln>
-    </cs:spPr>
-  </cs:trendline>
-  <cs:trendlineLabel>
-    <cs:lnRef idx="0"/>
-    <cs:fillRef idx="0"/>
-    <cs:effectRef idx="0"/>
-    <cs:fontRef idx="minor">
-      <a:schemeClr val="tx1">
-        <a:lumMod val="65000"/>
-        <a:lumOff val="35000"/>
-      </a:schemeClr>
-    </cs:fontRef>
-    <cs:defRPr sz="900" kern="1200"/>
-  </cs:trendlineLabel>
-  <cs:upBar>
-    <cs:lnRef idx="0"/>
-    <cs:fillRef idx="0"/>
-    <cs:effectRef idx="0"/>
-    <cs:fontRef idx="minor">
-      <a:schemeClr val="dk1"/>
-    </cs:fontRef>
-    <cs:spPr>
-      <a:solidFill>
-        <a:schemeClr val="lt1"/>
-      </a:solidFill>
-      <a:ln w="9525">
-        <a:solidFill>
-          <a:schemeClr val="tx1">
-            <a:lumMod val="15000"/>
-            <a:lumOff val="85000"/>
-          </a:schemeClr>
-        </a:solidFill>
-      </a:ln>
-    </cs:spPr>
-  </cs:upBar>
-  <cs:valueAxis>
-    <cs:lnRef idx="0"/>
-    <cs:fillRef idx="0"/>
-    <cs:effectRef idx="0"/>
-    <cs:fontRef idx="minor">
-      <a:schemeClr val="tx1">
-        <a:lumMod val="65000"/>
-        <a:lumOff val="35000"/>
-      </a:schemeClr>
-    </cs:fontRef>
-    <cs:defRPr sz="900" kern="1200"/>
-  </cs:valueAxis>
-  <cs:wall>
-    <cs:lnRef idx="0"/>
-    <cs:fillRef idx="0"/>
-    <cs:effectRef idx="0"/>
-    <cs:fontRef idx="minor">
-      <a:schemeClr val="tx1"/>
-    </cs:fontRef>
-    <cs:spPr>
-      <a:noFill/>
-      <a:ln>
-        <a:noFill/>
-      </a:ln>
-    </cs:spPr>
-  </cs:wall>
-</cs:chartStyle>
-</file>
-
-<file path=ppt/charts/style2.xml><?xml version="1.0" encoding="utf-8"?>
-<cs:chartStyle xmlns:cs="http://schemas.microsoft.com/office/drawing/2012/chartStyle" xmlns:a="http://schemas.openxmlformats.org/drawingml/2006/main" id="201">
-  <cs:axisTitle>
-    <cs:lnRef idx="0"/>
-    <cs:fillRef idx="0"/>
-    <cs:effectRef idx="0"/>
-    <cs:fontRef idx="minor">
-      <a:schemeClr val="tx1">
-        <a:lumMod val="65000"/>
-        <a:lumOff val="35000"/>
-      </a:schemeClr>
-    </cs:fontRef>
-    <cs:defRPr sz="1000" kern="1200"/>
-  </cs:axisTitle>
-  <cs:categoryAxis>
-    <cs:lnRef idx="0"/>
-    <cs:fillRef idx="0"/>
-    <cs:effectRef idx="0"/>
-    <cs:fontRef idx="minor">
-      <a:schemeClr val="tx1">
-        <a:lumMod val="65000"/>
-        <a:lumOff val="35000"/>
-      </a:schemeClr>
-    </cs:fontRef>
-    <cs:spPr>
-      <a:ln w="9525" cap="flat" cmpd="sng" algn="ctr">
-        <a:solidFill>
-          <a:schemeClr val="tx1">
-            <a:lumMod val="15000"/>
-            <a:lumOff val="85000"/>
-          </a:schemeClr>
-        </a:solidFill>
-        <a:round/>
-      </a:ln>
-    </cs:spPr>
-    <cs:defRPr sz="900" kern="1200"/>
-  </cs:categoryAxis>
-  <cs:chartArea mods="allowNoFillOverride allowNoLineOverride">
-    <cs:lnRef idx="0"/>
-    <cs:fillRef idx="0"/>
-    <cs:effectRef idx="0"/>
-    <cs:fontRef idx="minor">
-      <a:schemeClr val="tx1"/>
-    </cs:fontRef>
-    <cs:spPr>
-      <a:solidFill>
-        <a:schemeClr val="bg1"/>
-      </a:solidFill>
-      <a:ln w="9525" cap="flat" cmpd="sng" algn="ctr">
-        <a:solidFill>
-          <a:schemeClr val="tx1">
-            <a:lumMod val="15000"/>
-            <a:lumOff val="85000"/>
-          </a:schemeClr>
-        </a:solidFill>
-        <a:round/>
-      </a:ln>
-    </cs:spPr>
-    <cs:defRPr sz="1000" kern="1200"/>
-  </cs:chartArea>
-  <cs:dataLabel>
-    <cs:lnRef idx="0"/>
-    <cs:fillRef idx="0"/>
-    <cs:effectRef idx="0"/>
-    <cs:fontRef idx="minor">
-      <a:schemeClr val="tx1">
-        <a:lumMod val="75000"/>
-        <a:lumOff val="25000"/>
-      </a:schemeClr>
-    </cs:fontRef>
-    <cs:defRPr sz="900" kern="1200"/>
-  </cs:dataLabel>
-  <cs:dataLabelCallout>
-    <cs:lnRef idx="0"/>
-    <cs:fillRef idx="0"/>
-    <cs:effectRef idx="0"/>
-    <cs:fontRef idx="minor">
-      <a:schemeClr val="dk1">
-        <a:lumMod val="65000"/>
-        <a:lumOff val="35000"/>
-      </a:schemeClr>
-    </cs:fontRef>
-    <cs:spPr>
-      <a:solidFill>
-        <a:schemeClr val="lt1"/>
-      </a:solidFill>
-      <a:ln>
-        <a:solidFill>
-          <a:schemeClr val="dk1">
-            <a:lumMod val="25000"/>
-            <a:lumOff val="75000"/>
-          </a:schemeClr>
-        </a:solidFill>
-      </a:ln>
-    </cs:spPr>
-    <cs:defRPr sz="900" kern="1200"/>
-    <cs:bodyPr rot="0" spcFirstLastPara="1" vertOverflow="clip" horzOverflow="clip" vert="horz" wrap="square" lIns="36576" tIns="18288" rIns="36576" bIns="18288" anchor="ctr" anchorCtr="1">
-      <a:spAutoFit/>
-    </cs:bodyPr>
-  </cs:dataLabelCallout>
-  <cs:dataPoint>
-    <cs:lnRef idx="0"/>
-    <cs:fillRef idx="1">
-      <cs:styleClr val="auto"/>
-    </cs:fillRef>
-    <cs:effectRef idx="0"/>
-    <cs:fontRef idx="minor">
-      <a:schemeClr val="tx1"/>
-    </cs:fontRef>
-  </cs:dataPoint>
-  <cs:dataPoint3D>
-    <cs:lnRef idx="0"/>
-    <cs:fillRef idx="1">
-      <cs:styleClr val="auto"/>
-    </cs:fillRef>
-    <cs:effectRef idx="0"/>
-    <cs:fontRef idx="minor">
-      <a:schemeClr val="tx1"/>
-    </cs:fontRef>
-  </cs:dataPoint3D>
-  <cs:dataPointLine>
-    <cs:lnRef idx="0">
-      <cs:styleClr val="auto"/>
-    </cs:lnRef>
-    <cs:fillRef idx="1"/>
-    <cs:effectRef idx="0"/>
-    <cs:fontRef idx="minor">
-      <a:schemeClr val="tx1"/>
-    </cs:fontRef>
-    <cs:spPr>
-      <a:ln w="28575" cap="rnd">
-        <a:solidFill>
-          <a:schemeClr val="phClr"/>
-        </a:solidFill>
-        <a:round/>
-      </a:ln>
-    </cs:spPr>
-  </cs:dataPointLine>
-  <cs:dataPointMarker>
-    <cs:lnRef idx="0">
-      <cs:styleClr val="auto"/>
-    </cs:lnRef>
-    <cs:fillRef idx="1">
-      <cs:styleClr val="auto"/>
-    </cs:fillRef>
-    <cs:effectRef idx="0"/>
-    <cs:fontRef idx="minor">
-      <a:schemeClr val="tx1"/>
-    </cs:fontRef>
-    <cs:spPr>
-      <a:ln w="9525">
-        <a:solidFill>
-          <a:schemeClr val="phClr"/>
-        </a:solidFill>
-      </a:ln>
-    </cs:spPr>
-  </cs:dataPointMarker>
-  <cs:dataPointMarkerLayout symbol="circle" size="5"/>
-  <cs:dataPointWireframe>
-    <cs:lnRef idx="0">
-      <cs:styleClr val="auto"/>
-    </cs:lnRef>
-    <cs:fillRef idx="1"/>
-    <cs:effectRef idx="0"/>
-    <cs:fontRef idx="minor">
-      <a:schemeClr val="tx1"/>
-    </cs:fontRef>
-    <cs:spPr>
-      <a:ln w="9525" cap="rnd">
-        <a:solidFill>
-          <a:schemeClr val="phClr"/>
-        </a:solidFill>
-        <a:round/>
-      </a:ln>
-    </cs:spPr>
-  </cs:dataPointWireframe>
-  <cs:dataTable>
-    <cs:lnRef idx="0"/>
-    <cs:fillRef idx="0"/>
-    <cs:effectRef idx="0"/>
-    <cs:fontRef idx="minor">
-      <a:schemeClr val="tx1">
-        <a:lumMod val="65000"/>
-        <a:lumOff val="35000"/>
-      </a:schemeClr>
-    </cs:fontRef>
-    <cs:spPr>
-      <a:noFill/>
-      <a:ln w="9525" cap="flat" cmpd="sng" algn="ctr">
-        <a:solidFill>
-          <a:schemeClr val="tx1">
-            <a:lumMod val="15000"/>
-            <a:lumOff val="85000"/>
-          </a:schemeClr>
-        </a:solidFill>
-        <a:round/>
-      </a:ln>
-    </cs:spPr>
-    <cs:defRPr sz="900" kern="1200"/>
-  </cs:dataTable>
-  <cs:downBar>
-    <cs:lnRef idx="0"/>
-    <cs:fillRef idx="0"/>
-    <cs:effectRef idx="0"/>
-    <cs:fontRef idx="minor">
-      <a:schemeClr val="dk1"/>
-    </cs:fontRef>
-    <cs:spPr>
-      <a:solidFill>
-        <a:schemeClr val="dk1">
-          <a:lumMod val="65000"/>
-          <a:lumOff val="35000"/>
-        </a:schemeClr>
-      </a:solidFill>
-      <a:ln w="9525">
-        <a:solidFill>
-          <a:schemeClr val="tx1">
-            <a:lumMod val="65000"/>
-            <a:lumOff val="35000"/>
-          </a:schemeClr>
-        </a:solidFill>
-      </a:ln>
-    </cs:spPr>
-  </cs:downBar>
-  <cs:dropLine>
-    <cs:lnRef idx="0"/>
-    <cs:fillRef idx="0"/>
-    <cs:effectRef idx="0"/>
-    <cs:fontRef idx="minor">
-      <a:schemeClr val="tx1"/>
-    </cs:fontRef>
-    <cs:spPr>
-      <a:ln w="9525" cap="flat" cmpd="sng" algn="ctr">
-        <a:solidFill>
-          <a:schemeClr val="tx1">
-            <a:lumMod val="35000"/>
-            <a:lumOff val="65000"/>
-          </a:schemeClr>
-        </a:solidFill>
-        <a:round/>
-      </a:ln>
-    </cs:spPr>
-  </cs:dropLine>
-  <cs:errorBar>
-    <cs:lnRef idx="0"/>
-    <cs:fillRef idx="0"/>
-    <cs:effectRef idx="0"/>
-    <cs:fontRef idx="minor">
-      <a:schemeClr val="tx1"/>
-    </cs:fontRef>
-    <cs:spPr>
-      <a:ln w="9525" cap="flat" cmpd="sng" algn="ctr">
-        <a:solidFill>
-          <a:schemeClr val="tx1">
-            <a:lumMod val="65000"/>
-            <a:lumOff val="35000"/>
-          </a:schemeClr>
-        </a:solidFill>
-        <a:round/>
-      </a:ln>
-    </cs:spPr>
-  </cs:errorBar>
-  <cs:floor>
-    <cs:lnRef idx="0"/>
-    <cs:fillRef idx="0"/>
-    <cs:effectRef idx="0"/>
-    <cs:fontRef idx="minor">
-      <a:schemeClr val="tx1"/>
-    </cs:fontRef>
-    <cs:spPr>
-      <a:noFill/>
-      <a:ln>
-        <a:noFill/>
-      </a:ln>
-    </cs:spPr>
-  </cs:floor>
-  <cs:gridlineMajor>
-    <cs:lnRef idx="0"/>
-    <cs:fillRef idx="0"/>
-    <cs:effectRef idx="0"/>
-    <cs:fontRef idx="minor">
-      <a:schemeClr val="tx1"/>
-    </cs:fontRef>
-    <cs:spPr>
-      <a:ln w="9525" cap="flat" cmpd="sng" algn="ctr">
-        <a:solidFill>
-          <a:schemeClr val="tx1">
-            <a:lumMod val="15000"/>
-            <a:lumOff val="85000"/>
-          </a:schemeClr>
-        </a:solidFill>
-        <a:round/>
-      </a:ln>
-    </cs:spPr>
-  </cs:gridlineMajor>
-  <cs:gridlineMinor>
-    <cs:lnRef idx="0"/>
-    <cs:fillRef idx="0"/>
-    <cs:effectRef idx="0"/>
-    <cs:fontRef idx="minor">
-      <a:schemeClr val="tx1"/>
-    </cs:fontRef>
-    <cs:spPr>
-      <a:ln w="9525" cap="flat" cmpd="sng" algn="ctr">
-        <a:solidFill>
-          <a:schemeClr val="tx1">
-            <a:lumMod val="5000"/>
-            <a:lumOff val="95000"/>
-          </a:schemeClr>
-        </a:solidFill>
-        <a:round/>
-      </a:ln>
-    </cs:spPr>
-  </cs:gridlineMinor>
-  <cs:hiLoLine>
-    <cs:lnRef idx="0"/>
-    <cs:fillRef idx="0"/>
-    <cs:effectRef idx="0"/>
-    <cs:fontRef idx="minor">
-      <a:schemeClr val="tx1"/>
-    </cs:fontRef>
-    <cs:spPr>
-      <a:ln w="9525" cap="flat" cmpd="sng" algn="ctr">
-        <a:solidFill>
-          <a:schemeClr val="tx1">
-            <a:lumMod val="75000"/>
-            <a:lumOff val="25000"/>
-          </a:schemeClr>
-        </a:solidFill>
-        <a:round/>
-      </a:ln>
-    </cs:spPr>
-  </cs:hiLoLine>
-  <cs:leaderLine>
-    <cs:lnRef idx="0"/>
-    <cs:fillRef idx="0"/>
-    <cs:effectRef idx="0"/>
-    <cs:fontRef idx="minor">
-      <a:schemeClr val="tx1"/>
-    </cs:fontRef>
-    <cs:spPr>
-      <a:ln w="9525" cap="flat" cmpd="sng" algn="ctr">
-        <a:solidFill>
-          <a:schemeClr val="tx1">
-            <a:lumMod val="35000"/>
-            <a:lumOff val="65000"/>
-          </a:schemeClr>
-        </a:solidFill>
-        <a:round/>
-      </a:ln>
-    </cs:spPr>
-  </cs:leaderLine>
-  <cs:legend>
-    <cs:lnRef idx="0"/>
-    <cs:fillRef idx="0"/>
-    <cs:effectRef idx="0"/>
-    <cs:fontRef idx="minor">
-      <a:schemeClr val="tx1">
-        <a:lumMod val="65000"/>
-        <a:lumOff val="35000"/>
-      </a:schemeClr>
-    </cs:fontRef>
-    <cs:defRPr sz="900" kern="1200"/>
-  </cs:legend>
-  <cs:plotArea mods="allowNoFillOverride allowNoLineOverride">
-    <cs:lnRef idx="0"/>
-    <cs:fillRef idx="0"/>
-    <cs:effectRef idx="0"/>
-    <cs:fontRef idx="minor">
-      <a:schemeClr val="tx1"/>
-    </cs:fontRef>
-  </cs:plotArea>
-  <cs:plotArea3D mods="allowNoFillOverride allowNoLineOverride">
-    <cs:lnRef idx="0"/>
-    <cs:fillRef idx="0"/>
-    <cs:effectRef idx="0"/>
-    <cs:fontRef idx="minor">
-      <a:schemeClr val="tx1"/>
-    </cs:fontRef>
-  </cs:plotArea3D>
-  <cs:seriesAxis>
-    <cs:lnRef idx="0"/>
-    <cs:fillRef idx="0"/>
-    <cs:effectRef idx="0"/>
-    <cs:fontRef idx="minor">
-      <a:schemeClr val="tx1">
-        <a:lumMod val="65000"/>
-        <a:lumOff val="35000"/>
-      </a:schemeClr>
-    </cs:fontRef>
-    <cs:defRPr sz="900" kern="1200"/>
-  </cs:seriesAxis>
-  <cs:seriesLine>
-    <cs:lnRef idx="0"/>
-    <cs:fillRef idx="0"/>
-    <cs:effectRef idx="0"/>
-    <cs:fontRef idx="minor">
-      <a:schemeClr val="tx1"/>
-    </cs:fontRef>
-    <cs:spPr>
-      <a:ln w="9525" cap="flat" cmpd="sng" algn="ctr">
-        <a:solidFill>
-          <a:schemeClr val="tx1">
-            <a:lumMod val="35000"/>
-            <a:lumOff val="65000"/>
-          </a:schemeClr>
-        </a:solidFill>
-        <a:round/>
-      </a:ln>
-    </cs:spPr>
-  </cs:seriesLine>
-  <cs:title>
-    <cs:lnRef idx="0"/>
-    <cs:fillRef idx="0"/>
-    <cs:effectRef idx="0"/>
-    <cs:fontRef idx="minor">
-      <a:schemeClr val="tx1">
-        <a:lumMod val="65000"/>
-        <a:lumOff val="35000"/>
-      </a:schemeClr>
-    </cs:fontRef>
-    <cs:defRPr sz="1400" b="0" kern="1200" spc="0" baseline="0"/>
-  </cs:title>
-  <cs:trendline>
-    <cs:lnRef idx="0">
-      <cs:styleClr val="auto"/>
-    </cs:lnRef>
-    <cs:fillRef idx="0"/>
-    <cs:effectRef idx="0"/>
-    <cs:fontRef idx="minor">
-      <a:schemeClr val="tx1"/>
-    </cs:fontRef>
-    <cs:spPr>
-      <a:ln w="19050" cap="rnd">
-        <a:solidFill>
-          <a:schemeClr val="phClr"/>
-        </a:solidFill>
-        <a:prstDash val="sysDot"/>
-      </a:ln>
-    </cs:spPr>
-  </cs:trendline>
-  <cs:trendlineLabel>
-    <cs:lnRef idx="0"/>
-    <cs:fillRef idx="0"/>
-    <cs:effectRef idx="0"/>
-    <cs:fontRef idx="minor">
-      <a:schemeClr val="tx1">
-        <a:lumMod val="65000"/>
-        <a:lumOff val="35000"/>
-      </a:schemeClr>
-    </cs:fontRef>
-    <cs:defRPr sz="900" kern="1200"/>
-  </cs:trendlineLabel>
-  <cs:upBar>
-    <cs:lnRef idx="0"/>
-    <cs:fillRef idx="0"/>
-    <cs:effectRef idx="0"/>
-    <cs:fontRef idx="minor">
-      <a:schemeClr val="dk1"/>
-    </cs:fontRef>
-    <cs:spPr>
-      <a:solidFill>
-        <a:schemeClr val="lt1"/>
-      </a:solidFill>
-      <a:ln w="9525">
-        <a:solidFill>
-          <a:schemeClr val="tx1">
-            <a:lumMod val="15000"/>
-            <a:lumOff val="85000"/>
-          </a:schemeClr>
-        </a:solidFill>
-      </a:ln>
-    </cs:spPr>
-  </cs:upBar>
-  <cs:valueAxis>
-    <cs:lnRef idx="0"/>
-    <cs:fillRef idx="0"/>
-    <cs:effectRef idx="0"/>
-    <cs:fontRef idx="minor">
-      <a:schemeClr val="tx1">
-        <a:lumMod val="65000"/>
-        <a:lumOff val="35000"/>
-      </a:schemeClr>
-    </cs:fontRef>
-    <cs:defRPr sz="900" kern="1200"/>
-  </cs:valueAxis>
-  <cs:wall>
-    <cs:lnRef idx="0"/>
-    <cs:fillRef idx="0"/>
-    <cs:effectRef idx="0"/>
-    <cs:fontRef idx="minor">
-      <a:schemeClr val="tx1"/>
-    </cs:fontRef>
-    <cs:spPr>
-      <a:noFill/>
-      <a:ln>
-        <a:noFill/>
-      </a:ln>
-    </cs:spPr>
-  </cs:wall>
-</cs:chartStyle>
 </file>
 
 <file path=ppt/notesMasters/notesMaster1.xml><?xml version="1.0" encoding="utf-8"?>
@@ -10458,7 +7814,10 @@
     <p:bg>
       <p:bgPr>
         <a:solidFill>
-          <a:srgbClr val="3C78D8"/>
+          <a:schemeClr val="tx1">
+            <a:lumMod val="75000"/>
+            <a:lumOff val="25000"/>
+          </a:schemeClr>
         </a:solidFill>
         <a:effectLst/>
       </p:bgPr>
@@ -10477,118 +7836,6 @@
           <a:chExt cx="0" cy="0"/>
         </a:xfrm>
       </p:grpSpPr>
-      <p:sp>
-        <p:nvSpPr>
-          <p:cNvPr id="33" name="TextBox 32"/>
-          <p:cNvSpPr txBox="1"/>
-          <p:nvPr/>
-        </p:nvSpPr>
-        <p:spPr>
-          <a:xfrm>
-            <a:off x="14200238" y="16999116"/>
-            <a:ext cx="13359444" cy="15527399"/>
-          </a:xfrm>
-          <a:prstGeom prst="rect">
-            <a:avLst/>
-          </a:prstGeom>
-          <a:solidFill>
-            <a:schemeClr val="bg1"/>
-          </a:solidFill>
-          <a:ln w="76200">
-            <a:solidFill>
-              <a:schemeClr val="bg2">
-                <a:lumMod val="75000"/>
-              </a:schemeClr>
-            </a:solidFill>
-          </a:ln>
-        </p:spPr>
-        <p:txBody>
-          <a:bodyPr wrap="square" rtlCol="0">
-            <a:noAutofit/>
-          </a:bodyPr>
-          <a:lstStyle/>
-          <a:p>
-            <a:pPr marL="457200" marR="0" lvl="0" indent="-457200" defTabSz="914400" eaLnBrk="1" fontAlgn="auto" latinLnBrk="0" hangingPunct="1">
-              <a:lnSpc>
-                <a:spcPct val="100000"/>
-              </a:lnSpc>
-              <a:spcBef>
-                <a:spcPts val="600"/>
-              </a:spcBef>
-              <a:spcAft>
-                <a:spcPts val="0"/>
-              </a:spcAft>
-              <a:buClrTx/>
-              <a:buSzTx/>
-              <a:buFont typeface="Arial" charset="0"/>
-              <a:buNone/>
-              <a:tabLst/>
-              <a:defRPr/>
-            </a:pPr>
-            <a:endParaRPr lang="en-US" sz="3200" dirty="0">
-              <a:latin typeface="Arial" charset="0"/>
-              <a:ea typeface="Arial" charset="0"/>
-              <a:cs typeface="Arial" charset="0"/>
-            </a:endParaRPr>
-          </a:p>
-        </p:txBody>
-      </p:sp>
-      <p:sp>
-        <p:nvSpPr>
-          <p:cNvPr id="31" name="TextBox 30"/>
-          <p:cNvSpPr txBox="1"/>
-          <p:nvPr/>
-        </p:nvSpPr>
-        <p:spPr>
-          <a:xfrm>
-            <a:off x="14211151" y="4880867"/>
-            <a:ext cx="13348531" cy="11029563"/>
-          </a:xfrm>
-          <a:prstGeom prst="rect">
-            <a:avLst/>
-          </a:prstGeom>
-          <a:solidFill>
-            <a:schemeClr val="bg1"/>
-          </a:solidFill>
-          <a:ln w="76200">
-            <a:solidFill>
-              <a:schemeClr val="bg2">
-                <a:lumMod val="75000"/>
-              </a:schemeClr>
-            </a:solidFill>
-          </a:ln>
-        </p:spPr>
-        <p:txBody>
-          <a:bodyPr wrap="square" rtlCol="0">
-            <a:noAutofit/>
-          </a:bodyPr>
-          <a:lstStyle/>
-          <a:p>
-            <a:pPr marL="457200" marR="0" lvl="0" indent="-457200" defTabSz="914400" eaLnBrk="1" fontAlgn="auto" latinLnBrk="0" hangingPunct="1">
-              <a:lnSpc>
-                <a:spcPct val="100000"/>
-              </a:lnSpc>
-              <a:spcBef>
-                <a:spcPts val="600"/>
-              </a:spcBef>
-              <a:spcAft>
-                <a:spcPts val="0"/>
-              </a:spcAft>
-              <a:buClrTx/>
-              <a:buSzTx/>
-              <a:buFont typeface="Arial" charset="0"/>
-              <a:buNone/>
-              <a:tabLst/>
-              <a:defRPr/>
-            </a:pPr>
-            <a:endParaRPr lang="en-US" sz="3200" dirty="0">
-              <a:latin typeface="Arial" charset="0"/>
-              <a:ea typeface="Arial" charset="0"/>
-              <a:cs typeface="Arial" charset="0"/>
-            </a:endParaRPr>
-          </a:p>
-        </p:txBody>
-      </p:sp>
       <p:sp>
         <p:nvSpPr>
           <p:cNvPr id="85" name="Shape 85"/>
@@ -10695,21 +7942,17 @@
         </p:nvSpPr>
         <p:spPr>
           <a:xfrm>
-            <a:off x="304459" y="290437"/>
-            <a:ext cx="43282279" cy="3976763"/>
+            <a:off x="720725" y="392557"/>
+            <a:ext cx="42449751" cy="3675278"/>
           </a:xfrm>
           <a:prstGeom prst="rect">
             <a:avLst/>
           </a:prstGeom>
           <a:solidFill>
-            <a:schemeClr val="lt1"/>
+            <a:srgbClr val="00AAAD"/>
           </a:solidFill>
           <a:ln w="76200" cap="flat">
-            <a:solidFill>
-              <a:schemeClr val="bg2">
-                <a:lumMod val="75000"/>
-              </a:schemeClr>
-            </a:solidFill>
+            <a:noFill/>
             <a:prstDash val="solid"/>
             <a:miter/>
             <a:headEnd type="none" w="med" len="med"/>
@@ -10729,27 +7972,14 @@
             </a:pPr>
             <a:r>
               <a:rPr lang="en-US" sz="6600" b="1" dirty="0">
+                <a:solidFill>
+                  <a:schemeClr val="bg1"/>
+                </a:solidFill>
                 <a:latin typeface="Arial" charset="0"/>
                 <a:ea typeface="Arial" charset="0"/>
                 <a:cs typeface="Arial" charset="0"/>
               </a:rPr>
-              <a:t>“I gave my </a:t>
-            </a:r>
-            <a:r>
-              <a:rPr lang="en-US" sz="6600" b="1" dirty="0" err="1">
-                <a:latin typeface="Arial" charset="0"/>
-                <a:ea typeface="Arial" charset="0"/>
-                <a:cs typeface="Arial" charset="0"/>
-              </a:rPr>
-              <a:t>bff</a:t>
-            </a:r>
-            <a:r>
-              <a:rPr lang="en-US" sz="6600" b="1" dirty="0">
-                <a:latin typeface="Arial" charset="0"/>
-                <a:ea typeface="Arial" charset="0"/>
-                <a:cs typeface="Arial" charset="0"/>
-              </a:rPr>
-              <a:t> all the respect I had in me”: Narrative Structure in Children’s Peer (Dis)respect Experiences</a:t>
+              <a:t>Quantitative Input Influence: A study of influence of inputs in recidivism decisions</a:t>
             </a:r>
           </a:p>
           <a:p>
@@ -10760,149 +7990,23 @@
             </a:pPr>
             <a:r>
               <a:rPr lang="en-US" sz="5400" dirty="0">
-                <a:latin typeface="Arial" charset="0"/>
-                <a:ea typeface="Arial" charset="0"/>
-                <a:cs typeface="Arial" charset="0"/>
-              </a:rPr>
-              <a:t>Karina Huang</a:t>
-            </a:r>
-            <a:r>
-              <a:rPr lang="en-US" sz="5400" baseline="30000" dirty="0">
-                <a:latin typeface="Arial" charset="0"/>
-                <a:ea typeface="Arial" charset="0"/>
-                <a:cs typeface="Arial" charset="0"/>
-              </a:rPr>
-              <a:t>1</a:t>
-            </a:r>
-            <a:r>
-              <a:rPr lang="en-US" sz="5400" dirty="0">
-                <a:latin typeface="Arial" charset="0"/>
-                <a:ea typeface="Arial" charset="0"/>
-                <a:cs typeface="Arial" charset="0"/>
-              </a:rPr>
-              <a:t>, B.A.,</a:t>
-            </a:r>
-            <a:r>
-              <a:rPr lang="en-US" sz="5400" i="0" u="none" strike="noStrike" cap="none" baseline="0" dirty="0">
-                <a:latin typeface="Arial" charset="0"/>
-                <a:ea typeface="Arial" charset="0"/>
-                <a:cs typeface="Arial" charset="0"/>
-              </a:rPr>
-              <a:t> Shannon R. Audley</a:t>
-            </a:r>
-            <a:r>
-              <a:rPr lang="en-US" sz="5400" i="0" u="none" strike="noStrike" cap="none" baseline="30000" dirty="0">
-                <a:latin typeface="Arial" charset="0"/>
-                <a:ea typeface="Arial" charset="0"/>
-                <a:cs typeface="Arial" charset="0"/>
-              </a:rPr>
-              <a:t>2</a:t>
-            </a:r>
-            <a:r>
-              <a:rPr lang="en-US" sz="5400" dirty="0">
-                <a:latin typeface="Arial" charset="0"/>
-                <a:ea typeface="Arial" charset="0"/>
-                <a:cs typeface="Arial" charset="0"/>
-              </a:rPr>
-              <a:t>, </a:t>
-            </a:r>
-            <a:r>
-              <a:rPr lang="en-US" sz="5400" i="0" u="none" strike="noStrike" cap="none" baseline="0" dirty="0" err="1">
-                <a:latin typeface="Arial" charset="0"/>
-                <a:ea typeface="Arial" charset="0"/>
-                <a:cs typeface="Arial" charset="0"/>
-              </a:rPr>
-              <a:t>Ph.D</a:t>
-            </a:r>
-            <a:endParaRPr lang="en-US" sz="4400" dirty="0">
-              <a:latin typeface="Arial" charset="0"/>
-              <a:ea typeface="Arial" charset="0"/>
-              <a:cs typeface="Arial" charset="0"/>
-            </a:endParaRPr>
-          </a:p>
-          <a:p>
-            <a:pPr algn="ctr">
-              <a:lnSpc>
-                <a:spcPct val="150000"/>
-              </a:lnSpc>
-            </a:pPr>
-            <a:r>
-              <a:rPr lang="en-US" sz="4400" i="0" u="none" strike="noStrike" cap="none" baseline="0" dirty="0">
                 <a:solidFill>
-                  <a:schemeClr val="dk1"/>
+                  <a:schemeClr val="bg1"/>
                 </a:solidFill>
                 <a:latin typeface="Arial" charset="0"/>
                 <a:ea typeface="Arial" charset="0"/>
                 <a:cs typeface="Arial" charset="0"/>
               </a:rPr>
-              <a:t>Departments</a:t>
+              <a:t>Karina Huang, Lipika Ramaswamy </a:t>
             </a:r>
-            <a:r>
-              <a:rPr lang="en-US" sz="4400" i="0" u="none" strike="noStrike" cap="none" dirty="0">
-                <a:solidFill>
-                  <a:schemeClr val="dk1"/>
-                </a:solidFill>
-                <a:latin typeface="Arial" charset="0"/>
-                <a:ea typeface="Arial" charset="0"/>
-                <a:cs typeface="Arial" charset="0"/>
-              </a:rPr>
-              <a:t> of </a:t>
-            </a:r>
-            <a:r>
-              <a:rPr lang="en-US" sz="4400" i="0" u="none" strike="noStrike" cap="none" baseline="0" dirty="0">
-                <a:solidFill>
-                  <a:schemeClr val="dk1"/>
-                </a:solidFill>
-                <a:latin typeface="Arial" charset="0"/>
-                <a:ea typeface="Arial" charset="0"/>
-                <a:cs typeface="Arial" charset="0"/>
-              </a:rPr>
-              <a:t> Psychology</a:t>
-            </a:r>
-            <a:r>
-              <a:rPr lang="en-US" sz="4400" i="0" u="none" strike="noStrike" cap="none" baseline="30000" dirty="0">
-                <a:solidFill>
-                  <a:schemeClr val="dk1"/>
-                </a:solidFill>
-                <a:latin typeface="Arial" charset="0"/>
-                <a:ea typeface="Arial" charset="0"/>
-                <a:cs typeface="Arial" charset="0"/>
-              </a:rPr>
-              <a:t>1</a:t>
-            </a:r>
-            <a:r>
-              <a:rPr lang="en-US" sz="4400" i="0" u="none" strike="noStrike" cap="none" baseline="0" dirty="0">
-                <a:solidFill>
-                  <a:schemeClr val="dk1"/>
-                </a:solidFill>
-                <a:latin typeface="Arial" charset="0"/>
-                <a:ea typeface="Arial" charset="0"/>
-                <a:cs typeface="Arial" charset="0"/>
-              </a:rPr>
-              <a:t> and Education and Child Study</a:t>
-            </a:r>
-            <a:r>
-              <a:rPr lang="en-US" sz="4400" baseline="30000" dirty="0">
-                <a:solidFill>
-                  <a:schemeClr val="dk1"/>
-                </a:solidFill>
-                <a:latin typeface="Arial" charset="0"/>
-                <a:ea typeface="Arial" charset="0"/>
-                <a:cs typeface="Arial" charset="0"/>
-              </a:rPr>
-              <a:t>2</a:t>
-            </a:r>
-            <a:r>
-              <a:rPr lang="en-US" sz="4400" dirty="0">
-                <a:solidFill>
-                  <a:schemeClr val="dk1"/>
-                </a:solidFill>
-                <a:latin typeface="Arial" charset="0"/>
-                <a:ea typeface="Arial" charset="0"/>
-                <a:cs typeface="Arial" charset="0"/>
-              </a:rPr>
-              <a:t>, Smith College</a:t>
-            </a:r>
+            <a:endParaRPr lang="en-US" sz="4400" dirty="0">
+              <a:solidFill>
+                <a:schemeClr val="bg1"/>
+              </a:solidFill>
+              <a:latin typeface="Arial" charset="0"/>
+              <a:ea typeface="Arial" charset="0"/>
+              <a:cs typeface="Arial" charset="0"/>
+            </a:endParaRPr>
           </a:p>
         </p:txBody>
       </p:sp>
@@ -11053,33 +8157,6 @@
           </a:p>
         </p:txBody>
       </p:sp>
-      <p:pic>
-        <p:nvPicPr>
-          <p:cNvPr id="98" name="Shape 98"/>
-          <p:cNvPicPr preferRelativeResize="0"/>
-          <p:nvPr/>
-        </p:nvPicPr>
-        <p:blipFill rotWithShape="1">
-          <a:blip r:embed="rId3">
-            <a:alphaModFix/>
-          </a:blip>
-          <a:srcRect/>
-          <a:stretch/>
-        </p:blipFill>
-        <p:spPr>
-          <a:xfrm>
-            <a:off x="391141" y="2393802"/>
-            <a:ext cx="7467600" cy="1593900"/>
-          </a:xfrm>
-          <a:prstGeom prst="rect">
-            <a:avLst/>
-          </a:prstGeom>
-          <a:noFill/>
-          <a:ln>
-            <a:noFill/>
-          </a:ln>
-        </p:spPr>
-      </p:pic>
       <p:sp>
         <p:nvSpPr>
           <p:cNvPr id="101" name="Shape 101"/>
@@ -11180,186 +8257,14 @@
       </p:sp>
       <p:sp>
         <p:nvSpPr>
-          <p:cNvPr id="6" name="TextBox 5"/>
-          <p:cNvSpPr txBox="1"/>
-          <p:nvPr/>
-        </p:nvSpPr>
-        <p:spPr>
-          <a:xfrm>
-            <a:off x="304459" y="4692606"/>
-            <a:ext cx="13518875" cy="784830"/>
-          </a:xfrm>
-          <a:prstGeom prst="rect">
-            <a:avLst/>
-          </a:prstGeom>
-          <a:solidFill>
-            <a:srgbClr val="FFCC33"/>
-          </a:solidFill>
-          <a:ln w="76200">
-            <a:solidFill>
-              <a:schemeClr val="bg2">
-                <a:lumMod val="75000"/>
-              </a:schemeClr>
-            </a:solidFill>
-          </a:ln>
-        </p:spPr>
-        <p:txBody>
-          <a:bodyPr wrap="square" rtlCol="0">
-            <a:spAutoFit/>
-          </a:bodyPr>
-          <a:lstStyle/>
-          <a:p>
-            <a:pPr algn="ctr"/>
-            <a:r>
-              <a:rPr lang="fr-FR" sz="4500" b="1" dirty="0">
-                <a:latin typeface="Arial" charset="0"/>
-                <a:ea typeface="Arial" charset="0"/>
-                <a:cs typeface="Arial" charset="0"/>
-              </a:rPr>
-              <a:t>INTRODUCTION</a:t>
-            </a:r>
-          </a:p>
-        </p:txBody>
-      </p:sp>
-      <p:sp>
-        <p:nvSpPr>
-          <p:cNvPr id="34" name="TextBox 33"/>
-          <p:cNvSpPr txBox="1"/>
-          <p:nvPr/>
-        </p:nvSpPr>
-        <p:spPr>
-          <a:xfrm>
-            <a:off x="289171" y="21479836"/>
-            <a:ext cx="13534164" cy="784830"/>
-          </a:xfrm>
-          <a:prstGeom prst="rect">
-            <a:avLst/>
-          </a:prstGeom>
-          <a:solidFill>
-            <a:srgbClr val="FFC000"/>
-          </a:solidFill>
-          <a:ln w="76200">
-            <a:solidFill>
-              <a:schemeClr val="bg2">
-                <a:lumMod val="75000"/>
-              </a:schemeClr>
-            </a:solidFill>
-          </a:ln>
-        </p:spPr>
-        <p:txBody>
-          <a:bodyPr wrap="square" rtlCol="0">
-            <a:spAutoFit/>
-          </a:bodyPr>
-          <a:lstStyle/>
-          <a:p>
-            <a:pPr algn="ctr"/>
-            <a:r>
-              <a:rPr lang="fr-FR" sz="4500" b="1" dirty="0">
-                <a:latin typeface="Arial" charset="0"/>
-                <a:ea typeface="Arial" charset="0"/>
-                <a:cs typeface="Arial" charset="0"/>
-              </a:rPr>
-              <a:t>METHOD</a:t>
-            </a:r>
-          </a:p>
-        </p:txBody>
-      </p:sp>
-      <p:sp>
-        <p:nvSpPr>
-          <p:cNvPr id="36" name="TextBox 35"/>
-          <p:cNvSpPr txBox="1"/>
-          <p:nvPr/>
-        </p:nvSpPr>
-        <p:spPr>
-          <a:xfrm>
-            <a:off x="27924990" y="4708292"/>
-            <a:ext cx="15661348" cy="784830"/>
-          </a:xfrm>
-          <a:prstGeom prst="rect">
-            <a:avLst/>
-          </a:prstGeom>
-          <a:solidFill>
-            <a:srgbClr val="FFCC33"/>
-          </a:solidFill>
-          <a:ln w="76200">
-            <a:solidFill>
-              <a:schemeClr val="bg2">
-                <a:lumMod val="75000"/>
-              </a:schemeClr>
-            </a:solidFill>
-          </a:ln>
-        </p:spPr>
-        <p:txBody>
-          <a:bodyPr wrap="square" rtlCol="0">
-            <a:spAutoFit/>
-          </a:bodyPr>
-          <a:lstStyle/>
-          <a:p>
-            <a:pPr algn="ctr"/>
-            <a:r>
-              <a:rPr lang="fr-FR" sz="4500" b="1" dirty="0">
-                <a:latin typeface="Arial" charset="0"/>
-                <a:ea typeface="Arial" charset="0"/>
-                <a:cs typeface="Arial" charset="0"/>
-              </a:rPr>
-              <a:t>RESULTS</a:t>
-            </a:r>
-          </a:p>
-        </p:txBody>
-      </p:sp>
-      <p:sp>
-        <p:nvSpPr>
-          <p:cNvPr id="37" name="TextBox 36"/>
-          <p:cNvSpPr txBox="1"/>
-          <p:nvPr/>
-        </p:nvSpPr>
-        <p:spPr>
-          <a:xfrm>
-            <a:off x="27936586" y="19971014"/>
-            <a:ext cx="15649751" cy="784830"/>
-          </a:xfrm>
-          <a:prstGeom prst="rect">
-            <a:avLst/>
-          </a:prstGeom>
-          <a:solidFill>
-            <a:srgbClr val="FFCC33"/>
-          </a:solidFill>
-          <a:ln w="76200">
-            <a:solidFill>
-              <a:schemeClr val="bg2">
-                <a:lumMod val="75000"/>
-              </a:schemeClr>
-            </a:solidFill>
-          </a:ln>
-        </p:spPr>
-        <p:txBody>
-          <a:bodyPr wrap="square" rtlCol="0">
-            <a:spAutoFit/>
-          </a:bodyPr>
-          <a:lstStyle/>
-          <a:p>
-            <a:pPr algn="ctr"/>
-            <a:r>
-              <a:rPr lang="fr-FR" sz="4500" b="1" dirty="0">
-                <a:latin typeface="Arial" charset="0"/>
-                <a:ea typeface="Arial" charset="0"/>
-                <a:cs typeface="Arial" charset="0"/>
-              </a:rPr>
-              <a:t>DISCUSSION</a:t>
-            </a:r>
-          </a:p>
-        </p:txBody>
-      </p:sp>
-      <p:sp>
-        <p:nvSpPr>
           <p:cNvPr id="2" name="TextBox 1"/>
           <p:cNvSpPr txBox="1"/>
           <p:nvPr/>
         </p:nvSpPr>
         <p:spPr>
           <a:xfrm>
-            <a:off x="285568" y="5477435"/>
-            <a:ext cx="13537766" cy="15278408"/>
+            <a:off x="720725" y="4405311"/>
+            <a:ext cx="13845581" cy="27833239"/>
           </a:xfrm>
           <a:prstGeom prst="rect">
             <a:avLst/>
@@ -11388,292 +8293,109 @@
               <a:buFont typeface="Arial" charset="0"/>
               <a:buChar char="•"/>
             </a:pPr>
-            <a:r>
-              <a:rPr lang="en-US" sz="3200" dirty="0">
-                <a:latin typeface="Arial" charset="0"/>
-                <a:ea typeface="Arial" charset="0"/>
-                <a:cs typeface="Arial" charset="0"/>
-              </a:rPr>
-              <a:t>Respect and disrespect have been identified as important attributes in relational maintenance and breakdown in adult close relationships (du Plessis &amp; </a:t>
-            </a:r>
-            <a:r>
-              <a:rPr lang="en-US" sz="3200" dirty="0" err="1">
-                <a:latin typeface="Arial" charset="0"/>
-                <a:ea typeface="Arial" charset="0"/>
-                <a:cs typeface="Arial" charset="0"/>
-              </a:rPr>
-              <a:t>Corney</a:t>
-            </a:r>
-            <a:r>
-              <a:rPr lang="en-US" sz="3200" dirty="0">
-                <a:latin typeface="Arial" charset="0"/>
-                <a:ea typeface="Arial" charset="0"/>
-                <a:cs typeface="Arial" charset="0"/>
-              </a:rPr>
-              <a:t>, 2011). However, little is known about children’s experiences of respect and disrespect and how they shape peer relationship formation and termination.</a:t>
-            </a:r>
-          </a:p>
-          <a:p>
-            <a:pPr marL="457200" lvl="0" indent="-457200">
-              <a:spcBef>
-                <a:spcPts val="600"/>
-              </a:spcBef>
-              <a:buFont typeface="Arial" charset="0"/>
-              <a:buChar char="•"/>
-            </a:pPr>
-            <a:r>
-              <a:rPr lang="en-US" sz="3200" dirty="0">
-                <a:latin typeface="Arial" charset="0"/>
-                <a:ea typeface="Arial" charset="0"/>
-                <a:cs typeface="Arial" charset="0"/>
-              </a:rPr>
-              <a:t>Research often employs hypothetical vignettes and peer nominations to examine children’s moral and social experiences (e.g., Smetana, 1993). </a:t>
-            </a:r>
-          </a:p>
-          <a:p>
-            <a:pPr marL="457200" lvl="0" indent="-457200">
-              <a:spcBef>
-                <a:spcPts val="600"/>
-              </a:spcBef>
-              <a:buFont typeface="Arial" charset="0"/>
-              <a:buChar char="•"/>
-            </a:pPr>
-            <a:r>
-              <a:rPr lang="en-US" sz="3200" dirty="0">
-                <a:latin typeface="Arial" charset="0"/>
-                <a:ea typeface="Arial" charset="0"/>
-                <a:cs typeface="Arial" charset="0"/>
-              </a:rPr>
-              <a:t>However, in these methods, children explicitly receive salient features such as intention for interpreting vignettes, information which they may not have access to in real-life situations (</a:t>
-            </a:r>
-            <a:r>
-              <a:rPr lang="en-US" sz="3200" dirty="0" err="1">
-                <a:latin typeface="Arial" charset="0"/>
-                <a:ea typeface="Arial" charset="0"/>
-                <a:cs typeface="Arial" charset="0"/>
-              </a:rPr>
-              <a:t>Turiel</a:t>
-            </a:r>
-            <a:r>
-              <a:rPr lang="en-US" sz="3200" dirty="0">
-                <a:latin typeface="Arial" charset="0"/>
-                <a:ea typeface="Arial" charset="0"/>
-                <a:cs typeface="Arial" charset="0"/>
-              </a:rPr>
-              <a:t>, 2005). </a:t>
-            </a:r>
-          </a:p>
-          <a:p>
-            <a:pPr marL="457200" lvl="0" indent="-457200">
-              <a:spcBef>
-                <a:spcPts val="600"/>
-              </a:spcBef>
-              <a:buFont typeface="Arial" charset="0"/>
-              <a:buChar char="•"/>
-            </a:pPr>
-            <a:r>
-              <a:rPr lang="en-US" sz="3200" dirty="0">
-                <a:latin typeface="Arial" charset="0"/>
-                <a:ea typeface="Arial" charset="0"/>
-                <a:cs typeface="Arial" charset="0"/>
-              </a:rPr>
-              <a:t>Moreover, as children’s </a:t>
-            </a:r>
-            <a:r>
-              <a:rPr lang="en-US" sz="3200" i="1" dirty="0">
-                <a:latin typeface="Arial" charset="0"/>
-                <a:ea typeface="Arial" charset="0"/>
-                <a:cs typeface="Arial" charset="0"/>
-              </a:rPr>
-              <a:t>in vivo</a:t>
-            </a:r>
-            <a:r>
-              <a:rPr lang="en-US" sz="3200" dirty="0">
-                <a:latin typeface="Arial" charset="0"/>
-                <a:ea typeface="Arial" charset="0"/>
-                <a:cs typeface="Arial" charset="0"/>
-              </a:rPr>
-              <a:t> social and moral learning may be influence by a myriad of other features (e.g., emotions, culture, personal history, Murphy &amp; Eisenberg, 2002), it is important to understand not just </a:t>
-            </a:r>
-            <a:r>
-              <a:rPr lang="en-US" sz="3200" i="1" dirty="0">
-                <a:latin typeface="Arial" charset="0"/>
-                <a:ea typeface="Arial" charset="0"/>
-                <a:cs typeface="Arial" charset="0"/>
-              </a:rPr>
-              <a:t>what happened </a:t>
-            </a:r>
-            <a:r>
-              <a:rPr lang="en-US" sz="3200" dirty="0">
-                <a:latin typeface="Arial" charset="0"/>
-                <a:ea typeface="Arial" charset="0"/>
-                <a:cs typeface="Arial" charset="0"/>
-              </a:rPr>
-              <a:t>but </a:t>
-            </a:r>
-            <a:r>
-              <a:rPr lang="en-US" sz="3200" i="1" dirty="0">
-                <a:latin typeface="Arial" charset="0"/>
-                <a:ea typeface="Arial" charset="0"/>
-                <a:cs typeface="Arial" charset="0"/>
-              </a:rPr>
-              <a:t>why it mattered</a:t>
-            </a:r>
-            <a:r>
-              <a:rPr lang="en-US" sz="3200" dirty="0">
-                <a:latin typeface="Arial" charset="0"/>
-                <a:ea typeface="Arial" charset="0"/>
-                <a:cs typeface="Arial" charset="0"/>
-              </a:rPr>
-              <a:t>. </a:t>
-            </a:r>
-          </a:p>
-          <a:p>
-            <a:pPr marL="457200" lvl="0" indent="-457200">
-              <a:spcBef>
-                <a:spcPts val="600"/>
-              </a:spcBef>
-              <a:buFont typeface="Arial" charset="0"/>
-              <a:buChar char="•"/>
-            </a:pPr>
-            <a:r>
-              <a:rPr lang="en-US" sz="3200" dirty="0">
-                <a:latin typeface="Arial" charset="0"/>
-                <a:ea typeface="Arial" charset="0"/>
-                <a:cs typeface="Arial" charset="0"/>
-              </a:rPr>
-              <a:t>Narrative methodology captures children’s personal accounts for what matters (saliency) and their psychological processing of the events (how they think about an event; </a:t>
-            </a:r>
-            <a:r>
-              <a:rPr lang="en-US" sz="3200" dirty="0" err="1">
-                <a:latin typeface="Arial" charset="0"/>
-                <a:ea typeface="Arial" charset="0"/>
-                <a:cs typeface="Arial" charset="0"/>
-              </a:rPr>
-              <a:t>Daiute</a:t>
-            </a:r>
-            <a:r>
-              <a:rPr lang="en-US" sz="3200" dirty="0">
-                <a:latin typeface="Arial" charset="0"/>
-                <a:ea typeface="Arial" charset="0"/>
-                <a:cs typeface="Arial" charset="0"/>
-              </a:rPr>
-              <a:t> &amp; Lightfoot, 2004).</a:t>
-            </a:r>
-          </a:p>
-          <a:p>
-            <a:pPr marL="457200" lvl="2" indent="-457200">
-              <a:spcBef>
-                <a:spcPts val="600"/>
-              </a:spcBef>
-              <a:buFont typeface="Arial" charset="0"/>
-              <a:buChar char="•"/>
-            </a:pPr>
-            <a:r>
-              <a:rPr lang="en-US" sz="3200" dirty="0">
-                <a:latin typeface="Arial" charset="0"/>
-                <a:ea typeface="Arial" charset="0"/>
-                <a:cs typeface="Arial" charset="0"/>
-              </a:rPr>
-              <a:t>In particular, Plot Analysis (</a:t>
-            </a:r>
-            <a:r>
-              <a:rPr lang="en-US" sz="3200" dirty="0" err="1">
-                <a:latin typeface="Arial" charset="0"/>
-                <a:ea typeface="Arial" charset="0"/>
-                <a:cs typeface="Arial" charset="0"/>
-              </a:rPr>
-              <a:t>Daiute</a:t>
-            </a:r>
-            <a:r>
-              <a:rPr lang="en-US" sz="3200" dirty="0">
-                <a:latin typeface="Arial" charset="0"/>
-                <a:ea typeface="Arial" charset="0"/>
-                <a:cs typeface="Arial" charset="0"/>
-              </a:rPr>
-              <a:t>, 2014) reflects culturally-dependent relationship values as narrators selectively describe interactions between characters based on what they have learned from their culture.</a:t>
-            </a:r>
-          </a:p>
-          <a:p>
-            <a:pPr marL="457200" lvl="0" indent="-457200">
-              <a:spcBef>
-                <a:spcPts val="600"/>
-              </a:spcBef>
-              <a:buFont typeface="Arial" charset="0"/>
-              <a:buChar char="•"/>
-            </a:pPr>
-            <a:r>
-              <a:rPr lang="en-US" sz="3200" dirty="0">
-                <a:latin typeface="Arial" charset="0"/>
-                <a:ea typeface="Arial" charset="0"/>
-                <a:cs typeface="Arial" charset="0"/>
-              </a:rPr>
-              <a:t>Additionally, plot analysis gives information about how situations form, develop and end by breaking narratives into different plot elements, thus allowing for structural, developmental comparisons in understanding certain features of peer relationship dynamics as children gradually adjust social expectations (Rubin et al., 2006) and conflict interpretations (Furman &amp; Rose, 2015).  </a:t>
-            </a:r>
-          </a:p>
-          <a:p>
-            <a:pPr marL="457200" lvl="1" indent="-457200">
-              <a:spcBef>
-                <a:spcPts val="600"/>
-              </a:spcBef>
-              <a:buFont typeface="Arial" charset="0"/>
-              <a:buChar char="•"/>
-            </a:pPr>
-            <a:r>
-              <a:rPr lang="en-US" sz="3200" dirty="0">
-                <a:latin typeface="Arial" charset="0"/>
-                <a:ea typeface="Arial" charset="0"/>
-                <a:cs typeface="Arial" charset="0"/>
-              </a:rPr>
-              <a:t>This research had two foci: </a:t>
-            </a:r>
-          </a:p>
-          <a:p>
-            <a:pPr marL="889000" lvl="1" indent="-381000">
-              <a:spcBef>
-                <a:spcPts val="600"/>
-              </a:spcBef>
-              <a:buFont typeface="+mj-lt"/>
-              <a:buAutoNum type="arabicPeriod"/>
-            </a:pPr>
-            <a:r>
-              <a:rPr lang="en-US" sz="3200" dirty="0">
-                <a:latin typeface="Arial" charset="0"/>
-                <a:ea typeface="Arial" charset="0"/>
-                <a:cs typeface="Arial" charset="0"/>
-              </a:rPr>
-              <a:t>How are (dis)respect narratives structured?</a:t>
-            </a:r>
-          </a:p>
-          <a:p>
-            <a:pPr marL="889000" lvl="1" indent="-381000">
-              <a:spcBef>
-                <a:spcPts val="600"/>
-              </a:spcBef>
-              <a:buFont typeface="+mj-lt"/>
-              <a:buAutoNum type="arabicPeriod"/>
-            </a:pPr>
-            <a:r>
-              <a:rPr lang="en-US" sz="3200" dirty="0">
-                <a:latin typeface="Arial" charset="0"/>
-                <a:ea typeface="Arial" charset="0"/>
-                <a:cs typeface="Arial" charset="0"/>
-              </a:rPr>
-              <a:t>How do (dis)respect narratives change with age? </a:t>
-            </a:r>
+            <a:endParaRPr lang="en-US" sz="3200" dirty="0">
+              <a:latin typeface="Arial" charset="0"/>
+              <a:ea typeface="Arial" charset="0"/>
+              <a:cs typeface="Arial" charset="0"/>
+            </a:endParaRPr>
           </a:p>
         </p:txBody>
       </p:sp>
+      <p:grpSp>
+        <p:nvGrpSpPr>
+          <p:cNvPr id="16" name="Group 15">
+            <a:extLst>
+              <a:ext uri="{FF2B5EF4-FFF2-40B4-BE49-F238E27FC236}">
+                <a16:creationId xmlns:a16="http://schemas.microsoft.com/office/drawing/2014/main" id="{2419AE6E-AEEA-0145-8C36-FF28950FE4BE}"/>
+              </a:ext>
+            </a:extLst>
+          </p:cNvPr>
+          <p:cNvGrpSpPr/>
+          <p:nvPr/>
+        </p:nvGrpSpPr>
+        <p:grpSpPr>
+          <a:xfrm>
+            <a:off x="1151166" y="1872542"/>
+            <a:ext cx="3090250" cy="2114359"/>
+            <a:chOff x="628650" y="1872542"/>
+            <a:chExt cx="3090250" cy="2114359"/>
+          </a:xfrm>
+        </p:grpSpPr>
+        <p:pic>
+          <p:nvPicPr>
+            <p:cNvPr id="11" name="Picture 10">
+              <a:extLst>
+                <a:ext uri="{FF2B5EF4-FFF2-40B4-BE49-F238E27FC236}">
+                  <a16:creationId xmlns:a16="http://schemas.microsoft.com/office/drawing/2014/main" id="{D8E1C113-D780-CB4F-B102-2E4C3A28A440}"/>
+                </a:ext>
+              </a:extLst>
+            </p:cNvPr>
+            <p:cNvPicPr>
+              <a:picLocks noChangeAspect="1"/>
+            </p:cNvPicPr>
+            <p:nvPr/>
+          </p:nvPicPr>
+          <p:blipFill rotWithShape="1">
+            <a:blip r:embed="rId3"/>
+            <a:srcRect r="76396"/>
+            <a:stretch/>
+          </p:blipFill>
+          <p:spPr>
+            <a:xfrm>
+              <a:off x="2335870" y="2360818"/>
+              <a:ext cx="1383030" cy="1607795"/>
+            </a:xfrm>
+            <a:prstGeom prst="rect">
+              <a:avLst/>
+            </a:prstGeom>
+          </p:spPr>
+        </p:pic>
+        <p:pic>
+          <p:nvPicPr>
+            <p:cNvPr id="13" name="Picture 12">
+              <a:extLst>
+                <a:ext uri="{FF2B5EF4-FFF2-40B4-BE49-F238E27FC236}">
+                  <a16:creationId xmlns:a16="http://schemas.microsoft.com/office/drawing/2014/main" id="{4EC363FF-F411-8C4D-87C8-8522E0B7787C}"/>
+                </a:ext>
+              </a:extLst>
+            </p:cNvPr>
+            <p:cNvPicPr>
+              <a:picLocks noChangeAspect="1"/>
+            </p:cNvPicPr>
+            <p:nvPr/>
+          </p:nvPicPr>
+          <p:blipFill rotWithShape="1">
+            <a:blip r:embed="rId4"/>
+            <a:srcRect r="83921" b="14291"/>
+            <a:stretch/>
+          </p:blipFill>
+          <p:spPr>
+            <a:xfrm>
+              <a:off x="628650" y="1872542"/>
+              <a:ext cx="1383030" cy="2114359"/>
+            </a:xfrm>
+            <a:prstGeom prst="rect">
+              <a:avLst/>
+            </a:prstGeom>
+          </p:spPr>
+        </p:pic>
+      </p:grpSp>
       <p:sp>
         <p:nvSpPr>
-          <p:cNvPr id="3" name="TextBox 2"/>
+          <p:cNvPr id="40" name="TextBox 39">
+            <a:extLst>
+              <a:ext uri="{FF2B5EF4-FFF2-40B4-BE49-F238E27FC236}">
+                <a16:creationId xmlns:a16="http://schemas.microsoft.com/office/drawing/2014/main" id="{FEF0ABDD-8EC0-AA4F-B901-6347F8E3E681}"/>
+              </a:ext>
+            </a:extLst>
+          </p:cNvPr>
           <p:cNvSpPr txBox="1"/>
           <p:nvPr/>
         </p:nvSpPr>
         <p:spPr>
           <a:xfrm>
-            <a:off x="309830" y="22264666"/>
-            <a:ext cx="13513504" cy="10261847"/>
+            <a:off x="15022810" y="4405311"/>
+            <a:ext cx="13845581" cy="27833239"/>
           </a:xfrm>
           <a:prstGeom prst="rect">
             <a:avLst/>
@@ -11695,21 +8417,6 @@
           </a:bodyPr>
           <a:lstStyle/>
           <a:p>
-            <a:pPr lvl="0">
-              <a:spcBef>
-                <a:spcPts val="600"/>
-              </a:spcBef>
-            </a:pPr>
-            <a:r>
-              <a:rPr lang="en-US" sz="3200" b="1" dirty="0">
-                <a:latin typeface="Arial" charset="0"/>
-                <a:ea typeface="Arial" charset="0"/>
-                <a:cs typeface="Arial" charset="0"/>
-              </a:rPr>
-              <a:t>Participants and Procedures</a:t>
-            </a:r>
-          </a:p>
-          <a:p>
             <a:pPr marL="457200" lvl="0" indent="-457200">
               <a:spcBef>
                 <a:spcPts val="600"/>
@@ -11717,227 +8424,30 @@
               <a:buFont typeface="Arial" charset="0"/>
               <a:buChar char="•"/>
             </a:pPr>
-            <a:r>
-              <a:rPr lang="en-US" sz="3200" dirty="0">
-                <a:latin typeface="Arial" charset="0"/>
-                <a:ea typeface="Arial" charset="0"/>
-                <a:cs typeface="Arial" charset="0"/>
-              </a:rPr>
-              <a:t>188 children from grade 3-5 (M</a:t>
-            </a:r>
-            <a:r>
-              <a:rPr lang="en-US" sz="3200" baseline="-25000" dirty="0">
-                <a:latin typeface="Arial" charset="0"/>
-                <a:ea typeface="Arial" charset="0"/>
-                <a:cs typeface="Arial" charset="0"/>
-              </a:rPr>
-              <a:t>age </a:t>
-            </a:r>
-            <a:r>
-              <a:rPr lang="en-US" sz="3200" dirty="0">
-                <a:latin typeface="Arial" charset="0"/>
-                <a:ea typeface="Arial" charset="0"/>
-                <a:cs typeface="Arial" charset="0"/>
-              </a:rPr>
-              <a:t>= 9.23, SD = 0.93, 56% female; 74.4 %  White) were asked to write in response to the prompts:</a:t>
-            </a:r>
-          </a:p>
-          <a:p>
-            <a:pPr marL="869950" lvl="0" indent="-457200">
-              <a:spcBef>
-                <a:spcPts val="600"/>
-              </a:spcBef>
-              <a:buFont typeface="Wingdings" charset="2"/>
-              <a:buChar char="§"/>
-            </a:pPr>
-            <a:r>
-              <a:rPr lang="en-US" sz="2800" i="1" dirty="0">
-                <a:latin typeface="Arial" charset="0"/>
-                <a:ea typeface="Arial" charset="0"/>
-                <a:cs typeface="Arial" charset="0"/>
-              </a:rPr>
-              <a:t>Write a true story about a time a classmate earned your respect.</a:t>
-            </a:r>
-          </a:p>
-          <a:p>
-            <a:pPr marL="869950" lvl="0" indent="-457200">
-              <a:spcBef>
-                <a:spcPts val="600"/>
-              </a:spcBef>
-              <a:buFont typeface="Wingdings" charset="2"/>
-              <a:buChar char="§"/>
-            </a:pPr>
-            <a:r>
-              <a:rPr lang="en-US" sz="2800" i="1" dirty="0">
-                <a:latin typeface="Arial" charset="0"/>
-                <a:ea typeface="Arial" charset="0"/>
-                <a:cs typeface="Arial" charset="0"/>
-              </a:rPr>
-              <a:t>Write a true story about a time you felt disrespected by a classmate.</a:t>
-            </a:r>
-          </a:p>
-          <a:p>
-            <a:pPr marL="31750" lvl="0">
-              <a:spcBef>
-                <a:spcPts val="600"/>
-              </a:spcBef>
-            </a:pPr>
-            <a:r>
-              <a:rPr lang="en-US" sz="3200" b="1" dirty="0">
-                <a:latin typeface="Arial" charset="0"/>
-                <a:ea typeface="Arial" charset="0"/>
-                <a:cs typeface="Arial" charset="0"/>
-              </a:rPr>
-              <a:t>Coding</a:t>
-            </a:r>
-          </a:p>
-          <a:p>
-            <a:pPr marL="488950" lvl="0" indent="-457200">
-              <a:spcBef>
-                <a:spcPts val="600"/>
-              </a:spcBef>
-              <a:buFont typeface="Arial" charset="0"/>
-              <a:buChar char="•"/>
-            </a:pPr>
-            <a:r>
-              <a:rPr lang="en-US" sz="3200" dirty="0">
-                <a:latin typeface="Arial" charset="0"/>
-                <a:ea typeface="Arial" charset="0"/>
-                <a:cs typeface="Arial" charset="0"/>
-              </a:rPr>
-              <a:t>Codebooks were created inductively for respect and disrespect narratives following guidelines for plot analysis by </a:t>
-            </a:r>
-            <a:r>
-              <a:rPr lang="en-US" sz="3200" dirty="0" err="1">
-                <a:latin typeface="Arial" charset="0"/>
-                <a:ea typeface="Arial" charset="0"/>
-                <a:cs typeface="Arial" charset="0"/>
-              </a:rPr>
-              <a:t>Daiute</a:t>
-            </a:r>
-            <a:r>
-              <a:rPr lang="en-US" sz="3200" dirty="0">
-                <a:latin typeface="Arial" charset="0"/>
-                <a:ea typeface="Arial" charset="0"/>
-                <a:cs typeface="Arial" charset="0"/>
-              </a:rPr>
-              <a:t> (2015). </a:t>
-            </a:r>
-          </a:p>
-          <a:p>
-            <a:pPr marL="698500" lvl="0" indent="-222250">
-              <a:spcBef>
-                <a:spcPts val="600"/>
-              </a:spcBef>
-              <a:buFont typeface="Wingdings" charset="2"/>
-              <a:buChar char="§"/>
-            </a:pPr>
-            <a:r>
-              <a:rPr lang="en-US" sz="3200" dirty="0">
-                <a:latin typeface="Arial" charset="0"/>
-                <a:ea typeface="Arial" charset="0"/>
-                <a:cs typeface="Arial" charset="0"/>
-              </a:rPr>
-              <a:t>Respect narratives were broken down into 1) Rising Actions (initiating   and complicating actions), 2) High Point, and 3) Ending (See Table 1)</a:t>
-            </a:r>
-          </a:p>
-          <a:p>
-            <a:pPr marL="698500" lvl="0" indent="-222250">
-              <a:spcBef>
-                <a:spcPts val="600"/>
-              </a:spcBef>
-              <a:buFont typeface="Wingdings" charset="2"/>
-              <a:buChar char="§"/>
-            </a:pPr>
-            <a:r>
-              <a:rPr lang="en-US" sz="3200" dirty="0">
-                <a:latin typeface="Arial" charset="0"/>
-                <a:ea typeface="Arial" charset="0"/>
-                <a:cs typeface="Arial" charset="0"/>
-              </a:rPr>
-              <a:t>Instead of endings, resolution strategies and final resolutions were identified for disrespect narratives. </a:t>
-            </a:r>
-          </a:p>
-          <a:p>
-            <a:pPr marL="488950" lvl="0" indent="-457200">
-              <a:spcBef>
-                <a:spcPts val="600"/>
-              </a:spcBef>
-              <a:buFont typeface="Arial" charset="0"/>
-              <a:buChar char="•"/>
-            </a:pPr>
-            <a:r>
-              <a:rPr lang="en-US" sz="3200" dirty="0">
-                <a:latin typeface="Arial" charset="0"/>
-                <a:ea typeface="Arial" charset="0"/>
-                <a:cs typeface="Arial" charset="0"/>
-              </a:rPr>
-              <a:t>Codes for each plot element were created based on common themes identified in narratives.</a:t>
-            </a:r>
-          </a:p>
-          <a:p>
-            <a:pPr marL="488950" indent="-12700">
-              <a:spcBef>
-                <a:spcPts val="600"/>
-              </a:spcBef>
-              <a:buFont typeface="Wingdings" charset="2"/>
-              <a:buChar char="§"/>
-            </a:pPr>
-            <a:r>
-              <a:rPr lang="en-US" sz="3200" dirty="0">
-                <a:latin typeface="Arial" charset="0"/>
-                <a:ea typeface="Arial" charset="0"/>
-                <a:cs typeface="Arial" charset="0"/>
-              </a:rPr>
-              <a:t> All narratives were coded by one researcher and checked by another</a:t>
-            </a:r>
-          </a:p>
-          <a:p>
-            <a:pPr marL="488950" lvl="0" indent="-12700">
-              <a:spcBef>
-                <a:spcPts val="600"/>
-              </a:spcBef>
-              <a:buFont typeface="Wingdings" charset="2"/>
-              <a:buChar char="§"/>
-            </a:pPr>
-            <a:r>
-              <a:rPr lang="en-US" sz="3200" dirty="0">
-                <a:latin typeface="Arial" charset="0"/>
-                <a:ea typeface="Arial" charset="0"/>
-                <a:cs typeface="Arial" charset="0"/>
-              </a:rPr>
-              <a:t>Types of (dis)respect were identified in rising actions and high point.</a:t>
-            </a:r>
-          </a:p>
-          <a:p>
-            <a:pPr marL="488950" lvl="0" indent="-457200">
-              <a:spcBef>
-                <a:spcPts val="600"/>
-              </a:spcBef>
-              <a:buFont typeface="Arial" charset="0"/>
-              <a:buChar char="•"/>
-            </a:pPr>
-            <a:r>
-              <a:rPr lang="en-US" sz="3200" dirty="0">
-                <a:latin typeface="Arial" charset="0"/>
-                <a:ea typeface="Arial" charset="0"/>
-                <a:cs typeface="Arial" charset="0"/>
-              </a:rPr>
-              <a:t>Narratives were coded for themes by plot elements and for coherence following the Narrative Coherence Coding Scheme (Reese et al., 2011). </a:t>
-            </a:r>
+            <a:endParaRPr lang="en-US" sz="3200" dirty="0">
+              <a:latin typeface="Arial" charset="0"/>
+              <a:ea typeface="Arial" charset="0"/>
+              <a:cs typeface="Arial" charset="0"/>
+            </a:endParaRPr>
           </a:p>
         </p:txBody>
       </p:sp>
       <p:sp>
         <p:nvSpPr>
-          <p:cNvPr id="9" name="TextBox 8"/>
+          <p:cNvPr id="41" name="TextBox 40">
+            <a:extLst>
+              <a:ext uri="{FF2B5EF4-FFF2-40B4-BE49-F238E27FC236}">
+                <a16:creationId xmlns:a16="http://schemas.microsoft.com/office/drawing/2014/main" id="{131165CB-A548-3942-BDC2-1601F1453288}"/>
+              </a:ext>
+            </a:extLst>
+          </p:cNvPr>
           <p:cNvSpPr txBox="1"/>
           <p:nvPr/>
         </p:nvSpPr>
         <p:spPr>
           <a:xfrm>
-            <a:off x="27924990" y="5477435"/>
-            <a:ext cx="15661348" cy="14116851"/>
+            <a:off x="29324895" y="4405310"/>
+            <a:ext cx="13845581" cy="27833239"/>
           </a:xfrm>
           <a:prstGeom prst="rect">
             <a:avLst/>
@@ -11959,1368 +8469,18 @@
           </a:bodyPr>
           <a:lstStyle/>
           <a:p>
-            <a:pPr marL="34925" marR="0" lvl="0" defTabSz="914400" eaLnBrk="1" fontAlgn="auto" latinLnBrk="0" hangingPunct="1">
-              <a:lnSpc>
-                <a:spcPct val="100000"/>
-              </a:lnSpc>
-              <a:spcAft>
-                <a:spcPts val="0"/>
-              </a:spcAft>
-              <a:buClrTx/>
-              <a:buSzTx/>
-              <a:tabLst/>
-              <a:defRPr/>
-            </a:pPr>
-            <a:r>
-              <a:rPr lang="en-US" sz="3200" b="1" dirty="0">
-                <a:latin typeface="Arial" charset="0"/>
-                <a:ea typeface="Arial" charset="0"/>
-                <a:cs typeface="Arial" charset="0"/>
-              </a:rPr>
-              <a:t>Features of Respect and Disrespect Narratives</a:t>
-            </a:r>
-          </a:p>
-          <a:p>
-            <a:pPr marL="492125" marR="0" lvl="0" indent="-457200" defTabSz="914400" eaLnBrk="1" fontAlgn="auto" latinLnBrk="0" hangingPunct="1">
-              <a:lnSpc>
-                <a:spcPct val="100000"/>
-              </a:lnSpc>
-              <a:spcAft>
-                <a:spcPts val="0"/>
-              </a:spcAft>
-              <a:buClrTx/>
-              <a:buSzTx/>
-              <a:buFont typeface="Arial"/>
-              <a:buChar char="•"/>
-              <a:tabLst/>
-              <a:defRPr/>
-            </a:pPr>
-            <a:r>
-              <a:rPr lang="en-US" sz="3200" dirty="0">
-                <a:latin typeface="Arial" charset="0"/>
-                <a:ea typeface="Arial" charset="0"/>
-                <a:cs typeface="Arial" charset="0"/>
-              </a:rPr>
-              <a:t>Narrative Coherence (Figure 1)</a:t>
-            </a:r>
-            <a:r>
-              <a:rPr lang="en-US" sz="3200" i="1" dirty="0">
-                <a:latin typeface="Arial" charset="0"/>
-                <a:ea typeface="Arial" charset="0"/>
-                <a:cs typeface="Arial" charset="0"/>
-              </a:rPr>
-              <a:t> </a:t>
-            </a:r>
-          </a:p>
-          <a:p>
-            <a:pPr marL="692150" marR="0" lvl="0" indent="-269875" defTabSz="914400" eaLnBrk="1" fontAlgn="auto" latinLnBrk="0" hangingPunct="1">
-              <a:lnSpc>
-                <a:spcPct val="100000"/>
-              </a:lnSpc>
-              <a:spcAft>
-                <a:spcPts val="0"/>
-              </a:spcAft>
-              <a:buClrTx/>
-              <a:buSzTx/>
-              <a:buFont typeface="Arial"/>
-              <a:buChar char="•"/>
-              <a:defRPr/>
-            </a:pPr>
-            <a:r>
-              <a:rPr lang="en-US" sz="3200" i="1" dirty="0">
-                <a:latin typeface="Arial" charset="0"/>
-                <a:ea typeface="Arial" charset="0"/>
-                <a:cs typeface="Arial" charset="0"/>
-              </a:rPr>
-              <a:t>In general, authors scored highest in chronological coherence, followed by thematic coherence. Contextual coherence remained the lowest for all grades and both narrative sets. </a:t>
-            </a:r>
-          </a:p>
-          <a:p>
-            <a:pPr marL="492125" marR="0" lvl="0" indent="-457200" defTabSz="914400" eaLnBrk="1" fontAlgn="auto" latinLnBrk="0" hangingPunct="1">
-              <a:lnSpc>
-                <a:spcPct val="100000"/>
-              </a:lnSpc>
-              <a:spcAft>
-                <a:spcPts val="0"/>
-              </a:spcAft>
-              <a:buClrTx/>
-              <a:buSzTx/>
-              <a:buFont typeface="Arial"/>
-              <a:buChar char="•"/>
-              <a:tabLst/>
-              <a:defRPr/>
-            </a:pPr>
-            <a:r>
-              <a:rPr lang="en-US" sz="3200" dirty="0">
-                <a:latin typeface="Arial" charset="0"/>
-                <a:ea typeface="Arial" charset="0"/>
-                <a:cs typeface="Arial" charset="0"/>
-              </a:rPr>
-              <a:t>Characters (Figure 2)</a:t>
-            </a:r>
-            <a:endParaRPr lang="en-US" sz="3200" i="1" dirty="0">
-              <a:latin typeface="Arial" charset="0"/>
-              <a:ea typeface="Arial" charset="0"/>
-              <a:cs typeface="Arial" charset="0"/>
-            </a:endParaRPr>
-          </a:p>
-          <a:p>
-            <a:pPr marL="768350" marR="0" lvl="0" indent="-307975" defTabSz="914400" eaLnBrk="1" fontAlgn="auto" latinLnBrk="0" hangingPunct="1">
-              <a:lnSpc>
-                <a:spcPct val="100000"/>
-              </a:lnSpc>
-              <a:spcAft>
-                <a:spcPts val="0"/>
-              </a:spcAft>
-              <a:buClrTx/>
-              <a:buSzTx/>
-              <a:buFont typeface="Arial"/>
-              <a:buChar char="•"/>
-              <a:defRPr/>
-            </a:pPr>
-            <a:r>
-              <a:rPr lang="en-US" sz="3200" i="1" dirty="0">
-                <a:latin typeface="Arial" charset="0"/>
-                <a:ea typeface="Arial" charset="0"/>
-                <a:cs typeface="Arial" charset="0"/>
-              </a:rPr>
-              <a:t>For both prompts, authors provided most experiences about non-friends and least stories about best friends.  </a:t>
-            </a:r>
-          </a:p>
-          <a:p>
-            <a:pPr marL="492125" marR="0" lvl="0" indent="-457200" defTabSz="914400" eaLnBrk="1" fontAlgn="auto" latinLnBrk="0" hangingPunct="1">
-              <a:lnSpc>
-                <a:spcPct val="100000"/>
-              </a:lnSpc>
-              <a:spcAft>
-                <a:spcPts val="0"/>
-              </a:spcAft>
-              <a:buClrTx/>
-              <a:buSzTx/>
-              <a:buFont typeface="Arial"/>
-              <a:buChar char="•"/>
-              <a:tabLst/>
-              <a:defRPr/>
-            </a:pPr>
-            <a:r>
-              <a:rPr lang="en-US" sz="3200" dirty="0">
-                <a:latin typeface="Arial" charset="0"/>
-                <a:ea typeface="Arial" charset="0"/>
-                <a:cs typeface="Arial" charset="0"/>
-              </a:rPr>
-              <a:t>Action</a:t>
-            </a:r>
-          </a:p>
-          <a:p>
-            <a:pPr marL="768350" lvl="2" indent="-307975">
-              <a:buFont typeface="Arial"/>
-              <a:buChar char="•"/>
-              <a:defRPr/>
-            </a:pPr>
-            <a:r>
-              <a:rPr lang="en-US" sz="3200" dirty="0">
-                <a:latin typeface="Arial" charset="0"/>
-                <a:ea typeface="Arial" charset="0"/>
-                <a:cs typeface="Arial" charset="0"/>
-              </a:rPr>
-              <a:t>Types of disrespect appeared in all action stages (initiating, complicating actions and high point), but types of respect were identified almost exclusively in high point. </a:t>
-            </a:r>
-          </a:p>
-          <a:p>
-            <a:pPr marL="768350" lvl="2" indent="-307975">
-              <a:buFont typeface="Arial"/>
-              <a:buChar char="•"/>
-              <a:defRPr/>
-            </a:pPr>
-            <a:endParaRPr lang="en-US" sz="1000" dirty="0">
-              <a:latin typeface="Arial" charset="0"/>
-              <a:ea typeface="Arial" charset="0"/>
-              <a:cs typeface="Arial" charset="0"/>
-            </a:endParaRPr>
-          </a:p>
-          <a:p>
-            <a:pPr marL="34925" marR="0" lvl="0" defTabSz="914400" eaLnBrk="1" fontAlgn="auto" latinLnBrk="0" hangingPunct="1">
-              <a:lnSpc>
-                <a:spcPct val="100000"/>
-              </a:lnSpc>
-              <a:spcAft>
-                <a:spcPts val="0"/>
-              </a:spcAft>
-              <a:buClrTx/>
-              <a:buSzTx/>
-              <a:tabLst/>
-              <a:defRPr/>
-            </a:pPr>
-            <a:r>
-              <a:rPr lang="en-US" sz="3200" b="1" dirty="0">
-                <a:latin typeface="Arial" charset="0"/>
-                <a:ea typeface="Arial" charset="0"/>
-                <a:cs typeface="Arial" charset="0"/>
-              </a:rPr>
-              <a:t>Developmental Differences among and between narratives</a:t>
-            </a:r>
-          </a:p>
-          <a:p>
-            <a:pPr marL="492125" marR="0" lvl="0" indent="-457200" defTabSz="914400" eaLnBrk="1" fontAlgn="auto" latinLnBrk="0" hangingPunct="1">
-              <a:lnSpc>
-                <a:spcPct val="100000"/>
-              </a:lnSpc>
-              <a:spcAft>
-                <a:spcPts val="0"/>
-              </a:spcAft>
-              <a:buClrTx/>
-              <a:buSzTx/>
-              <a:buFont typeface="Arial"/>
-              <a:buChar char="•"/>
-              <a:tabLst/>
-              <a:defRPr/>
-            </a:pPr>
-            <a:r>
-              <a:rPr lang="en-US" sz="3200" dirty="0">
-                <a:latin typeface="Arial" charset="0"/>
-                <a:ea typeface="Arial" charset="0"/>
-                <a:cs typeface="Arial" charset="0"/>
-              </a:rPr>
-              <a:t>Earning Respect</a:t>
-            </a:r>
-          </a:p>
-          <a:p>
-            <a:pPr marL="768350" marR="0" lvl="0" indent="-268288" defTabSz="914400" eaLnBrk="1" fontAlgn="auto" latinLnBrk="0" hangingPunct="1">
-              <a:lnSpc>
-                <a:spcPct val="100000"/>
-              </a:lnSpc>
-              <a:spcAft>
-                <a:spcPts val="0"/>
-              </a:spcAft>
-              <a:buClrTx/>
-              <a:buSzTx/>
+            <a:pPr marL="457200" lvl="0" indent="-457200">
+              <a:spcBef>
+                <a:spcPts val="600"/>
+              </a:spcBef>
               <a:buFont typeface="Arial" charset="0"/>
               <a:buChar char="•"/>
-              <a:defRPr/>
-            </a:pPr>
-            <a:r>
-              <a:rPr lang="en-US" sz="3200" i="1" dirty="0">
-                <a:latin typeface="Arial" charset="0"/>
-                <a:ea typeface="Arial" charset="0"/>
-                <a:cs typeface="Arial" charset="0"/>
-              </a:rPr>
-              <a:t>For narrative endings, fifth-grade authors most frequently provided reasons why they showed respect, whereas third- and fourth-grade authors ended narratives with friendship values messages (ex. Friendship formation).</a:t>
-            </a:r>
-          </a:p>
-          <a:p>
-            <a:pPr marL="34925" marR="0" lvl="0" defTabSz="914400" eaLnBrk="1" fontAlgn="auto" latinLnBrk="0" hangingPunct="1">
-              <a:lnSpc>
-                <a:spcPct val="100000"/>
-              </a:lnSpc>
-              <a:spcAft>
-                <a:spcPts val="0"/>
-              </a:spcAft>
-              <a:buClrTx/>
-              <a:buSzTx/>
-              <a:tabLst/>
-              <a:defRPr/>
             </a:pPr>
             <a:endParaRPr lang="en-US" sz="3200" dirty="0">
               <a:latin typeface="Arial" charset="0"/>
               <a:ea typeface="Arial" charset="0"/>
               <a:cs typeface="Arial" charset="0"/>
             </a:endParaRPr>
-          </a:p>
-          <a:p>
-            <a:pPr marL="34925" marR="0" lvl="0" defTabSz="914400" eaLnBrk="1" fontAlgn="auto" latinLnBrk="0" hangingPunct="1">
-              <a:lnSpc>
-                <a:spcPct val="100000"/>
-              </a:lnSpc>
-              <a:spcAft>
-                <a:spcPts val="0"/>
-              </a:spcAft>
-              <a:buClrTx/>
-              <a:buSzTx/>
-              <a:tabLst/>
-              <a:defRPr/>
-            </a:pPr>
-            <a:endParaRPr lang="en-US" sz="3200" dirty="0">
-              <a:latin typeface="Arial" charset="0"/>
-              <a:ea typeface="Arial" charset="0"/>
-              <a:cs typeface="Arial" charset="0"/>
-            </a:endParaRPr>
-          </a:p>
-          <a:p>
-            <a:pPr marL="34925" marR="0" lvl="0" defTabSz="914400" eaLnBrk="1" fontAlgn="auto" latinLnBrk="0" hangingPunct="1">
-              <a:lnSpc>
-                <a:spcPct val="100000"/>
-              </a:lnSpc>
-              <a:spcAft>
-                <a:spcPts val="0"/>
-              </a:spcAft>
-              <a:buClrTx/>
-              <a:buSzTx/>
-              <a:tabLst/>
-              <a:defRPr/>
-            </a:pPr>
-            <a:r>
-              <a:rPr lang="en-US" sz="3200" dirty="0">
-                <a:latin typeface="Arial" charset="0"/>
-                <a:ea typeface="Arial" charset="0"/>
-                <a:cs typeface="Arial" charset="0"/>
-              </a:rPr>
-              <a:t> </a:t>
-            </a:r>
-          </a:p>
-          <a:p>
-            <a:pPr marL="492125" marR="0" lvl="0" indent="-457200" defTabSz="914400" eaLnBrk="1" fontAlgn="auto" latinLnBrk="0" hangingPunct="1">
-              <a:lnSpc>
-                <a:spcPct val="100000"/>
-              </a:lnSpc>
-              <a:spcAft>
-                <a:spcPts val="0"/>
-              </a:spcAft>
-              <a:buClrTx/>
-              <a:buSzTx/>
-              <a:buFont typeface="Arial" charset="0"/>
-              <a:buChar char="•"/>
-              <a:tabLst/>
-              <a:defRPr/>
-            </a:pPr>
-            <a:endParaRPr lang="en-US" sz="3200" i="1" dirty="0">
-              <a:latin typeface="Arial" charset="0"/>
-              <a:ea typeface="Arial" charset="0"/>
-              <a:cs typeface="Arial" charset="0"/>
-            </a:endParaRPr>
-          </a:p>
-          <a:p>
-            <a:pPr marL="492125" marR="0" lvl="0" indent="-457200" defTabSz="914400" eaLnBrk="1" fontAlgn="auto" latinLnBrk="0" hangingPunct="1">
-              <a:lnSpc>
-                <a:spcPct val="100000"/>
-              </a:lnSpc>
-              <a:spcAft>
-                <a:spcPts val="0"/>
-              </a:spcAft>
-              <a:buClrTx/>
-              <a:buSzTx/>
-              <a:buFont typeface="Arial" charset="0"/>
-              <a:buChar char="•"/>
-              <a:tabLst/>
-              <a:defRPr/>
-            </a:pPr>
-            <a:endParaRPr lang="en-US" sz="3200" i="1" dirty="0">
-              <a:latin typeface="Arial" charset="0"/>
-              <a:ea typeface="Arial" charset="0"/>
-              <a:cs typeface="Arial" charset="0"/>
-            </a:endParaRPr>
-          </a:p>
-          <a:p>
-            <a:pPr marL="492125" marR="0" lvl="0" indent="-457200" defTabSz="914400" eaLnBrk="1" fontAlgn="auto" latinLnBrk="0" hangingPunct="1">
-              <a:lnSpc>
-                <a:spcPct val="100000"/>
-              </a:lnSpc>
-              <a:spcAft>
-                <a:spcPts val="0"/>
-              </a:spcAft>
-              <a:buClrTx/>
-              <a:buSzTx/>
-              <a:buFont typeface="Arial" charset="0"/>
-              <a:buChar char="•"/>
-              <a:tabLst/>
-              <a:defRPr/>
-            </a:pPr>
-            <a:endParaRPr lang="en-US" sz="3200" i="1" dirty="0">
-              <a:latin typeface="Arial" charset="0"/>
-              <a:ea typeface="Arial" charset="0"/>
-              <a:cs typeface="Arial" charset="0"/>
-            </a:endParaRPr>
-          </a:p>
-          <a:p>
-            <a:pPr marL="492125" marR="0" lvl="0" indent="-457200" defTabSz="914400" eaLnBrk="1" fontAlgn="auto" latinLnBrk="0" hangingPunct="1">
-              <a:lnSpc>
-                <a:spcPct val="100000"/>
-              </a:lnSpc>
-              <a:spcAft>
-                <a:spcPts val="0"/>
-              </a:spcAft>
-              <a:buClrTx/>
-              <a:buSzTx/>
-              <a:buFont typeface="Arial" charset="0"/>
-              <a:buChar char="•"/>
-              <a:tabLst/>
-              <a:defRPr/>
-            </a:pPr>
-            <a:endParaRPr lang="en-US" sz="3200" i="1" dirty="0">
-              <a:latin typeface="Arial" charset="0"/>
-              <a:ea typeface="Arial" charset="0"/>
-              <a:cs typeface="Arial" charset="0"/>
-            </a:endParaRPr>
-          </a:p>
-          <a:p>
-            <a:pPr marL="492125" marR="0" lvl="0" indent="-457200" defTabSz="914400" eaLnBrk="1" fontAlgn="auto" latinLnBrk="0" hangingPunct="1">
-              <a:lnSpc>
-                <a:spcPct val="100000"/>
-              </a:lnSpc>
-              <a:spcAft>
-                <a:spcPts val="0"/>
-              </a:spcAft>
-              <a:buClrTx/>
-              <a:buSzTx/>
-              <a:buFont typeface="Arial" charset="0"/>
-              <a:buChar char="•"/>
-              <a:tabLst/>
-              <a:defRPr/>
-            </a:pPr>
-            <a:endParaRPr lang="en-US" sz="1000" i="1" dirty="0">
-              <a:latin typeface="Arial" charset="0"/>
-              <a:ea typeface="Arial" charset="0"/>
-              <a:cs typeface="Arial" charset="0"/>
-            </a:endParaRPr>
-          </a:p>
-          <a:p>
-            <a:pPr marL="492125" marR="0" lvl="0" indent="-457200" defTabSz="914400" eaLnBrk="1" fontAlgn="auto" latinLnBrk="0" hangingPunct="1">
-              <a:lnSpc>
-                <a:spcPct val="100000"/>
-              </a:lnSpc>
-              <a:spcAft>
-                <a:spcPts val="0"/>
-              </a:spcAft>
-              <a:buClrTx/>
-              <a:buSzTx/>
-              <a:buFont typeface="Arial" charset="0"/>
-              <a:buChar char="•"/>
-              <a:tabLst/>
-              <a:defRPr/>
-            </a:pPr>
-            <a:r>
-              <a:rPr lang="en-US" sz="3200" dirty="0">
-                <a:latin typeface="Arial" charset="0"/>
-                <a:ea typeface="Arial" charset="0"/>
-                <a:cs typeface="Arial" charset="0"/>
-              </a:rPr>
-              <a:t>Disrespect</a:t>
-            </a:r>
-          </a:p>
-          <a:p>
-            <a:pPr marL="787400" marR="0" lvl="0" indent="-279400" defTabSz="914400" eaLnBrk="1" fontAlgn="auto" latinLnBrk="0" hangingPunct="1">
-              <a:lnSpc>
-                <a:spcPct val="100000"/>
-              </a:lnSpc>
-              <a:spcAft>
-                <a:spcPts val="0"/>
-              </a:spcAft>
-              <a:buClrTx/>
-              <a:buSzTx/>
-              <a:buFont typeface="Arial" charset="0"/>
-              <a:buChar char="•"/>
-              <a:defRPr/>
-            </a:pPr>
-            <a:r>
-              <a:rPr lang="en-US" sz="3200" i="1" dirty="0">
-                <a:latin typeface="Arial" charset="0"/>
-                <a:ea typeface="Arial" charset="0"/>
-                <a:cs typeface="Arial" charset="0"/>
-              </a:rPr>
-              <a:t>In comparing resolution strategies in disrespect narratives, third-grade authors reported more confrontations and rationalization than fourth- and fifth-grade authors.</a:t>
-            </a:r>
-          </a:p>
-        </p:txBody>
-      </p:sp>
-      <p:sp>
-        <p:nvSpPr>
-          <p:cNvPr id="10" name="TextBox 9"/>
-          <p:cNvSpPr txBox="1"/>
-          <p:nvPr/>
-        </p:nvSpPr>
-        <p:spPr>
-          <a:xfrm>
-            <a:off x="27936586" y="20755843"/>
-            <a:ext cx="15649751" cy="11770671"/>
-          </a:xfrm>
-          <a:prstGeom prst="rect">
-            <a:avLst/>
-          </a:prstGeom>
-          <a:solidFill>
-            <a:schemeClr val="bg1"/>
-          </a:solidFill>
-          <a:ln w="76200">
-            <a:solidFill>
-              <a:schemeClr val="bg2">
-                <a:lumMod val="75000"/>
-              </a:schemeClr>
-            </a:solidFill>
-          </a:ln>
-        </p:spPr>
-        <p:txBody>
-          <a:bodyPr wrap="square" rtlCol="0">
-            <a:noAutofit/>
-          </a:bodyPr>
-          <a:lstStyle/>
-          <a:p>
-            <a:pPr lvl="0"/>
-            <a:r>
-              <a:rPr lang="en-US" sz="3200" b="1" dirty="0">
-                <a:latin typeface="Arial" charset="0"/>
-                <a:ea typeface="Arial" charset="0"/>
-                <a:cs typeface="Arial" charset="0"/>
-              </a:rPr>
-              <a:t>Features of Respect and Disrespect Narratives</a:t>
-            </a:r>
-          </a:p>
-          <a:p>
-            <a:pPr marL="492125" lvl="0" indent="-460375">
-              <a:buFont typeface="Arial"/>
-              <a:buChar char="•"/>
-              <a:defRPr/>
-            </a:pPr>
-            <a:r>
-              <a:rPr lang="en-US" sz="3200" dirty="0">
-                <a:latin typeface="Arial" charset="0"/>
-                <a:ea typeface="Arial" charset="0"/>
-                <a:cs typeface="Arial" charset="0"/>
-              </a:rPr>
-              <a:t>In line with literature (Reese et al., 2011), contextual and thematic coherence scores remain relatively low as children continue to develop abilities to take audience’s perspectives and draw meaningful conclusions from experiences before adolescence. </a:t>
-            </a:r>
-            <a:endParaRPr lang="en-US" sz="3200" b="1" dirty="0">
-              <a:latin typeface="Arial" charset="0"/>
-              <a:ea typeface="Arial" charset="0"/>
-              <a:cs typeface="Arial" charset="0"/>
-            </a:endParaRPr>
-          </a:p>
-          <a:p>
-            <a:pPr marL="457200" indent="-457200">
-              <a:buFont typeface="Arial" charset="0"/>
-              <a:buChar char="•"/>
-            </a:pPr>
-            <a:r>
-              <a:rPr lang="en-US" sz="3200" dirty="0"/>
-              <a:t>Also in line with literature (Gifford-</a:t>
-            </a:r>
-            <a:r>
-              <a:rPr lang="en-US" sz="3200" dirty="0" err="1"/>
-              <a:t>Smitha</a:t>
-            </a:r>
-            <a:r>
-              <a:rPr lang="en-US" sz="3200" dirty="0"/>
-              <a:t> &amp; Brownell, 2002), narratives displayed transition into and development of more stable friendship from third- to fifth-grade as less disrespect experiences were reported about best friends (Figure 2).</a:t>
-            </a:r>
-            <a:endParaRPr lang="en-US" sz="3200" b="1" dirty="0">
-              <a:latin typeface="Arial" charset="0"/>
-              <a:ea typeface="Arial" charset="0"/>
-              <a:cs typeface="Arial" charset="0"/>
-            </a:endParaRPr>
-          </a:p>
-          <a:p>
-            <a:pPr lvl="0"/>
-            <a:r>
-              <a:rPr lang="en-US" sz="3200" b="1" dirty="0">
-                <a:latin typeface="Arial" charset="0"/>
-                <a:ea typeface="Arial" charset="0"/>
-                <a:cs typeface="Arial" charset="0"/>
-              </a:rPr>
-              <a:t>Developmental Differences among and between narratives</a:t>
-            </a:r>
-          </a:p>
-          <a:p>
-            <a:pPr marL="457200" indent="-457200">
-              <a:buFont typeface="Arial" charset="0"/>
-              <a:buChar char="•"/>
-            </a:pPr>
-            <a:r>
-              <a:rPr lang="en-US" sz="3200" dirty="0"/>
-              <a:t>Our findings that </a:t>
-            </a:r>
-            <a:r>
-              <a:rPr lang="en-US" sz="3200" dirty="0">
-                <a:latin typeface="Arial" charset="0"/>
-                <a:ea typeface="Arial" charset="0"/>
-                <a:cs typeface="Arial" charset="0"/>
-              </a:rPr>
-              <a:t>resolution strategies for disrespect were more likely sought when perpetrators were friends or best friends </a:t>
-            </a:r>
-            <a:r>
-              <a:rPr lang="en-US" sz="3200" dirty="0"/>
-              <a:t>aligned with previous conflict literature (</a:t>
-            </a:r>
-            <a:r>
-              <a:rPr lang="en-US" sz="3200" dirty="0" err="1"/>
-              <a:t>eg</a:t>
-            </a:r>
-            <a:r>
-              <a:rPr lang="en-US" sz="3200" dirty="0"/>
-              <a:t>. </a:t>
-            </a:r>
-            <a:r>
-              <a:rPr lang="en-US" sz="3200" dirty="0" err="1"/>
-              <a:t>Hartup</a:t>
-            </a:r>
-            <a:r>
-              <a:rPr lang="en-US" sz="3200" dirty="0"/>
-              <a:t> &amp; </a:t>
-            </a:r>
-            <a:r>
-              <a:rPr lang="en-US" sz="3200" dirty="0" err="1"/>
-              <a:t>Laursen</a:t>
-            </a:r>
-            <a:r>
-              <a:rPr lang="en-US" sz="3200" dirty="0"/>
-              <a:t>, 1999), suggesting congruence between thought processes in conflict and disrespect experiences.</a:t>
-            </a:r>
-          </a:p>
-          <a:p>
-            <a:pPr marL="457200" indent="-457200">
-              <a:buFont typeface="Arial" charset="0"/>
-              <a:buChar char="•"/>
-            </a:pPr>
-            <a:r>
-              <a:rPr lang="en-US" sz="3200" dirty="0"/>
-              <a:t>However, disrespect may provoke more complicated psychological processes and emotional reactions in comparison to conflict situations as fifth-grade authors failed to provide resolution strategies and final resolutions in disrespect narratives about best friends.</a:t>
-            </a:r>
-            <a:endParaRPr lang="en-US" sz="3200" dirty="0">
-              <a:latin typeface="Arial" charset="0"/>
-              <a:ea typeface="Arial" charset="0"/>
-              <a:cs typeface="Arial" charset="0"/>
-            </a:endParaRPr>
-          </a:p>
-          <a:p>
-            <a:pPr marL="457200" indent="-457200">
-              <a:buFont typeface="Arial" charset="0"/>
-              <a:buChar char="•"/>
-            </a:pPr>
-            <a:r>
-              <a:rPr lang="en-US" sz="3200" dirty="0"/>
-              <a:t>Younger author’s tendency to conflate qualities of (dis)respectful persons in response to (dis)respect experiences suggests that children gradually acquire comprehension of (dis)respect in connection with developmental changes in peer relationship dynamics.</a:t>
-            </a:r>
-          </a:p>
-          <a:p>
-            <a:pPr marL="457200" indent="-457200">
-              <a:buFont typeface="Arial" charset="0"/>
-              <a:buChar char="•"/>
-            </a:pPr>
-            <a:r>
-              <a:rPr lang="en-US" sz="3200" b="1" dirty="0"/>
-              <a:t>Take home: </a:t>
-            </a:r>
-            <a:r>
-              <a:rPr lang="en-US" sz="3200" dirty="0">
-                <a:latin typeface="Arial" charset="0"/>
-                <a:ea typeface="Arial" charset="0"/>
-                <a:cs typeface="Arial" charset="0"/>
-              </a:rPr>
-              <a:t>Comparisons of absent and present matters in each plot element shed light on how children make sense of (dis)respect experiences developmentally and provide nuances into our understanding of children’s social experiences. </a:t>
-            </a:r>
-            <a:endParaRPr lang="en-US" sz="3200" b="1" dirty="0"/>
-          </a:p>
-        </p:txBody>
-      </p:sp>
-      <p:graphicFrame>
-        <p:nvGraphicFramePr>
-          <p:cNvPr id="26" name="Chart 25"/>
-          <p:cNvGraphicFramePr>
-            <a:graphicFrameLocks/>
-          </p:cNvGraphicFramePr>
-          <p:nvPr>
-            <p:extLst>
-              <p:ext uri="{D42A27DB-BD31-4B8C-83A1-F6EECF244321}">
-                <p14:modId xmlns:p14="http://schemas.microsoft.com/office/powerpoint/2010/main" val="2060751223"/>
-              </p:ext>
-            </p:extLst>
-          </p:nvPr>
-        </p:nvGraphicFramePr>
-        <p:xfrm>
-          <a:off x="28428630" y="14167003"/>
-          <a:ext cx="14245959" cy="4130951"/>
-        </p:xfrm>
-        <a:graphic>
-          <a:graphicData uri="http://schemas.openxmlformats.org/drawingml/2006/chart">
-            <c:chart xmlns:c="http://schemas.openxmlformats.org/drawingml/2006/chart" xmlns:r="http://schemas.openxmlformats.org/officeDocument/2006/relationships" r:id="rId4"/>
-          </a:graphicData>
-        </a:graphic>
-      </p:graphicFrame>
-      <p:sp>
-        <p:nvSpPr>
-          <p:cNvPr id="29" name="TextBox 28"/>
-          <p:cNvSpPr txBox="1"/>
-          <p:nvPr/>
-        </p:nvSpPr>
-        <p:spPr>
-          <a:xfrm>
-            <a:off x="14214364" y="4692605"/>
-            <a:ext cx="13345318" cy="784830"/>
-          </a:xfrm>
-          <a:prstGeom prst="rect">
-            <a:avLst/>
-          </a:prstGeom>
-          <a:solidFill>
-            <a:srgbClr val="FFCC33"/>
-          </a:solidFill>
-          <a:ln w="76200">
-            <a:solidFill>
-              <a:schemeClr val="bg2">
-                <a:lumMod val="75000"/>
-              </a:schemeClr>
-            </a:solidFill>
-          </a:ln>
-        </p:spPr>
-        <p:txBody>
-          <a:bodyPr wrap="square" rtlCol="0">
-            <a:spAutoFit/>
-          </a:bodyPr>
-          <a:lstStyle/>
-          <a:p>
-            <a:pPr algn="ctr"/>
-            <a:r>
-              <a:rPr lang="en-US" sz="4500" b="1" dirty="0">
-                <a:latin typeface="Arial" charset="0"/>
-                <a:ea typeface="Arial" charset="0"/>
-                <a:cs typeface="Arial" charset="0"/>
-              </a:rPr>
-              <a:t>Table 1. Plot Analysis Example</a:t>
-            </a:r>
-          </a:p>
-        </p:txBody>
-      </p:sp>
-      <p:graphicFrame>
-        <p:nvGraphicFramePr>
-          <p:cNvPr id="8" name="Table 7"/>
-          <p:cNvGraphicFramePr>
-            <a:graphicFrameLocks noGrp="1"/>
-          </p:cNvGraphicFramePr>
-          <p:nvPr>
-            <p:extLst>
-              <p:ext uri="{D42A27DB-BD31-4B8C-83A1-F6EECF244321}">
-                <p14:modId xmlns:p14="http://schemas.microsoft.com/office/powerpoint/2010/main" val="27266739"/>
-              </p:ext>
-            </p:extLst>
-          </p:nvPr>
-        </p:nvGraphicFramePr>
-        <p:xfrm>
-          <a:off x="14211150" y="5493121"/>
-          <a:ext cx="13326023" cy="10376844"/>
-        </p:xfrm>
-        <a:graphic>
-          <a:graphicData uri="http://schemas.openxmlformats.org/drawingml/2006/table">
-            <a:tbl>
-              <a:tblPr firstRow="1" bandRow="1">
-                <a:tableStyleId>{863C788D-AEED-4340-9FDC-0209E74E415F}</a:tableStyleId>
-              </a:tblPr>
-              <a:tblGrid>
-                <a:gridCol w="2580924">
-                  <a:extLst>
-                    <a:ext uri="{9D8B030D-6E8A-4147-A177-3AD203B41FA5}">
-                      <a16:colId xmlns:a16="http://schemas.microsoft.com/office/drawing/2014/main" val="20000"/>
-                    </a:ext>
-                  </a:extLst>
-                </a:gridCol>
-                <a:gridCol w="5154573">
-                  <a:extLst>
-                    <a:ext uri="{9D8B030D-6E8A-4147-A177-3AD203B41FA5}">
-                      <a16:colId xmlns:a16="http://schemas.microsoft.com/office/drawing/2014/main" val="20001"/>
-                    </a:ext>
-                  </a:extLst>
-                </a:gridCol>
-                <a:gridCol w="5590526">
-                  <a:extLst>
-                    <a:ext uri="{9D8B030D-6E8A-4147-A177-3AD203B41FA5}">
-                      <a16:colId xmlns:a16="http://schemas.microsoft.com/office/drawing/2014/main" val="20002"/>
-                    </a:ext>
-                  </a:extLst>
-                </a:gridCol>
-              </a:tblGrid>
-              <a:tr h="533603">
-                <a:tc>
-                  <a:txBody>
-                    <a:bodyPr/>
-                    <a:lstStyle/>
-                    <a:p>
-                      <a:endParaRPr lang="en-US" sz="2600" noProof="0" dirty="0"/>
-                    </a:p>
-                  </a:txBody>
-                  <a:tcPr/>
-                </a:tc>
-                <a:tc>
-                  <a:txBody>
-                    <a:bodyPr/>
-                    <a:lstStyle/>
-                    <a:p>
-                      <a:pPr algn="ctr"/>
-                      <a:r>
-                        <a:rPr lang="en-US" sz="2600" b="1" noProof="0" dirty="0"/>
-                        <a:t>Earning</a:t>
-                      </a:r>
-                      <a:r>
-                        <a:rPr lang="en-US" sz="2600" b="1" baseline="0" noProof="0" dirty="0"/>
-                        <a:t> Respect Narrative</a:t>
-                      </a:r>
-                      <a:endParaRPr lang="en-US" sz="2600" b="1" noProof="0" dirty="0"/>
-                    </a:p>
-                  </a:txBody>
-                  <a:tcPr anchor="ctr"/>
-                </a:tc>
-                <a:tc>
-                  <a:txBody>
-                    <a:bodyPr/>
-                    <a:lstStyle/>
-                    <a:p>
-                      <a:pPr algn="ctr"/>
-                      <a:r>
-                        <a:rPr lang="en-US" sz="2600" b="1" noProof="0" dirty="0"/>
-                        <a:t>Disrespect Narrative</a:t>
-                      </a:r>
-                    </a:p>
-                  </a:txBody>
-                  <a:tcPr anchor="ctr"/>
-                </a:tc>
-                <a:extLst>
-                  <a:ext uri="{0D108BD9-81ED-4DB2-BD59-A6C34878D82A}">
-                    <a16:rowId xmlns:a16="http://schemas.microsoft.com/office/drawing/2014/main" val="10000"/>
-                  </a:ext>
-                </a:extLst>
-              </a:tr>
-              <a:tr h="1834262">
-                <a:tc>
-                  <a:txBody>
-                    <a:bodyPr/>
-                    <a:lstStyle/>
-                    <a:p>
-                      <a:pPr algn="ctr"/>
-                      <a:r>
-                        <a:rPr lang="en-US" sz="2600" b="1" noProof="0" dirty="0"/>
-                        <a:t>Initiating Action</a:t>
-                      </a:r>
-                    </a:p>
-                  </a:txBody>
-                  <a:tcPr anchor="ctr"/>
-                </a:tc>
-                <a:tc>
-                  <a:txBody>
-                    <a:bodyPr/>
-                    <a:lstStyle/>
-                    <a:p>
-                      <a:pPr algn="l"/>
-                      <a:r>
-                        <a:rPr lang="en-US" sz="2600" i="1" noProof="0" dirty="0"/>
-                        <a:t>My</a:t>
-                      </a:r>
-                      <a:r>
-                        <a:rPr lang="en-US" sz="2600" i="1" baseline="0" noProof="0" dirty="0"/>
-                        <a:t> </a:t>
-                      </a:r>
-                      <a:r>
-                        <a:rPr lang="en-US" sz="2600" i="1" baseline="0" noProof="0" dirty="0" err="1"/>
-                        <a:t>freind</a:t>
-                      </a:r>
-                      <a:r>
-                        <a:rPr lang="en-US" sz="2600" i="1" baseline="0" noProof="0" dirty="0"/>
-                        <a:t> Kathryn and I have been good </a:t>
-                      </a:r>
-                      <a:r>
-                        <a:rPr lang="en-US" sz="2600" i="1" baseline="0" noProof="0" dirty="0" err="1"/>
-                        <a:t>freinds</a:t>
-                      </a:r>
-                      <a:r>
-                        <a:rPr lang="en-US" sz="2600" i="1" baseline="0" noProof="0" dirty="0"/>
-                        <a:t> for a long time. I respect her and she respects me.</a:t>
-                      </a:r>
-                      <a:endParaRPr lang="en-US" sz="2600" i="1" noProof="0" dirty="0"/>
-                    </a:p>
-                  </a:txBody>
-                  <a:tcPr anchor="ctr"/>
-                </a:tc>
-                <a:tc>
-                  <a:txBody>
-                    <a:bodyPr/>
-                    <a:lstStyle/>
-                    <a:p>
-                      <a:r>
-                        <a:rPr lang="mr-IN" sz="2600" i="1" noProof="0" dirty="0"/>
-                        <a:t>…</a:t>
-                      </a:r>
-                      <a:r>
-                        <a:rPr lang="en-US" sz="2600" i="1" noProof="0" dirty="0"/>
-                        <a:t>a</a:t>
-                      </a:r>
-                      <a:r>
-                        <a:rPr lang="en-US" sz="2600" i="1" baseline="0" noProof="0" dirty="0"/>
-                        <a:t> new girl</a:t>
-                      </a:r>
-                      <a:r>
-                        <a:rPr lang="mr-IN" sz="2600" i="1" baseline="0" noProof="0" dirty="0"/>
-                        <a:t>…</a:t>
-                      </a:r>
-                      <a:r>
-                        <a:rPr lang="en-US" sz="2600" i="1" baseline="0" noProof="0" dirty="0"/>
-                        <a:t>and I both liked the same guy. He went back and forth between us, which started the bad blood between us.</a:t>
-                      </a:r>
-                      <a:endParaRPr lang="en-US" sz="2600" i="1" noProof="0" dirty="0"/>
-                    </a:p>
-                  </a:txBody>
-                  <a:tcPr anchor="ctr"/>
-                </a:tc>
-                <a:extLst>
-                  <a:ext uri="{0D108BD9-81ED-4DB2-BD59-A6C34878D82A}">
-                    <a16:rowId xmlns:a16="http://schemas.microsoft.com/office/drawing/2014/main" val="10001"/>
-                  </a:ext>
-                </a:extLst>
-              </a:tr>
-              <a:tr h="1834262">
-                <a:tc>
-                  <a:txBody>
-                    <a:bodyPr/>
-                    <a:lstStyle/>
-                    <a:p>
-                      <a:pPr algn="ctr"/>
-                      <a:r>
-                        <a:rPr lang="en-US" sz="2600" b="1" noProof="0" dirty="0"/>
-                        <a:t>Complicating</a:t>
-                      </a:r>
-                      <a:r>
-                        <a:rPr lang="en-US" sz="2600" b="1" baseline="0" noProof="0" dirty="0"/>
-                        <a:t> Action</a:t>
-                      </a:r>
-                      <a:endParaRPr lang="en-US" sz="2600" b="1" noProof="0" dirty="0"/>
-                    </a:p>
-                  </a:txBody>
-                  <a:tcPr anchor="ctr"/>
-                </a:tc>
-                <a:tc>
-                  <a:txBody>
-                    <a:bodyPr/>
-                    <a:lstStyle/>
-                    <a:p>
-                      <a:pPr algn="l"/>
-                      <a:r>
-                        <a:rPr lang="en-US" sz="2600" i="1" noProof="0" dirty="0"/>
-                        <a:t>When</a:t>
-                      </a:r>
-                      <a:r>
-                        <a:rPr lang="en-US" sz="2600" i="1" baseline="0" noProof="0" dirty="0"/>
-                        <a:t> we went into 5</a:t>
-                      </a:r>
-                      <a:r>
-                        <a:rPr lang="en-US" sz="2600" i="1" baseline="30000" noProof="0" dirty="0"/>
-                        <a:t>th</a:t>
-                      </a:r>
-                      <a:r>
-                        <a:rPr lang="en-US" sz="2600" i="1" baseline="0" noProof="0" dirty="0"/>
-                        <a:t> grade together</a:t>
-                      </a:r>
-                      <a:r>
-                        <a:rPr lang="mr-IN" sz="2600" i="1" baseline="0" noProof="0" dirty="0"/>
-                        <a:t>…</a:t>
-                      </a:r>
-                      <a:r>
-                        <a:rPr lang="en-US" sz="2600" i="1" baseline="0" noProof="0" dirty="0"/>
-                        <a:t>we both were a little </a:t>
-                      </a:r>
-                      <a:r>
-                        <a:rPr lang="en-US" sz="2600" i="1" baseline="0" noProof="0" dirty="0" err="1"/>
-                        <a:t>inberesed</a:t>
-                      </a:r>
-                      <a:r>
-                        <a:rPr lang="en-US" sz="2600" i="1" baseline="0" noProof="0" dirty="0"/>
-                        <a:t> about swimming in front of our classmates.</a:t>
-                      </a:r>
-                      <a:endParaRPr lang="en-US" sz="2600" i="1" noProof="0" dirty="0"/>
-                    </a:p>
-                  </a:txBody>
-                  <a:tcPr anchor="ctr"/>
-                </a:tc>
-                <a:tc>
-                  <a:txBody>
-                    <a:bodyPr/>
-                    <a:lstStyle/>
-                    <a:p>
-                      <a:r>
-                        <a:rPr lang="en-US" sz="2600" i="1" noProof="0" dirty="0"/>
-                        <a:t>We fought on and on over him</a:t>
-                      </a:r>
-                      <a:r>
-                        <a:rPr lang="mr-IN" sz="2600" i="1" noProof="0" dirty="0"/>
-                        <a:t>…</a:t>
-                      </a:r>
-                      <a:r>
-                        <a:rPr lang="en-US" sz="2600" i="1" noProof="0" dirty="0"/>
-                        <a:t>then she asked me to be her friend, I didn’t really feel comfortable talking to her. So,</a:t>
-                      </a:r>
-                      <a:r>
-                        <a:rPr lang="en-US" sz="2600" i="1" baseline="0" noProof="0" dirty="0"/>
-                        <a:t> I didn’t reply.</a:t>
-                      </a:r>
-                      <a:endParaRPr lang="en-US" sz="2600" i="1" noProof="0" dirty="0"/>
-                    </a:p>
-                  </a:txBody>
-                  <a:tcPr anchor="ctr"/>
-                </a:tc>
-                <a:extLst>
-                  <a:ext uri="{0D108BD9-81ED-4DB2-BD59-A6C34878D82A}">
-                    <a16:rowId xmlns:a16="http://schemas.microsoft.com/office/drawing/2014/main" val="10002"/>
-                  </a:ext>
-                </a:extLst>
-              </a:tr>
-              <a:tr h="1991556">
-                <a:tc>
-                  <a:txBody>
-                    <a:bodyPr/>
-                    <a:lstStyle/>
-                    <a:p>
-                      <a:pPr algn="ctr"/>
-                      <a:r>
-                        <a:rPr lang="en-US" sz="2600" b="1" noProof="0" dirty="0"/>
-                        <a:t>High Point</a:t>
-                      </a:r>
-                    </a:p>
-                  </a:txBody>
-                  <a:tcPr anchor="ctr"/>
-                </a:tc>
-                <a:tc>
-                  <a:txBody>
-                    <a:bodyPr/>
-                    <a:lstStyle/>
-                    <a:p>
-                      <a:pPr algn="l"/>
-                      <a:r>
-                        <a:rPr lang="en-US" sz="2600" i="1" noProof="0" dirty="0"/>
-                        <a:t>So we started talking about it together. This made me respect her more </a:t>
-                      </a:r>
-                      <a:r>
-                        <a:rPr lang="en-US" sz="2600" i="1" noProof="0" dirty="0" err="1"/>
-                        <a:t>becouse</a:t>
-                      </a:r>
-                      <a:r>
-                        <a:rPr lang="en-US" sz="2600" i="1" baseline="0" noProof="0" dirty="0"/>
-                        <a:t> she understood what I was </a:t>
-                      </a:r>
-                      <a:r>
-                        <a:rPr lang="en-US" sz="2600" i="1" baseline="0" noProof="0" dirty="0" err="1"/>
-                        <a:t>inberressed</a:t>
-                      </a:r>
-                      <a:r>
-                        <a:rPr lang="en-US" sz="2600" i="1" baseline="0" noProof="0" dirty="0"/>
-                        <a:t> about.</a:t>
-                      </a:r>
-                      <a:endParaRPr lang="en-US" sz="2600" i="1" noProof="0" dirty="0"/>
-                    </a:p>
-                  </a:txBody>
-                  <a:tcPr anchor="ctr"/>
-                </a:tc>
-                <a:tc>
-                  <a:txBody>
-                    <a:bodyPr/>
-                    <a:lstStyle/>
-                    <a:p>
-                      <a:r>
-                        <a:rPr lang="mr-IN" sz="2600" i="1" noProof="0" dirty="0"/>
-                        <a:t>…</a:t>
-                      </a:r>
-                      <a:r>
-                        <a:rPr lang="en-US" sz="2600" i="1" noProof="0" dirty="0"/>
-                        <a:t>she had signed us both up for counseling</a:t>
-                      </a:r>
-                      <a:r>
-                        <a:rPr lang="mr-IN" sz="2600" i="1" noProof="0" dirty="0"/>
-                        <a:t>…</a:t>
-                      </a:r>
-                      <a:r>
-                        <a:rPr lang="en-US" sz="2600" i="1" noProof="0" dirty="0"/>
-                        <a:t>I had no choice,</a:t>
-                      </a:r>
-                      <a:r>
-                        <a:rPr lang="en-US" sz="2600" i="1" baseline="0" noProof="0" dirty="0"/>
-                        <a:t> but to go</a:t>
-                      </a:r>
-                      <a:r>
-                        <a:rPr lang="mr-IN" sz="2600" i="1" baseline="0" noProof="0" dirty="0"/>
-                        <a:t>…</a:t>
-                      </a:r>
-                      <a:r>
-                        <a:rPr lang="en-US" sz="2600" i="1" baseline="0" noProof="0" dirty="0"/>
-                        <a:t>I felt disrespected by her not asking for my permission first.</a:t>
-                      </a:r>
-                      <a:endParaRPr lang="en-US" sz="2600" i="1" noProof="0" dirty="0"/>
-                    </a:p>
-                  </a:txBody>
-                  <a:tcPr anchor="ctr"/>
-                </a:tc>
-                <a:extLst>
-                  <a:ext uri="{0D108BD9-81ED-4DB2-BD59-A6C34878D82A}">
-                    <a16:rowId xmlns:a16="http://schemas.microsoft.com/office/drawing/2014/main" val="10003"/>
-                  </a:ext>
-                </a:extLst>
-              </a:tr>
-              <a:tr h="2267815">
-                <a:tc>
-                  <a:txBody>
-                    <a:bodyPr/>
-                    <a:lstStyle/>
-                    <a:p>
-                      <a:pPr algn="ctr"/>
-                      <a:r>
-                        <a:rPr lang="en-US" sz="2600" b="1" noProof="0" dirty="0"/>
-                        <a:t>Resolution Strategy</a:t>
-                      </a:r>
-                    </a:p>
-                  </a:txBody>
-                  <a:tcPr anchor="ctr"/>
-                </a:tc>
-                <a:tc>
-                  <a:txBody>
-                    <a:bodyPr/>
-                    <a:lstStyle/>
-                    <a:p>
-                      <a:pPr algn="ctr"/>
-                      <a:r>
-                        <a:rPr lang="en-US" sz="2600" noProof="0" dirty="0"/>
-                        <a:t>N/A</a:t>
-                      </a:r>
-                    </a:p>
-                  </a:txBody>
-                  <a:tcPr anchor="ctr"/>
-                </a:tc>
-                <a:tc>
-                  <a:txBody>
-                    <a:bodyPr/>
-                    <a:lstStyle/>
-                    <a:p>
-                      <a:r>
-                        <a:rPr lang="en-US" sz="2600" i="1" noProof="0" dirty="0"/>
-                        <a:t>The next day we went again, but</a:t>
-                      </a:r>
-                      <a:r>
-                        <a:rPr lang="en-US" sz="2600" i="1" baseline="0" noProof="0" dirty="0"/>
-                        <a:t> this time we brought the boy I mentioned earlier. We talked and the problem was solved by both Justine and I hating the boy</a:t>
-                      </a:r>
-                      <a:r>
-                        <a:rPr lang="mr-IN" sz="2600" i="1" baseline="0" noProof="0" dirty="0"/>
-                        <a:t>…</a:t>
-                      </a:r>
-                      <a:endParaRPr lang="en-US" sz="2600" i="1" noProof="0" dirty="0"/>
-                    </a:p>
-                  </a:txBody>
-                  <a:tcPr anchor="ctr"/>
-                </a:tc>
-                <a:extLst>
-                  <a:ext uri="{0D108BD9-81ED-4DB2-BD59-A6C34878D82A}">
-                    <a16:rowId xmlns:a16="http://schemas.microsoft.com/office/drawing/2014/main" val="10004"/>
-                  </a:ext>
-                </a:extLst>
-              </a:tr>
-              <a:tr h="1834262">
-                <a:tc>
-                  <a:txBody>
-                    <a:bodyPr/>
-                    <a:lstStyle/>
-                    <a:p>
-                      <a:pPr algn="ctr"/>
-                      <a:r>
-                        <a:rPr lang="en-US" sz="2600" b="1" noProof="0" dirty="0"/>
-                        <a:t>Final Resolution / Outcome</a:t>
-                      </a:r>
-                    </a:p>
-                  </a:txBody>
-                  <a:tcPr anchor="ctr"/>
-                </a:tc>
-                <a:tc>
-                  <a:txBody>
-                    <a:bodyPr/>
-                    <a:lstStyle/>
-                    <a:p>
-                      <a:pPr algn="l"/>
-                      <a:r>
-                        <a:rPr lang="en-US" sz="2600" i="1" noProof="0" dirty="0"/>
-                        <a:t>She also was </a:t>
-                      </a:r>
-                      <a:r>
-                        <a:rPr lang="en-US" sz="2600" i="1" noProof="0" dirty="0" err="1"/>
-                        <a:t>inberresed</a:t>
-                      </a:r>
-                      <a:r>
-                        <a:rPr lang="en-US" sz="2600" i="1" noProof="0" dirty="0"/>
-                        <a:t>, but we went through swimming together not half</a:t>
-                      </a:r>
-                      <a:r>
-                        <a:rPr lang="en-US" sz="2600" i="1" baseline="0" noProof="0" dirty="0"/>
-                        <a:t> as </a:t>
-                      </a:r>
-                      <a:r>
-                        <a:rPr lang="en-US" sz="2600" i="1" baseline="0" noProof="0" dirty="0" err="1"/>
-                        <a:t>inberresed</a:t>
-                      </a:r>
-                      <a:r>
-                        <a:rPr lang="en-US" sz="2600" i="1" baseline="0" noProof="0" dirty="0"/>
-                        <a:t> as we planned on being.</a:t>
-                      </a:r>
-                      <a:endParaRPr lang="en-US" sz="2600" i="1" noProof="0" dirty="0"/>
-                    </a:p>
-                  </a:txBody>
-                  <a:tcPr anchor="ctr"/>
-                </a:tc>
-                <a:tc>
-                  <a:txBody>
-                    <a:bodyPr/>
-                    <a:lstStyle/>
-                    <a:p>
-                      <a:r>
-                        <a:rPr lang="mr-IN" sz="2600" i="1" noProof="0" dirty="0"/>
-                        <a:t>…</a:t>
-                      </a:r>
-                      <a:r>
-                        <a:rPr lang="en-US" sz="2600" i="1" noProof="0" dirty="0"/>
-                        <a:t>and we are now friends.</a:t>
-                      </a:r>
-                      <a:r>
-                        <a:rPr lang="en-US" sz="2600" i="1" baseline="0" noProof="0" dirty="0"/>
-                        <a:t> Someday I hope she’ll teach me how to do somethings she does and I’ll tell her what </a:t>
-                      </a:r>
-                      <a:r>
-                        <a:rPr lang="en-US" sz="2600" i="1" baseline="0" noProof="0" dirty="0" err="1"/>
-                        <a:t>lipgloss</a:t>
-                      </a:r>
-                      <a:r>
-                        <a:rPr lang="en-US" sz="2600" i="1" baseline="0" noProof="0" dirty="0"/>
-                        <a:t> is.</a:t>
-                      </a:r>
-                      <a:endParaRPr lang="en-US" sz="2600" i="1" noProof="0" dirty="0"/>
-                    </a:p>
-                  </a:txBody>
-                  <a:tcPr anchor="ctr"/>
-                </a:tc>
-                <a:extLst>
-                  <a:ext uri="{0D108BD9-81ED-4DB2-BD59-A6C34878D82A}">
-                    <a16:rowId xmlns:a16="http://schemas.microsoft.com/office/drawing/2014/main" val="10005"/>
-                  </a:ext>
-                </a:extLst>
-              </a:tr>
-            </a:tbl>
-          </a:graphicData>
-        </a:graphic>
-      </p:graphicFrame>
-      <p:graphicFrame>
-        <p:nvGraphicFramePr>
-          <p:cNvPr id="32" name="Chart 31"/>
-          <p:cNvGraphicFramePr>
-            <a:graphicFrameLocks/>
-          </p:cNvGraphicFramePr>
-          <p:nvPr>
-            <p:extLst>
-              <p:ext uri="{D42A27DB-BD31-4B8C-83A1-F6EECF244321}">
-                <p14:modId xmlns:p14="http://schemas.microsoft.com/office/powerpoint/2010/main" val="452024983"/>
-              </p:ext>
-            </p:extLst>
-          </p:nvPr>
-        </p:nvGraphicFramePr>
-        <p:xfrm>
-          <a:off x="14177730" y="25380123"/>
-          <a:ext cx="13381952" cy="7146390"/>
-        </p:xfrm>
-        <a:graphic>
-          <a:graphicData uri="http://schemas.openxmlformats.org/drawingml/2006/chart">
-            <c:chart xmlns:c="http://schemas.openxmlformats.org/drawingml/2006/chart" xmlns:r="http://schemas.openxmlformats.org/officeDocument/2006/relationships" r:id="rId5"/>
-          </a:graphicData>
-        </a:graphic>
-      </p:graphicFrame>
-      <p:graphicFrame>
-        <p:nvGraphicFramePr>
-          <p:cNvPr id="30" name="Chart 29"/>
-          <p:cNvGraphicFramePr>
-            <a:graphicFrameLocks/>
-          </p:cNvGraphicFramePr>
-          <p:nvPr>
-            <p:extLst>
-              <p:ext uri="{D42A27DB-BD31-4B8C-83A1-F6EECF244321}">
-                <p14:modId xmlns:p14="http://schemas.microsoft.com/office/powerpoint/2010/main" val="2115830614"/>
-              </p:ext>
-            </p:extLst>
-          </p:nvPr>
-        </p:nvGraphicFramePr>
-        <p:xfrm>
-          <a:off x="14058889" y="17265536"/>
-          <a:ext cx="13404462" cy="7550011"/>
-        </p:xfrm>
-        <a:graphic>
-          <a:graphicData uri="http://schemas.openxmlformats.org/drawingml/2006/chart">
-            <c:chart xmlns:c="http://schemas.openxmlformats.org/drawingml/2006/chart" xmlns:r="http://schemas.openxmlformats.org/officeDocument/2006/relationships" r:id="rId6"/>
-          </a:graphicData>
-        </a:graphic>
-      </p:graphicFrame>
-      <p:sp>
-        <p:nvSpPr>
-          <p:cNvPr id="38" name="TextBox 37"/>
-          <p:cNvSpPr txBox="1"/>
-          <p:nvPr/>
-        </p:nvSpPr>
-        <p:spPr>
-          <a:xfrm>
-            <a:off x="14211150" y="16253800"/>
-            <a:ext cx="13348532" cy="745316"/>
-          </a:xfrm>
-          <a:prstGeom prst="rect">
-            <a:avLst/>
-          </a:prstGeom>
-          <a:solidFill>
-            <a:srgbClr val="FFCC33"/>
-          </a:solidFill>
-          <a:ln w="76200">
-            <a:solidFill>
-              <a:schemeClr val="bg2">
-                <a:lumMod val="75000"/>
-              </a:schemeClr>
-            </a:solidFill>
-          </a:ln>
-        </p:spPr>
-        <p:txBody>
-          <a:bodyPr wrap="square" rtlCol="0" anchor="ctr">
-            <a:noAutofit/>
-          </a:bodyPr>
-          <a:lstStyle/>
-          <a:p>
-            <a:pPr algn="ctr"/>
-            <a:r>
-              <a:rPr lang="en-US" sz="3400" b="1" i="1" dirty="0">
-                <a:latin typeface="Arial" charset="0"/>
-                <a:ea typeface="Arial" charset="0"/>
-                <a:cs typeface="Arial" charset="0"/>
-              </a:rPr>
-              <a:t>Figure 1: Narrative Coherence By Grade</a:t>
-            </a:r>
-          </a:p>
-        </p:txBody>
-      </p:sp>
-      <p:sp>
-        <p:nvSpPr>
-          <p:cNvPr id="39" name="TextBox 38"/>
-          <p:cNvSpPr txBox="1"/>
-          <p:nvPr/>
-        </p:nvSpPr>
-        <p:spPr>
-          <a:xfrm>
-            <a:off x="14177731" y="24549128"/>
-            <a:ext cx="13381952" cy="830994"/>
-          </a:xfrm>
-          <a:prstGeom prst="rect">
-            <a:avLst/>
-          </a:prstGeom>
-          <a:solidFill>
-            <a:srgbClr val="FFCC33"/>
-          </a:solidFill>
-          <a:ln w="76200">
-            <a:solidFill>
-              <a:schemeClr val="bg2">
-                <a:lumMod val="75000"/>
-              </a:schemeClr>
-            </a:solidFill>
-          </a:ln>
-        </p:spPr>
-        <p:txBody>
-          <a:bodyPr wrap="square" rtlCol="0" anchor="ctr">
-            <a:noAutofit/>
-          </a:bodyPr>
-          <a:lstStyle/>
-          <a:p>
-            <a:pPr algn="ctr"/>
-            <a:r>
-              <a:rPr lang="en-US" sz="3400" b="1" i="1" dirty="0">
-                <a:latin typeface="Arial" charset="0"/>
-                <a:ea typeface="Arial" charset="0"/>
-                <a:cs typeface="Arial" charset="0"/>
-              </a:rPr>
-              <a:t>Figure 2. Characters in Respect and Disrespect Stories</a:t>
-            </a:r>
           </a:p>
         </p:txBody>
       </p:sp>

--- a/poster/poster_temp.pptx
+++ b/poster/poster_temp.pptx
@@ -7942,7 +7942,7 @@
         </p:nvSpPr>
         <p:spPr>
           <a:xfrm>
-            <a:off x="720725" y="392557"/>
+            <a:off x="720725" y="475684"/>
             <a:ext cx="42449751" cy="3675278"/>
           </a:xfrm>
           <a:prstGeom prst="rect">
@@ -8263,8 +8263,8 @@
         </p:nvSpPr>
         <p:spPr>
           <a:xfrm>
-            <a:off x="720725" y="4405311"/>
-            <a:ext cx="13845581" cy="27833239"/>
+            <a:off x="731837" y="5484849"/>
+            <a:ext cx="13845581" cy="16290629"/>
           </a:xfrm>
           <a:prstGeom prst="rect">
             <a:avLst/>
@@ -8281,19 +8281,224 @@
           </a:ln>
         </p:spPr>
         <p:txBody>
-          <a:bodyPr wrap="square" rtlCol="0">
+          <a:bodyPr wrap="square" rtlCol="0" anchor="t">
             <a:noAutofit/>
           </a:bodyPr>
           <a:lstStyle/>
           <a:p>
-            <a:pPr marL="457200" lvl="0" indent="-457200">
+            <a:pPr marL="614363" lvl="0" indent="-614363" algn="just">
               <a:spcBef>
                 <a:spcPts val="600"/>
               </a:spcBef>
               <a:buFont typeface="Arial" charset="0"/>
               <a:buChar char="•"/>
             </a:pPr>
-            <a:endParaRPr lang="en-US" sz="3200" dirty="0">
+            <a:r>
+              <a:rPr lang="en-US" sz="4400" dirty="0">
+                <a:solidFill>
+                  <a:schemeClr val="tx1"/>
+                </a:solidFill>
+                <a:latin typeface="Arial" charset="0"/>
+                <a:ea typeface="Arial" charset="0"/>
+                <a:cs typeface="Arial" charset="0"/>
+              </a:rPr>
+              <a:t>Automated decision making has gained popularity in hiring and sentencing procedures. </a:t>
+            </a:r>
+          </a:p>
+          <a:p>
+            <a:pPr marL="614363" lvl="0" indent="-614363" algn="just">
+              <a:spcBef>
+                <a:spcPts val="600"/>
+              </a:spcBef>
+              <a:buFont typeface="Arial" charset="0"/>
+              <a:buChar char="•"/>
+            </a:pPr>
+            <a:r>
+              <a:rPr lang="en-US" sz="4400" dirty="0">
+                <a:solidFill>
+                  <a:schemeClr val="tx1"/>
+                </a:solidFill>
+                <a:latin typeface="Arial" charset="0"/>
+                <a:ea typeface="Arial" charset="0"/>
+                <a:cs typeface="Arial" charset="0"/>
+              </a:rPr>
+              <a:t>Fairness of such automated processes, however, remains questionable due to limited interpretability of the black box models.  </a:t>
+            </a:r>
+          </a:p>
+          <a:p>
+            <a:pPr marL="614363" lvl="0" indent="-614363" algn="just">
+              <a:spcBef>
+                <a:spcPts val="600"/>
+              </a:spcBef>
+              <a:buFont typeface="Arial" charset="0"/>
+              <a:buChar char="•"/>
+            </a:pPr>
+            <a:r>
+              <a:rPr lang="en-US" sz="4400" dirty="0">
+                <a:solidFill>
+                  <a:schemeClr val="tx1"/>
+                </a:solidFill>
+                <a:latin typeface="Arial" charset="0"/>
+                <a:ea typeface="Arial" charset="0"/>
+                <a:cs typeface="Arial" charset="0"/>
+              </a:rPr>
+              <a:t>The Quantitative Input Influence (QII) framework (</a:t>
+            </a:r>
+            <a:r>
+              <a:rPr lang="en-US" sz="4400" dirty="0" err="1">
+                <a:solidFill>
+                  <a:schemeClr val="tx1"/>
+                </a:solidFill>
+                <a:latin typeface="Arial" charset="0"/>
+                <a:ea typeface="Arial" charset="0"/>
+                <a:cs typeface="Arial" charset="0"/>
+              </a:rPr>
+              <a:t>Datta</a:t>
+            </a:r>
+            <a:r>
+              <a:rPr lang="en-US" sz="4400" dirty="0">
+                <a:solidFill>
+                  <a:schemeClr val="tx1"/>
+                </a:solidFill>
+                <a:latin typeface="Arial" charset="0"/>
+                <a:ea typeface="Arial" charset="0"/>
+                <a:cs typeface="Arial" charset="0"/>
+              </a:rPr>
+              <a:t> et al., 2016) offers effective and straight-forward explanations of algorithms by quantifying the influence of input features on individual and group observations.</a:t>
+            </a:r>
+          </a:p>
+          <a:p>
+            <a:pPr marL="614363" lvl="0" indent="-614363" algn="just">
+              <a:spcBef>
+                <a:spcPts val="600"/>
+              </a:spcBef>
+              <a:buFont typeface="Arial" charset="0"/>
+              <a:buChar char="•"/>
+            </a:pPr>
+            <a:r>
+              <a:rPr lang="en-US" sz="4400" dirty="0">
+                <a:solidFill>
+                  <a:schemeClr val="tx1"/>
+                </a:solidFill>
+                <a:latin typeface="Arial" charset="0"/>
+                <a:ea typeface="Arial" charset="0"/>
+                <a:cs typeface="Arial" charset="0"/>
+              </a:rPr>
+              <a:t>Influences are acquired by comparing the difference in the quantity of interests (e.g. probability of being hired) between using the actual, and a random feature distribution.</a:t>
+            </a:r>
+          </a:p>
+          <a:p>
+            <a:pPr marL="614363" lvl="0" indent="-614363" algn="just">
+              <a:spcBef>
+                <a:spcPts val="600"/>
+              </a:spcBef>
+              <a:buFont typeface="Arial" charset="0"/>
+              <a:buChar char="•"/>
+            </a:pPr>
+            <a:r>
+              <a:rPr lang="en-US" sz="4400" dirty="0">
+                <a:solidFill>
+                  <a:schemeClr val="tx1"/>
+                </a:solidFill>
+                <a:latin typeface="Arial" charset="0"/>
+                <a:ea typeface="Arial" charset="0"/>
+                <a:cs typeface="Arial" charset="0"/>
+              </a:rPr>
+              <a:t>Note that the influences are specific to algorithms, regardless of true response values.</a:t>
+            </a:r>
+          </a:p>
+          <a:p>
+            <a:pPr marL="614363" lvl="0" indent="-614363" algn="just">
+              <a:spcBef>
+                <a:spcPts val="600"/>
+              </a:spcBef>
+              <a:buFont typeface="Arial" charset="0"/>
+              <a:buChar char="•"/>
+            </a:pPr>
+            <a:r>
+              <a:rPr lang="en-US" sz="4400" dirty="0">
+                <a:solidFill>
+                  <a:schemeClr val="tx1"/>
+                </a:solidFill>
+                <a:latin typeface="Arial" charset="0"/>
+                <a:ea typeface="Arial" charset="0"/>
+                <a:cs typeface="Arial" charset="0"/>
+              </a:rPr>
+              <a:t>We applied this framework to classification algorithms, using the COMPAS dataset, to investigate fairness of COMPAS assignment of decile scores. </a:t>
+            </a:r>
+          </a:p>
+          <a:p>
+            <a:pPr marL="614363" lvl="0" indent="-614363" algn="just">
+              <a:spcBef>
+                <a:spcPts val="600"/>
+              </a:spcBef>
+              <a:buFont typeface="Arial" charset="0"/>
+              <a:buChar char="•"/>
+            </a:pPr>
+            <a:r>
+              <a:rPr lang="en-US" sz="4400" dirty="0">
+                <a:solidFill>
+                  <a:schemeClr val="tx1"/>
+                </a:solidFill>
+                <a:latin typeface="Arial" charset="0"/>
+                <a:ea typeface="Arial" charset="0"/>
+                <a:cs typeface="Arial" charset="0"/>
+              </a:rPr>
+              <a:t>In particular, we investigate in this study:</a:t>
+            </a:r>
+          </a:p>
+          <a:p>
+            <a:pPr marL="1422400" lvl="0" indent="-768350" algn="just">
+              <a:spcBef>
+                <a:spcPts val="600"/>
+              </a:spcBef>
+              <a:buFont typeface="+mj-lt"/>
+              <a:buAutoNum type="alphaLcParenR"/>
+            </a:pPr>
+            <a:r>
+              <a:rPr lang="en-US" sz="4400" dirty="0">
+                <a:solidFill>
+                  <a:schemeClr val="tx1"/>
+                </a:solidFill>
+                <a:latin typeface="Arial" charset="0"/>
+                <a:ea typeface="Arial" charset="0"/>
+                <a:cs typeface="Arial" charset="0"/>
+              </a:rPr>
+              <a:t>Unary QII on individual and group outcomes</a:t>
+            </a:r>
+          </a:p>
+          <a:p>
+            <a:pPr marL="1422400" lvl="0" indent="-768350" algn="just">
+              <a:spcBef>
+                <a:spcPts val="600"/>
+              </a:spcBef>
+              <a:buFont typeface="+mj-lt"/>
+              <a:buAutoNum type="alphaLcParenR"/>
+            </a:pPr>
+            <a:r>
+              <a:rPr lang="en-US" sz="4400" dirty="0">
+                <a:solidFill>
+                  <a:schemeClr val="tx1"/>
+                </a:solidFill>
+                <a:latin typeface="Arial" charset="0"/>
+                <a:ea typeface="Arial" charset="0"/>
+                <a:cs typeface="Arial" charset="0"/>
+              </a:rPr>
+              <a:t>Marginal QII on individual outcomes</a:t>
+            </a:r>
+          </a:p>
+          <a:p>
+            <a:pPr marL="571500" lvl="4" indent="-571500">
+              <a:spcBef>
+                <a:spcPts val="600"/>
+              </a:spcBef>
+              <a:buFont typeface="Arial" panose="020B0604020202020204" pitchFamily="34" charset="0"/>
+              <a:buChar char="•"/>
+            </a:pPr>
+            <a:endParaRPr lang="en-US" sz="4000" dirty="0">
+              <a:solidFill>
+                <a:schemeClr val="tx1"/>
+              </a:solidFill>
               <a:latin typeface="Arial" charset="0"/>
               <a:ea typeface="Arial" charset="0"/>
               <a:cs typeface="Arial" charset="0"/>
@@ -8394,8 +8599,8 @@
         </p:nvSpPr>
         <p:spPr>
           <a:xfrm>
-            <a:off x="15022810" y="4405311"/>
-            <a:ext cx="13845581" cy="27833239"/>
+            <a:off x="15022810" y="5484851"/>
+            <a:ext cx="13845581" cy="26919953"/>
           </a:xfrm>
           <a:prstGeom prst="rect">
             <a:avLst/>
@@ -8434,10 +8639,10 @@
       </p:sp>
       <p:sp>
         <p:nvSpPr>
-          <p:cNvPr id="41" name="TextBox 40">
+          <p:cNvPr id="17" name="TextBox 16">
             <a:extLst>
               <a:ext uri="{FF2B5EF4-FFF2-40B4-BE49-F238E27FC236}">
-                <a16:creationId xmlns:a16="http://schemas.microsoft.com/office/drawing/2014/main" id="{131165CB-A548-3942-BDC2-1601F1453288}"/>
+                <a16:creationId xmlns:a16="http://schemas.microsoft.com/office/drawing/2014/main" id="{86164B10-F296-514E-9AD2-374B6C1FEADA}"/>
               </a:ext>
             </a:extLst>
           </p:cNvPr>
@@ -8446,8 +8651,287 @@
         </p:nvSpPr>
         <p:spPr>
           <a:xfrm>
-            <a:off x="29324895" y="4405310"/>
-            <a:ext cx="13845581" cy="27833239"/>
+            <a:off x="731837" y="4571564"/>
+            <a:ext cx="13845581" cy="913287"/>
+          </a:xfrm>
+          <a:prstGeom prst="rect">
+            <a:avLst/>
+          </a:prstGeom>
+          <a:solidFill>
+            <a:srgbClr val="17375E"/>
+          </a:solidFill>
+          <a:ln w="76200">
+            <a:solidFill>
+              <a:schemeClr val="bg2">
+                <a:lumMod val="75000"/>
+              </a:schemeClr>
+            </a:solidFill>
+          </a:ln>
+        </p:spPr>
+        <p:txBody>
+          <a:bodyPr wrap="square" rtlCol="0" anchor="ctr">
+            <a:noAutofit/>
+          </a:bodyPr>
+          <a:lstStyle/>
+          <a:p>
+            <a:pPr lvl="0" algn="ctr">
+              <a:spcBef>
+                <a:spcPts val="600"/>
+              </a:spcBef>
+            </a:pPr>
+            <a:r>
+              <a:rPr lang="en-US" sz="4800" b="1" dirty="0">
+                <a:solidFill>
+                  <a:schemeClr val="bg1"/>
+                </a:solidFill>
+                <a:latin typeface="Arial" charset="0"/>
+                <a:ea typeface="Arial" charset="0"/>
+                <a:cs typeface="Arial" charset="0"/>
+              </a:rPr>
+              <a:t>INTRODUCTION</a:t>
+            </a:r>
+          </a:p>
+        </p:txBody>
+      </p:sp>
+      <p:sp>
+        <p:nvSpPr>
+          <p:cNvPr id="18" name="TextBox 17">
+            <a:extLst>
+              <a:ext uri="{FF2B5EF4-FFF2-40B4-BE49-F238E27FC236}">
+                <a16:creationId xmlns:a16="http://schemas.microsoft.com/office/drawing/2014/main" id="{73E07BC7-A260-5548-B40E-43A7FF3C1B47}"/>
+              </a:ext>
+            </a:extLst>
+          </p:cNvPr>
+          <p:cNvSpPr txBox="1"/>
+          <p:nvPr/>
+        </p:nvSpPr>
+        <p:spPr>
+          <a:xfrm>
+            <a:off x="720725" y="22202143"/>
+            <a:ext cx="13845581" cy="913287"/>
+          </a:xfrm>
+          <a:prstGeom prst="rect">
+            <a:avLst/>
+          </a:prstGeom>
+          <a:solidFill>
+            <a:srgbClr val="17375E"/>
+          </a:solidFill>
+          <a:ln w="76200">
+            <a:solidFill>
+              <a:schemeClr val="bg2">
+                <a:lumMod val="75000"/>
+              </a:schemeClr>
+            </a:solidFill>
+          </a:ln>
+        </p:spPr>
+        <p:txBody>
+          <a:bodyPr wrap="square" rtlCol="0" anchor="ctr">
+            <a:noAutofit/>
+          </a:bodyPr>
+          <a:lstStyle/>
+          <a:p>
+            <a:pPr lvl="0" algn="ctr">
+              <a:spcBef>
+                <a:spcPts val="600"/>
+              </a:spcBef>
+            </a:pPr>
+            <a:r>
+              <a:rPr lang="en-US" sz="4800" b="1" dirty="0">
+                <a:solidFill>
+                  <a:schemeClr val="bg1"/>
+                </a:solidFill>
+                <a:latin typeface="Arial" charset="0"/>
+                <a:ea typeface="Arial" charset="0"/>
+                <a:cs typeface="Arial" charset="0"/>
+              </a:rPr>
+              <a:t>METHOD I: UNARY QII</a:t>
+            </a:r>
+          </a:p>
+        </p:txBody>
+      </p:sp>
+      <p:sp>
+        <p:nvSpPr>
+          <p:cNvPr id="19" name="TextBox 18">
+            <a:extLst>
+              <a:ext uri="{FF2B5EF4-FFF2-40B4-BE49-F238E27FC236}">
+                <a16:creationId xmlns:a16="http://schemas.microsoft.com/office/drawing/2014/main" id="{D6E384C5-BCE9-9B4D-827E-C39B9ADA348A}"/>
+              </a:ext>
+            </a:extLst>
+          </p:cNvPr>
+          <p:cNvSpPr txBox="1"/>
+          <p:nvPr/>
+        </p:nvSpPr>
+        <p:spPr>
+          <a:xfrm>
+            <a:off x="29313783" y="4571564"/>
+            <a:ext cx="13845581" cy="913287"/>
+          </a:xfrm>
+          <a:prstGeom prst="rect">
+            <a:avLst/>
+          </a:prstGeom>
+          <a:solidFill>
+            <a:srgbClr val="17375E"/>
+          </a:solidFill>
+          <a:ln w="76200">
+            <a:solidFill>
+              <a:schemeClr val="bg2">
+                <a:lumMod val="75000"/>
+              </a:schemeClr>
+            </a:solidFill>
+          </a:ln>
+        </p:spPr>
+        <p:txBody>
+          <a:bodyPr wrap="square" rtlCol="0" anchor="ctr">
+            <a:noAutofit/>
+          </a:bodyPr>
+          <a:lstStyle/>
+          <a:p>
+            <a:pPr lvl="0" algn="ctr">
+              <a:spcBef>
+                <a:spcPts val="600"/>
+              </a:spcBef>
+            </a:pPr>
+            <a:r>
+              <a:rPr lang="en-US" sz="4800" b="1" dirty="0">
+                <a:solidFill>
+                  <a:schemeClr val="bg1"/>
+                </a:solidFill>
+                <a:latin typeface="Arial" charset="0"/>
+                <a:ea typeface="Arial" charset="0"/>
+                <a:cs typeface="Arial" charset="0"/>
+              </a:rPr>
+              <a:t>METHOD II: MARGINAL QII</a:t>
+            </a:r>
+          </a:p>
+        </p:txBody>
+      </p:sp>
+      <p:sp>
+        <p:nvSpPr>
+          <p:cNvPr id="20" name="TextBox 19">
+            <a:extLst>
+              <a:ext uri="{FF2B5EF4-FFF2-40B4-BE49-F238E27FC236}">
+                <a16:creationId xmlns:a16="http://schemas.microsoft.com/office/drawing/2014/main" id="{F95D13BA-EB2A-874C-98EA-8A2A69B26ADA}"/>
+              </a:ext>
+            </a:extLst>
+          </p:cNvPr>
+          <p:cNvSpPr txBox="1"/>
+          <p:nvPr/>
+        </p:nvSpPr>
+        <p:spPr>
+          <a:xfrm>
+            <a:off x="29313783" y="22401887"/>
+            <a:ext cx="13845581" cy="10023435"/>
+          </a:xfrm>
+          <a:prstGeom prst="rect">
+            <a:avLst/>
+          </a:prstGeom>
+          <a:solidFill>
+            <a:schemeClr val="bg1"/>
+          </a:solidFill>
+          <a:ln w="76200">
+            <a:solidFill>
+              <a:schemeClr val="bg2">
+                <a:lumMod val="75000"/>
+              </a:schemeClr>
+            </a:solidFill>
+          </a:ln>
+        </p:spPr>
+        <p:txBody>
+          <a:bodyPr wrap="square" rtlCol="0" anchor="t">
+            <a:noAutofit/>
+          </a:bodyPr>
+          <a:lstStyle/>
+          <a:p>
+            <a:pPr marL="571500" lvl="4" indent="-571500">
+              <a:spcBef>
+                <a:spcPts val="600"/>
+              </a:spcBef>
+              <a:buFont typeface="Arial" panose="020B0604020202020204" pitchFamily="34" charset="0"/>
+              <a:buChar char="•"/>
+            </a:pPr>
+            <a:endParaRPr lang="en-US" sz="4000" dirty="0">
+              <a:solidFill>
+                <a:schemeClr val="tx1"/>
+              </a:solidFill>
+              <a:latin typeface="Arial" charset="0"/>
+              <a:ea typeface="Arial" charset="0"/>
+              <a:cs typeface="Arial" charset="0"/>
+            </a:endParaRPr>
+          </a:p>
+        </p:txBody>
+      </p:sp>
+      <p:sp>
+        <p:nvSpPr>
+          <p:cNvPr id="21" name="TextBox 20">
+            <a:extLst>
+              <a:ext uri="{FF2B5EF4-FFF2-40B4-BE49-F238E27FC236}">
+                <a16:creationId xmlns:a16="http://schemas.microsoft.com/office/drawing/2014/main" id="{C547339B-FB24-FE40-BFE8-4132AD66AEDD}"/>
+              </a:ext>
+            </a:extLst>
+          </p:cNvPr>
+          <p:cNvSpPr txBox="1"/>
+          <p:nvPr/>
+        </p:nvSpPr>
+        <p:spPr>
+          <a:xfrm>
+            <a:off x="29313783" y="21488600"/>
+            <a:ext cx="13845581" cy="913287"/>
+          </a:xfrm>
+          <a:prstGeom prst="rect">
+            <a:avLst/>
+          </a:prstGeom>
+          <a:solidFill>
+            <a:srgbClr val="17375E"/>
+          </a:solidFill>
+          <a:ln w="76200">
+            <a:solidFill>
+              <a:schemeClr val="bg2">
+                <a:lumMod val="75000"/>
+              </a:schemeClr>
+            </a:solidFill>
+          </a:ln>
+        </p:spPr>
+        <p:txBody>
+          <a:bodyPr wrap="square" rtlCol="0" anchor="ctr">
+            <a:noAutofit/>
+          </a:bodyPr>
+          <a:lstStyle/>
+          <a:p>
+            <a:pPr lvl="0" algn="ctr">
+              <a:spcBef>
+                <a:spcPts val="600"/>
+              </a:spcBef>
+            </a:pPr>
+            <a:r>
+              <a:rPr lang="en-US" sz="4800" b="1" dirty="0">
+                <a:solidFill>
+                  <a:schemeClr val="bg1"/>
+                </a:solidFill>
+                <a:latin typeface="Arial" charset="0"/>
+                <a:ea typeface="Arial" charset="0"/>
+                <a:cs typeface="Arial" charset="0"/>
+              </a:rPr>
+              <a:t>DISCUSSION</a:t>
+            </a:r>
+          </a:p>
+        </p:txBody>
+      </p:sp>
+      <p:sp>
+        <p:nvSpPr>
+          <p:cNvPr id="22" name="TextBox 21">
+            <a:extLst>
+              <a:ext uri="{FF2B5EF4-FFF2-40B4-BE49-F238E27FC236}">
+                <a16:creationId xmlns:a16="http://schemas.microsoft.com/office/drawing/2014/main" id="{BC66FA2F-52D5-7847-8234-3EF09F21C9DF}"/>
+              </a:ext>
+            </a:extLst>
+          </p:cNvPr>
+          <p:cNvSpPr txBox="1"/>
+          <p:nvPr/>
+        </p:nvSpPr>
+        <p:spPr>
+          <a:xfrm>
+            <a:off x="720725" y="23115430"/>
+            <a:ext cx="13856693" cy="9243525"/>
           </a:xfrm>
           <a:prstGeom prst="rect">
             <a:avLst/>
@@ -8469,6 +8953,149 @@
           </a:bodyPr>
           <a:lstStyle/>
           <a:p>
+            <a:pPr marL="457200" lvl="0" indent="-457200" algn="just">
+              <a:spcBef>
+                <a:spcPts val="600"/>
+              </a:spcBef>
+              <a:buFont typeface="Arial" panose="020B0604020202020204" pitchFamily="34" charset="0"/>
+              <a:buChar char="•"/>
+            </a:pPr>
+            <a:r>
+              <a:rPr lang="en-US" sz="4400" b="1" dirty="0">
+                <a:latin typeface="Arial" charset="0"/>
+                <a:ea typeface="Arial" charset="0"/>
+                <a:cs typeface="Arial" charset="0"/>
+              </a:rPr>
+              <a:t>Unary QII on individual outcomes</a:t>
+            </a:r>
+            <a:r>
+              <a:rPr lang="en-US" sz="4400" dirty="0">
+                <a:latin typeface="Arial" charset="0"/>
+                <a:ea typeface="Arial" charset="0"/>
+                <a:cs typeface="Arial" charset="0"/>
+              </a:rPr>
+              <a:t> communicates the average influence of a feature on all individuals in the dataset. Intuitively, this influence represents how important a feature is to predicting the outcome. </a:t>
+            </a:r>
+          </a:p>
+          <a:p>
+            <a:pPr marL="457200" lvl="0" indent="-457200" algn="just">
+              <a:spcBef>
+                <a:spcPts val="600"/>
+              </a:spcBef>
+              <a:buFont typeface="Arial" panose="020B0604020202020204" pitchFamily="34" charset="0"/>
+              <a:buChar char="•"/>
+            </a:pPr>
+            <a:endParaRPr lang="en-US" sz="4400" dirty="0">
+              <a:latin typeface="Arial" charset="0"/>
+              <a:ea typeface="Arial" charset="0"/>
+              <a:cs typeface="Arial" charset="0"/>
+            </a:endParaRPr>
+          </a:p>
+          <a:p>
+            <a:pPr lvl="0" algn="just">
+              <a:spcBef>
+                <a:spcPts val="600"/>
+              </a:spcBef>
+            </a:pPr>
+            <a:endParaRPr lang="en-US" sz="4400" dirty="0">
+              <a:latin typeface="Arial" charset="0"/>
+              <a:ea typeface="Arial" charset="0"/>
+              <a:cs typeface="Arial" charset="0"/>
+            </a:endParaRPr>
+          </a:p>
+          <a:p>
+            <a:pPr marL="457200" lvl="0" indent="-457200" algn="just">
+              <a:spcBef>
+                <a:spcPts val="600"/>
+              </a:spcBef>
+              <a:buFont typeface="Arial" panose="020B0604020202020204" pitchFamily="34" charset="0"/>
+              <a:buChar char="•"/>
+            </a:pPr>
+            <a:r>
+              <a:rPr lang="en-US" sz="4400" b="1" dirty="0">
+                <a:latin typeface="Arial" charset="0"/>
+                <a:ea typeface="Arial" charset="0"/>
+                <a:cs typeface="Arial" charset="0"/>
+              </a:rPr>
+              <a:t>Unary QII on group outcomes/group disparity</a:t>
+            </a:r>
+            <a:r>
+              <a:rPr lang="en-US" sz="4400" dirty="0">
+                <a:latin typeface="Arial" charset="0"/>
+                <a:ea typeface="Arial" charset="0"/>
+                <a:cs typeface="Arial" charset="0"/>
+              </a:rPr>
+              <a:t> denotes the influence of a feature on a group of individuals. </a:t>
+            </a:r>
+          </a:p>
+          <a:p>
+            <a:pPr lvl="0" algn="just">
+              <a:spcBef>
+                <a:spcPts val="600"/>
+              </a:spcBef>
+            </a:pPr>
+            <a:endParaRPr lang="en-US" sz="4400" dirty="0">
+              <a:latin typeface="Arial" charset="0"/>
+              <a:ea typeface="Arial" charset="0"/>
+              <a:cs typeface="Arial" charset="0"/>
+            </a:endParaRPr>
+          </a:p>
+          <a:p>
+            <a:pPr marL="457200" lvl="0" indent="-457200" algn="just">
+              <a:spcBef>
+                <a:spcPts val="600"/>
+              </a:spcBef>
+              <a:buFont typeface="Arial" panose="020B0604020202020204" pitchFamily="34" charset="0"/>
+              <a:buChar char="•"/>
+            </a:pPr>
+            <a:r>
+              <a:rPr lang="en-US" sz="4400" dirty="0">
+                <a:latin typeface="Arial" charset="0"/>
+                <a:ea typeface="Arial" charset="0"/>
+                <a:cs typeface="Arial" charset="0"/>
+              </a:rPr>
+              <a:t>We defined our quantity of interest for unary QII as the probability of being predicted a given decile score category.</a:t>
+            </a:r>
+          </a:p>
+        </p:txBody>
+      </p:sp>
+      <p:sp>
+        <p:nvSpPr>
+          <p:cNvPr id="23" name="TextBox 22">
+            <a:extLst>
+              <a:ext uri="{FF2B5EF4-FFF2-40B4-BE49-F238E27FC236}">
+                <a16:creationId xmlns:a16="http://schemas.microsoft.com/office/drawing/2014/main" id="{94F7B7C7-2BF1-674C-804C-85B5F898E516}"/>
+              </a:ext>
+            </a:extLst>
+          </p:cNvPr>
+          <p:cNvSpPr txBox="1"/>
+          <p:nvPr/>
+        </p:nvSpPr>
+        <p:spPr>
+          <a:xfrm>
+            <a:off x="29308226" y="5484851"/>
+            <a:ext cx="13856693" cy="15547106"/>
+          </a:xfrm>
+          <a:prstGeom prst="rect">
+            <a:avLst/>
+          </a:prstGeom>
+          <a:solidFill>
+            <a:schemeClr val="bg1"/>
+          </a:solidFill>
+          <a:ln w="76200">
+            <a:solidFill>
+              <a:schemeClr val="bg2">
+                <a:lumMod val="75000"/>
+              </a:schemeClr>
+            </a:solidFill>
+          </a:ln>
+        </p:spPr>
+        <p:txBody>
+          <a:bodyPr wrap="square" rtlCol="0">
+            <a:noAutofit/>
+          </a:bodyPr>
+          <a:lstStyle/>
+          <a:p>
             <a:pPr marL="457200" lvl="0" indent="-457200">
               <a:spcBef>
                 <a:spcPts val="600"/>
@@ -8484,6 +9111,180 @@
           </a:p>
         </p:txBody>
       </p:sp>
+      <p:sp>
+        <p:nvSpPr>
+          <p:cNvPr id="24" name="TextBox 23">
+            <a:extLst>
+              <a:ext uri="{FF2B5EF4-FFF2-40B4-BE49-F238E27FC236}">
+                <a16:creationId xmlns:a16="http://schemas.microsoft.com/office/drawing/2014/main" id="{3F77ACC5-879B-D145-9C85-E8AD54EE1918}"/>
+              </a:ext>
+            </a:extLst>
+          </p:cNvPr>
+          <p:cNvSpPr txBox="1"/>
+          <p:nvPr/>
+        </p:nvSpPr>
+        <p:spPr>
+          <a:xfrm>
+            <a:off x="15011698" y="4571563"/>
+            <a:ext cx="13845581" cy="913287"/>
+          </a:xfrm>
+          <a:prstGeom prst="rect">
+            <a:avLst/>
+          </a:prstGeom>
+          <a:solidFill>
+            <a:srgbClr val="17375E"/>
+          </a:solidFill>
+          <a:ln w="76200">
+            <a:solidFill>
+              <a:schemeClr val="bg2">
+                <a:lumMod val="75000"/>
+              </a:schemeClr>
+            </a:solidFill>
+          </a:ln>
+        </p:spPr>
+        <p:txBody>
+          <a:bodyPr wrap="square" rtlCol="0" anchor="ctr">
+            <a:noAutofit/>
+          </a:bodyPr>
+          <a:lstStyle/>
+          <a:p>
+            <a:pPr lvl="0" algn="ctr">
+              <a:spcBef>
+                <a:spcPts val="600"/>
+              </a:spcBef>
+            </a:pPr>
+            <a:r>
+              <a:rPr lang="en-US" sz="4800" b="1" dirty="0">
+                <a:solidFill>
+                  <a:schemeClr val="bg1"/>
+                </a:solidFill>
+                <a:latin typeface="Arial" charset="0"/>
+                <a:ea typeface="Arial" charset="0"/>
+                <a:cs typeface="Arial" charset="0"/>
+              </a:rPr>
+              <a:t>RESULTS</a:t>
+            </a:r>
+          </a:p>
+        </p:txBody>
+      </p:sp>
+      <p:pic>
+        <p:nvPicPr>
+          <p:cNvPr id="8" name="Picture 7">
+            <a:extLst>
+              <a:ext uri="{FF2B5EF4-FFF2-40B4-BE49-F238E27FC236}">
+                <a16:creationId xmlns:a16="http://schemas.microsoft.com/office/drawing/2014/main" id="{E006E4F8-0DA5-A349-955D-04F44C43F85B}"/>
+              </a:ext>
+            </a:extLst>
+          </p:cNvPr>
+          <p:cNvPicPr>
+            <a:picLocks noChangeAspect="1"/>
+          </p:cNvPicPr>
+          <p:nvPr/>
+        </p:nvPicPr>
+        <p:blipFill rotWithShape="1">
+          <a:blip r:embed="rId5"/>
+          <a:srcRect t="5187" r="5437" b="57578"/>
+          <a:stretch/>
+        </p:blipFill>
+        <p:spPr>
+          <a:xfrm>
+            <a:off x="909520" y="26249413"/>
+            <a:ext cx="13479103" cy="1069084"/>
+          </a:xfrm>
+          <a:prstGeom prst="rect">
+            <a:avLst/>
+          </a:prstGeom>
+        </p:spPr>
+      </p:pic>
+      <p:pic>
+        <p:nvPicPr>
+          <p:cNvPr id="32" name="Picture 31">
+            <a:extLst>
+              <a:ext uri="{FF2B5EF4-FFF2-40B4-BE49-F238E27FC236}">
+                <a16:creationId xmlns:a16="http://schemas.microsoft.com/office/drawing/2014/main" id="{ADE2907C-6EAA-B34C-9B4D-86845FFE595A}"/>
+              </a:ext>
+            </a:extLst>
+          </p:cNvPr>
+          <p:cNvPicPr>
+            <a:picLocks noChangeAspect="1"/>
+          </p:cNvPicPr>
+          <p:nvPr/>
+        </p:nvPicPr>
+        <p:blipFill rotWithShape="1">
+          <a:blip r:embed="rId5"/>
+          <a:srcRect l="21360" t="65141" r="29199" b="5204"/>
+          <a:stretch/>
+        </p:blipFill>
+        <p:spPr>
+          <a:xfrm>
+            <a:off x="3976423" y="29315347"/>
+            <a:ext cx="7334183" cy="886102"/>
+          </a:xfrm>
+          <a:prstGeom prst="rect">
+            <a:avLst/>
+          </a:prstGeom>
+        </p:spPr>
+      </p:pic>
+      <p:pic>
+        <p:nvPicPr>
+          <p:cNvPr id="14" name="Picture 13">
+            <a:extLst>
+              <a:ext uri="{FF2B5EF4-FFF2-40B4-BE49-F238E27FC236}">
+                <a16:creationId xmlns:a16="http://schemas.microsoft.com/office/drawing/2014/main" id="{E8AAC4AB-F012-4F4F-BCDD-11B37B1306C1}"/>
+              </a:ext>
+            </a:extLst>
+          </p:cNvPr>
+          <p:cNvPicPr>
+            <a:picLocks noChangeAspect="1"/>
+          </p:cNvPicPr>
+          <p:nvPr/>
+        </p:nvPicPr>
+        <p:blipFill>
+          <a:blip r:embed="rId6"/>
+          <a:stretch>
+            <a:fillRect/>
+          </a:stretch>
+        </p:blipFill>
+        <p:spPr>
+          <a:xfrm>
+            <a:off x="837901" y="305342"/>
+            <a:ext cx="16044672" cy="4512564"/>
+          </a:xfrm>
+          <a:prstGeom prst="rect">
+            <a:avLst/>
+          </a:prstGeom>
+        </p:spPr>
+      </p:pic>
+      <p:pic>
+        <p:nvPicPr>
+          <p:cNvPr id="36" name="Picture 35">
+            <a:extLst>
+              <a:ext uri="{FF2B5EF4-FFF2-40B4-BE49-F238E27FC236}">
+                <a16:creationId xmlns:a16="http://schemas.microsoft.com/office/drawing/2014/main" id="{10B5CD68-209E-AF43-9A9A-C8762B5C0752}"/>
+              </a:ext>
+            </a:extLst>
+          </p:cNvPr>
+          <p:cNvPicPr>
+            <a:picLocks noChangeAspect="1"/>
+          </p:cNvPicPr>
+          <p:nvPr/>
+        </p:nvPicPr>
+        <p:blipFill>
+          <a:blip r:embed="rId7"/>
+          <a:stretch>
+            <a:fillRect/>
+          </a:stretch>
+        </p:blipFill>
+        <p:spPr>
+          <a:xfrm>
+            <a:off x="15514320" y="5905389"/>
+            <a:ext cx="12874454" cy="6437227"/>
+          </a:xfrm>
+          <a:prstGeom prst="rect">
+            <a:avLst/>
+          </a:prstGeom>
+        </p:spPr>
+      </p:pic>
     </p:spTree>
   </p:cSld>
   <p:clrMapOvr>

--- a/poster/poster_temp.pptx
+++ b/poster/poster_temp.pptx
@@ -7877,9 +7877,9 @@
               <a:solidFill>
                 <a:schemeClr val="dk1"/>
               </a:solidFill>
-              <a:latin typeface="Arial"/>
-              <a:ea typeface="Arial"/>
-              <a:cs typeface="Arial"/>
+              <a:latin typeface="Avenir Roman" panose="02000503020000020003" pitchFamily="2" charset="0"/>
+              <a:ea typeface="Verdana" panose="020B0604030504040204" pitchFamily="34" charset="0"/>
+              <a:cs typeface="Baghdad" pitchFamily="2" charset="-78"/>
               <a:sym typeface="Arial"/>
             </a:endParaRPr>
           </a:p>
@@ -7926,9 +7926,9 @@
               <a:solidFill>
                 <a:schemeClr val="dk1"/>
               </a:solidFill>
-              <a:latin typeface="Arial"/>
-              <a:ea typeface="Arial"/>
-              <a:cs typeface="Arial"/>
+              <a:latin typeface="Avenir Roman" panose="02000503020000020003" pitchFamily="2" charset="0"/>
+              <a:ea typeface="Verdana" panose="020B0604030504040204" pitchFamily="34" charset="0"/>
+              <a:cs typeface="Baghdad" pitchFamily="2" charset="-78"/>
               <a:sym typeface="Arial"/>
             </a:endParaRPr>
           </a:p>
@@ -7960,7 +7960,7 @@
           </a:ln>
         </p:spPr>
         <p:txBody>
-          <a:bodyPr lIns="397100" tIns="198550" rIns="397100" bIns="198550" anchor="t" anchorCtr="0">
+          <a:bodyPr lIns="397100" tIns="198550" rIns="397100" bIns="198550" anchor="ctr" anchorCtr="0">
             <a:noAutofit/>
           </a:bodyPr>
           <a:lstStyle/>
@@ -7971,13 +7971,13 @@
               </a:lnSpc>
             </a:pPr>
             <a:r>
-              <a:rPr lang="en-US" sz="6600" b="1" dirty="0">
+              <a:rPr lang="en-US" sz="8000" b="1" dirty="0">
                 <a:solidFill>
                   <a:schemeClr val="bg1"/>
                 </a:solidFill>
-                <a:latin typeface="Arial" charset="0"/>
-                <a:ea typeface="Arial" charset="0"/>
-                <a:cs typeface="Arial" charset="0"/>
+                <a:latin typeface="Avenir Roman" panose="02000503020000020003" pitchFamily="2" charset="0"/>
+                <a:ea typeface="Verdana" panose="020B0604030504040204" pitchFamily="34" charset="0"/>
+                <a:cs typeface="Baghdad" pitchFamily="2" charset="-78"/>
               </a:rPr>
               <a:t>Quantitative Input Influence: A study of influence of inputs in recidivism decisions</a:t>
             </a:r>
@@ -7989,24 +7989,16 @@
               </a:lnSpc>
             </a:pPr>
             <a:r>
-              <a:rPr lang="en-US" sz="5400" dirty="0">
+              <a:rPr lang="en-US" sz="7000" dirty="0">
                 <a:solidFill>
                   <a:schemeClr val="bg1"/>
                 </a:solidFill>
-                <a:latin typeface="Arial" charset="0"/>
-                <a:ea typeface="Arial" charset="0"/>
-                <a:cs typeface="Arial" charset="0"/>
+                <a:latin typeface="Avenir Roman" panose="02000503020000020003" pitchFamily="2" charset="0"/>
+                <a:ea typeface="Verdana" panose="020B0604030504040204" pitchFamily="34" charset="0"/>
+                <a:cs typeface="Baghdad" pitchFamily="2" charset="-78"/>
               </a:rPr>
               <a:t>Karina Huang, Lipika Ramaswamy </a:t>
             </a:r>
-            <a:endParaRPr lang="en-US" sz="4400" dirty="0">
-              <a:solidFill>
-                <a:schemeClr val="bg1"/>
-              </a:solidFill>
-              <a:latin typeface="Arial" charset="0"/>
-              <a:ea typeface="Arial" charset="0"/>
-              <a:cs typeface="Arial" charset="0"/>
-            </a:endParaRPr>
           </a:p>
         </p:txBody>
       </p:sp>
@@ -8051,9 +8043,9 @@
               <a:solidFill>
                 <a:schemeClr val="dk1"/>
               </a:solidFill>
-              <a:latin typeface="Arial"/>
-              <a:ea typeface="Arial"/>
-              <a:cs typeface="Arial"/>
+              <a:latin typeface="Avenir Roman" panose="02000503020000020003" pitchFamily="2" charset="0"/>
+              <a:ea typeface="Verdana" panose="020B0604030504040204" pitchFamily="34" charset="0"/>
+              <a:cs typeface="Baghdad" pitchFamily="2" charset="-78"/>
               <a:sym typeface="Arial"/>
             </a:endParaRPr>
           </a:p>
@@ -8100,9 +8092,9 @@
               <a:solidFill>
                 <a:schemeClr val="dk1"/>
               </a:solidFill>
-              <a:latin typeface="Arial"/>
-              <a:ea typeface="Arial"/>
-              <a:cs typeface="Arial"/>
+              <a:latin typeface="Avenir Roman" panose="02000503020000020003" pitchFamily="2" charset="0"/>
+              <a:ea typeface="Verdana" panose="020B0604030504040204" pitchFamily="34" charset="0"/>
+              <a:cs typeface="Baghdad" pitchFamily="2" charset="-78"/>
               <a:sym typeface="Arial"/>
             </a:endParaRPr>
           </a:p>
@@ -8149,9 +8141,9 @@
               <a:solidFill>
                 <a:schemeClr val="dk1"/>
               </a:solidFill>
-              <a:latin typeface="Arial"/>
-              <a:ea typeface="Arial"/>
-              <a:cs typeface="Arial"/>
+              <a:latin typeface="Avenir Roman" panose="02000503020000020003" pitchFamily="2" charset="0"/>
+              <a:ea typeface="Verdana" panose="020B0604030504040204" pitchFamily="34" charset="0"/>
+              <a:cs typeface="Baghdad" pitchFamily="2" charset="-78"/>
               <a:sym typeface="Arial"/>
             </a:endParaRPr>
           </a:p>
@@ -8198,9 +8190,9 @@
               <a:solidFill>
                 <a:schemeClr val="dk1"/>
               </a:solidFill>
-              <a:latin typeface="Arial"/>
-              <a:ea typeface="Arial"/>
-              <a:cs typeface="Arial"/>
+              <a:latin typeface="Avenir Roman" panose="02000503020000020003" pitchFamily="2" charset="0"/>
+              <a:ea typeface="Verdana" panose="020B0604030504040204" pitchFamily="34" charset="0"/>
+              <a:cs typeface="Baghdad" pitchFamily="2" charset="-78"/>
               <a:sym typeface="Arial"/>
             </a:endParaRPr>
           </a:p>
@@ -8247,9 +8239,9 @@
               <a:solidFill>
                 <a:schemeClr val="dk1"/>
               </a:solidFill>
-              <a:latin typeface="Arial"/>
-              <a:ea typeface="Arial"/>
-              <a:cs typeface="Arial"/>
+              <a:latin typeface="Avenir Roman" panose="02000503020000020003" pitchFamily="2" charset="0"/>
+              <a:ea typeface="Verdana" panose="020B0604030504040204" pitchFamily="34" charset="0"/>
+              <a:cs typeface="Baghdad" pitchFamily="2" charset="-78"/>
               <a:sym typeface="Arial"/>
             </a:endParaRPr>
           </a:p>
@@ -8298,9 +8290,9 @@
                 <a:solidFill>
                   <a:schemeClr val="tx1"/>
                 </a:solidFill>
-                <a:latin typeface="Arial" charset="0"/>
-                <a:ea typeface="Arial" charset="0"/>
-                <a:cs typeface="Arial" charset="0"/>
+                <a:latin typeface="Avenir Roman" panose="02000503020000020003" pitchFamily="2" charset="0"/>
+                <a:ea typeface="Verdana" panose="020B0604030504040204" pitchFamily="34" charset="0"/>
+                <a:cs typeface="Baghdad" pitchFamily="2" charset="-78"/>
               </a:rPr>
               <a:t>Automated decision making has gained popularity in hiring and sentencing procedures. </a:t>
             </a:r>
@@ -8318,9 +8310,9 @@
                 <a:solidFill>
                   <a:schemeClr val="tx1"/>
                 </a:solidFill>
-                <a:latin typeface="Arial" charset="0"/>
-                <a:ea typeface="Arial" charset="0"/>
-                <a:cs typeface="Arial" charset="0"/>
+                <a:latin typeface="Avenir Roman" panose="02000503020000020003" pitchFamily="2" charset="0"/>
+                <a:ea typeface="Verdana" panose="020B0604030504040204" pitchFamily="34" charset="0"/>
+                <a:cs typeface="Baghdad" pitchFamily="2" charset="-78"/>
               </a:rPr>
               <a:t>Fairness of such automated processes, however, remains questionable due to limited interpretability of the black box models.  </a:t>
             </a:r>
@@ -8338,9 +8330,9 @@
                 <a:solidFill>
                   <a:schemeClr val="tx1"/>
                 </a:solidFill>
-                <a:latin typeface="Arial" charset="0"/>
-                <a:ea typeface="Arial" charset="0"/>
-                <a:cs typeface="Arial" charset="0"/>
+                <a:latin typeface="Avenir Roman" panose="02000503020000020003" pitchFamily="2" charset="0"/>
+                <a:ea typeface="Verdana" panose="020B0604030504040204" pitchFamily="34" charset="0"/>
+                <a:cs typeface="Baghdad" pitchFamily="2" charset="-78"/>
               </a:rPr>
               <a:t>The Quantitative Input Influence (QII) framework (</a:t>
             </a:r>
@@ -8349,9 +8341,9 @@
                 <a:solidFill>
                   <a:schemeClr val="tx1"/>
                 </a:solidFill>
-                <a:latin typeface="Arial" charset="0"/>
-                <a:ea typeface="Arial" charset="0"/>
-                <a:cs typeface="Arial" charset="0"/>
+                <a:latin typeface="Avenir Roman" panose="02000503020000020003" pitchFamily="2" charset="0"/>
+                <a:ea typeface="Verdana" panose="020B0604030504040204" pitchFamily="34" charset="0"/>
+                <a:cs typeface="Baghdad" pitchFamily="2" charset="-78"/>
               </a:rPr>
               <a:t>Datta</a:t>
             </a:r>
@@ -8360,9 +8352,9 @@
                 <a:solidFill>
                   <a:schemeClr val="tx1"/>
                 </a:solidFill>
-                <a:latin typeface="Arial" charset="0"/>
-                <a:ea typeface="Arial" charset="0"/>
-                <a:cs typeface="Arial" charset="0"/>
+                <a:latin typeface="Avenir Roman" panose="02000503020000020003" pitchFamily="2" charset="0"/>
+                <a:ea typeface="Verdana" panose="020B0604030504040204" pitchFamily="34" charset="0"/>
+                <a:cs typeface="Baghdad" pitchFamily="2" charset="-78"/>
               </a:rPr>
               <a:t> et al., 2016) offers effective and straight-forward explanations of algorithms by quantifying the influence of input features on individual and group observations.</a:t>
             </a:r>
@@ -8380,9 +8372,9 @@
                 <a:solidFill>
                   <a:schemeClr val="tx1"/>
                 </a:solidFill>
-                <a:latin typeface="Arial" charset="0"/>
-                <a:ea typeface="Arial" charset="0"/>
-                <a:cs typeface="Arial" charset="0"/>
+                <a:latin typeface="Avenir Roman" panose="02000503020000020003" pitchFamily="2" charset="0"/>
+                <a:ea typeface="Verdana" panose="020B0604030504040204" pitchFamily="34" charset="0"/>
+                <a:cs typeface="Baghdad" pitchFamily="2" charset="-78"/>
               </a:rPr>
               <a:t>Influences are acquired by comparing the difference in the quantity of interests (e.g. probability of being hired) between using the actual, and a random feature distribution.</a:t>
             </a:r>
@@ -8400,12 +8392,31 @@
                 <a:solidFill>
                   <a:schemeClr val="tx1"/>
                 </a:solidFill>
-                <a:latin typeface="Arial" charset="0"/>
-                <a:ea typeface="Arial" charset="0"/>
-                <a:cs typeface="Arial" charset="0"/>
+                <a:latin typeface="Avenir Roman" panose="02000503020000020003" pitchFamily="2" charset="0"/>
+                <a:ea typeface="Verdana" panose="020B0604030504040204" pitchFamily="34" charset="0"/>
+                <a:cs typeface="Baghdad" pitchFamily="2" charset="-78"/>
               </a:rPr>
-              <a:t>Note that the influences are specific to algorithms, regardless of true response values.</a:t>
+              <a:t>Note that unary QIIs are specific to algorithms, regardless of true response values. Marginal QIIs are tied to </a:t>
             </a:r>
+            <a:r>
+              <a:rPr lang="en-US" sz="4400">
+                <a:solidFill>
+                  <a:schemeClr val="tx1"/>
+                </a:solidFill>
+                <a:latin typeface="Avenir Roman" panose="02000503020000020003" pitchFamily="2" charset="0"/>
+                <a:ea typeface="Verdana" panose="020B0604030504040204" pitchFamily="34" charset="0"/>
+                <a:cs typeface="Baghdad" pitchFamily="2" charset="-78"/>
+              </a:rPr>
+              <a:t>prediction accuracies.</a:t>
+            </a:r>
+            <a:endParaRPr lang="en-US" sz="4400" dirty="0">
+              <a:solidFill>
+                <a:schemeClr val="tx1"/>
+              </a:solidFill>
+              <a:latin typeface="Avenir Roman" panose="02000503020000020003" pitchFamily="2" charset="0"/>
+              <a:ea typeface="Verdana" panose="020B0604030504040204" pitchFamily="34" charset="0"/>
+              <a:cs typeface="Baghdad" pitchFamily="2" charset="-78"/>
+            </a:endParaRPr>
           </a:p>
           <a:p>
             <a:pPr marL="614363" lvl="0" indent="-614363" algn="just">
@@ -8420,9 +8431,9 @@
                 <a:solidFill>
                   <a:schemeClr val="tx1"/>
                 </a:solidFill>
-                <a:latin typeface="Arial" charset="0"/>
-                <a:ea typeface="Arial" charset="0"/>
-                <a:cs typeface="Arial" charset="0"/>
+                <a:latin typeface="Avenir Roman" panose="02000503020000020003" pitchFamily="2" charset="0"/>
+                <a:ea typeface="Verdana" panose="020B0604030504040204" pitchFamily="34" charset="0"/>
+                <a:cs typeface="Baghdad" pitchFamily="2" charset="-78"/>
               </a:rPr>
               <a:t>We applied this framework to classification algorithms, using the COMPAS dataset, to investigate fairness of COMPAS assignment of decile scores. </a:t>
             </a:r>
@@ -8440,9 +8451,9 @@
                 <a:solidFill>
                   <a:schemeClr val="tx1"/>
                 </a:solidFill>
-                <a:latin typeface="Arial" charset="0"/>
-                <a:ea typeface="Arial" charset="0"/>
-                <a:cs typeface="Arial" charset="0"/>
+                <a:latin typeface="Avenir Roman" panose="02000503020000020003" pitchFamily="2" charset="0"/>
+                <a:ea typeface="Verdana" panose="020B0604030504040204" pitchFamily="34" charset="0"/>
+                <a:cs typeface="Baghdad" pitchFamily="2" charset="-78"/>
               </a:rPr>
               <a:t>In particular, we investigate in this study:</a:t>
             </a:r>
@@ -8460,9 +8471,9 @@
                 <a:solidFill>
                   <a:schemeClr val="tx1"/>
                 </a:solidFill>
-                <a:latin typeface="Arial" charset="0"/>
-                <a:ea typeface="Arial" charset="0"/>
-                <a:cs typeface="Arial" charset="0"/>
+                <a:latin typeface="Avenir Roman" panose="02000503020000020003" pitchFamily="2" charset="0"/>
+                <a:ea typeface="Verdana" panose="020B0604030504040204" pitchFamily="34" charset="0"/>
+                <a:cs typeface="Baghdad" pitchFamily="2" charset="-78"/>
               </a:rPr>
               <a:t>Unary QII on individual and group outcomes</a:t>
             </a:r>
@@ -8480,9 +8491,9 @@
                 <a:solidFill>
                   <a:schemeClr val="tx1"/>
                 </a:solidFill>
-                <a:latin typeface="Arial" charset="0"/>
-                <a:ea typeface="Arial" charset="0"/>
-                <a:cs typeface="Arial" charset="0"/>
+                <a:latin typeface="Avenir Roman" panose="02000503020000020003" pitchFamily="2" charset="0"/>
+                <a:ea typeface="Verdana" panose="020B0604030504040204" pitchFamily="34" charset="0"/>
+                <a:cs typeface="Baghdad" pitchFamily="2" charset="-78"/>
               </a:rPr>
               <a:t>Marginal QII on individual outcomes</a:t>
             </a:r>
@@ -8499,9 +8510,9 @@
               <a:solidFill>
                 <a:schemeClr val="tx1"/>
               </a:solidFill>
-              <a:latin typeface="Arial" charset="0"/>
-              <a:ea typeface="Arial" charset="0"/>
-              <a:cs typeface="Arial" charset="0"/>
+              <a:latin typeface="Avenir Roman" panose="02000503020000020003" pitchFamily="2" charset="0"/>
+              <a:ea typeface="Verdana" panose="020B0604030504040204" pitchFamily="34" charset="0"/>
+              <a:cs typeface="Baghdad" pitchFamily="2" charset="-78"/>
             </a:endParaRPr>
           </a:p>
         </p:txBody>
@@ -8622,17 +8633,114 @@
           </a:bodyPr>
           <a:lstStyle/>
           <a:p>
-            <a:pPr marL="457200" lvl="0" indent="-457200">
+            <a:pPr lvl="0" algn="ctr">
               <a:spcBef>
                 <a:spcPts val="600"/>
               </a:spcBef>
-              <a:buFont typeface="Arial" charset="0"/>
-              <a:buChar char="•"/>
             </a:pPr>
-            <a:endParaRPr lang="en-US" sz="3200" dirty="0">
-              <a:latin typeface="Arial" charset="0"/>
-              <a:ea typeface="Arial" charset="0"/>
-              <a:cs typeface="Arial" charset="0"/>
+            <a:r>
+              <a:rPr lang="en-US" sz="4400" dirty="0">
+                <a:latin typeface="Avenir Roman" panose="02000503020000020003" pitchFamily="2" charset="0"/>
+                <a:ea typeface="Verdana" panose="020B0604030504040204" pitchFamily="34" charset="0"/>
+                <a:cs typeface="Baghdad" pitchFamily="2" charset="-78"/>
+              </a:rPr>
+              <a:t>--</a:t>
+            </a:r>
+          </a:p>
+          <a:p>
+            <a:pPr lvl="0" algn="ctr">
+              <a:spcBef>
+                <a:spcPts val="600"/>
+              </a:spcBef>
+            </a:pPr>
+            <a:endParaRPr lang="en-US" sz="4400" dirty="0">
+              <a:latin typeface="Avenir Roman" panose="02000503020000020003" pitchFamily="2" charset="0"/>
+              <a:ea typeface="Verdana" panose="020B0604030504040204" pitchFamily="34" charset="0"/>
+              <a:cs typeface="Baghdad" pitchFamily="2" charset="-78"/>
+            </a:endParaRPr>
+          </a:p>
+          <a:p>
+            <a:pPr lvl="0" algn="ctr">
+              <a:spcBef>
+                <a:spcPts val="600"/>
+              </a:spcBef>
+            </a:pPr>
+            <a:endParaRPr lang="en-US" sz="4400" dirty="0">
+              <a:latin typeface="Avenir Roman" panose="02000503020000020003" pitchFamily="2" charset="0"/>
+              <a:ea typeface="Verdana" panose="020B0604030504040204" pitchFamily="34" charset="0"/>
+              <a:cs typeface="Baghdad" pitchFamily="2" charset="-78"/>
+            </a:endParaRPr>
+          </a:p>
+          <a:p>
+            <a:pPr lvl="0" algn="ctr">
+              <a:spcBef>
+                <a:spcPts val="600"/>
+              </a:spcBef>
+            </a:pPr>
+            <a:endParaRPr lang="en-US" sz="4400" dirty="0">
+              <a:latin typeface="Avenir Roman" panose="02000503020000020003" pitchFamily="2" charset="0"/>
+              <a:ea typeface="Verdana" panose="020B0604030504040204" pitchFamily="34" charset="0"/>
+              <a:cs typeface="Baghdad" pitchFamily="2" charset="-78"/>
+            </a:endParaRPr>
+          </a:p>
+          <a:p>
+            <a:pPr lvl="0" algn="ctr">
+              <a:spcBef>
+                <a:spcPts val="600"/>
+              </a:spcBef>
+            </a:pPr>
+            <a:endParaRPr lang="en-US" sz="4400" dirty="0">
+              <a:latin typeface="Avenir Roman" panose="02000503020000020003" pitchFamily="2" charset="0"/>
+              <a:ea typeface="Verdana" panose="020B0604030504040204" pitchFamily="34" charset="0"/>
+              <a:cs typeface="Baghdad" pitchFamily="2" charset="-78"/>
+            </a:endParaRPr>
+          </a:p>
+          <a:p>
+            <a:pPr lvl="0" algn="ctr">
+              <a:spcBef>
+                <a:spcPts val="600"/>
+              </a:spcBef>
+            </a:pPr>
+            <a:endParaRPr lang="en-US" sz="4400" dirty="0">
+              <a:latin typeface="Avenir Roman" panose="02000503020000020003" pitchFamily="2" charset="0"/>
+              <a:ea typeface="Verdana" panose="020B0604030504040204" pitchFamily="34" charset="0"/>
+              <a:cs typeface="Baghdad" pitchFamily="2" charset="-78"/>
+            </a:endParaRPr>
+          </a:p>
+          <a:p>
+            <a:pPr lvl="0" algn="ctr">
+              <a:spcBef>
+                <a:spcPts val="600"/>
+              </a:spcBef>
+            </a:pPr>
+            <a:endParaRPr lang="en-US" sz="4400" dirty="0">
+              <a:latin typeface="Avenir Roman" panose="02000503020000020003" pitchFamily="2" charset="0"/>
+              <a:ea typeface="Verdana" panose="020B0604030504040204" pitchFamily="34" charset="0"/>
+              <a:cs typeface="Baghdad" pitchFamily="2" charset="-78"/>
+            </a:endParaRPr>
+          </a:p>
+          <a:p>
+            <a:pPr lvl="0" algn="ctr">
+              <a:spcBef>
+                <a:spcPts val="600"/>
+              </a:spcBef>
+            </a:pPr>
+            <a:endParaRPr lang="en-US" sz="4400" dirty="0">
+              <a:latin typeface="Avenir Roman" panose="02000503020000020003" pitchFamily="2" charset="0"/>
+              <a:ea typeface="Verdana" panose="020B0604030504040204" pitchFamily="34" charset="0"/>
+              <a:cs typeface="Baghdad" pitchFamily="2" charset="-78"/>
+            </a:endParaRPr>
+          </a:p>
+          <a:p>
+            <a:pPr lvl="0" algn="ctr">
+              <a:spcBef>
+                <a:spcPts val="600"/>
+              </a:spcBef>
+            </a:pPr>
+            <a:endParaRPr lang="en-US" sz="4400" dirty="0">
+              <a:latin typeface="Avenir Roman" panose="02000503020000020003" pitchFamily="2" charset="0"/>
+              <a:ea typeface="Verdana" panose="020B0604030504040204" pitchFamily="34" charset="0"/>
+              <a:cs typeface="Baghdad" pitchFamily="2" charset="-78"/>
             </a:endParaRPr>
           </a:p>
         </p:txBody>
@@ -8684,9 +8792,9 @@
                 <a:solidFill>
                   <a:schemeClr val="bg1"/>
                 </a:solidFill>
-                <a:latin typeface="Arial" charset="0"/>
-                <a:ea typeface="Arial" charset="0"/>
-                <a:cs typeface="Arial" charset="0"/>
+                <a:latin typeface="Avenir Roman" panose="02000503020000020003" pitchFamily="2" charset="0"/>
+                <a:ea typeface="Verdana" panose="020B0604030504040204" pitchFamily="34" charset="0"/>
+                <a:cs typeface="Baghdad" pitchFamily="2" charset="-78"/>
               </a:rPr>
               <a:t>INTRODUCTION</a:t>
             </a:r>
@@ -8740,9 +8848,9 @@
                 <a:solidFill>
                   <a:schemeClr val="bg1"/>
                 </a:solidFill>
-                <a:latin typeface="Arial" charset="0"/>
-                <a:ea typeface="Arial" charset="0"/>
-                <a:cs typeface="Arial" charset="0"/>
+                <a:latin typeface="Avenir Roman" panose="02000503020000020003" pitchFamily="2" charset="0"/>
+                <a:ea typeface="Verdana" panose="020B0604030504040204" pitchFamily="34" charset="0"/>
+                <a:cs typeface="Baghdad" pitchFamily="2" charset="-78"/>
               </a:rPr>
               <a:t>METHOD I: UNARY QII</a:t>
             </a:r>
@@ -8796,9 +8904,9 @@
                 <a:solidFill>
                   <a:schemeClr val="bg1"/>
                 </a:solidFill>
-                <a:latin typeface="Arial" charset="0"/>
-                <a:ea typeface="Arial" charset="0"/>
-                <a:cs typeface="Arial" charset="0"/>
+                <a:latin typeface="Avenir Roman" panose="02000503020000020003" pitchFamily="2" charset="0"/>
+                <a:ea typeface="Verdana" panose="020B0604030504040204" pitchFamily="34" charset="0"/>
+                <a:cs typeface="Baghdad" pitchFamily="2" charset="-78"/>
               </a:rPr>
               <a:t>METHOD II: MARGINAL QII</a:t>
             </a:r>
@@ -8853,9 +8961,9 @@
               <a:solidFill>
                 <a:schemeClr val="tx1"/>
               </a:solidFill>
-              <a:latin typeface="Arial" charset="0"/>
-              <a:ea typeface="Arial" charset="0"/>
-              <a:cs typeface="Arial" charset="0"/>
+              <a:latin typeface="Avenir Roman" panose="02000503020000020003" pitchFamily="2" charset="0"/>
+              <a:ea typeface="Verdana" panose="020B0604030504040204" pitchFamily="34" charset="0"/>
+              <a:cs typeface="Baghdad" pitchFamily="2" charset="-78"/>
             </a:endParaRPr>
           </a:p>
         </p:txBody>
@@ -8907,9 +9015,9 @@
                 <a:solidFill>
                   <a:schemeClr val="bg1"/>
                 </a:solidFill>
-                <a:latin typeface="Arial" charset="0"/>
-                <a:ea typeface="Arial" charset="0"/>
-                <a:cs typeface="Arial" charset="0"/>
+                <a:latin typeface="Avenir Roman" panose="02000503020000020003" pitchFamily="2" charset="0"/>
+                <a:ea typeface="Verdana" panose="020B0604030504040204" pitchFamily="34" charset="0"/>
+                <a:cs typeface="Baghdad" pitchFamily="2" charset="-78"/>
               </a:rPr>
               <a:t>DISCUSSION</a:t>
             </a:r>
@@ -8962,17 +9070,17 @@
             </a:pPr>
             <a:r>
               <a:rPr lang="en-US" sz="4400" b="1" dirty="0">
-                <a:latin typeface="Arial" charset="0"/>
-                <a:ea typeface="Arial" charset="0"/>
-                <a:cs typeface="Arial" charset="0"/>
+                <a:latin typeface="Avenir Roman" panose="02000503020000020003" pitchFamily="2" charset="0"/>
+                <a:ea typeface="Verdana" panose="020B0604030504040204" pitchFamily="34" charset="0"/>
+                <a:cs typeface="Baghdad" pitchFamily="2" charset="-78"/>
               </a:rPr>
               <a:t>Unary QII on individual outcomes</a:t>
             </a:r>
             <a:r>
               <a:rPr lang="en-US" sz="4400" dirty="0">
-                <a:latin typeface="Arial" charset="0"/>
-                <a:ea typeface="Arial" charset="0"/>
-                <a:cs typeface="Arial" charset="0"/>
+                <a:latin typeface="Avenir Roman" panose="02000503020000020003" pitchFamily="2" charset="0"/>
+                <a:ea typeface="Verdana" panose="020B0604030504040204" pitchFamily="34" charset="0"/>
+                <a:cs typeface="Baghdad" pitchFamily="2" charset="-78"/>
               </a:rPr>
               <a:t> communicates the average influence of a feature on all individuals in the dataset. Intuitively, this influence represents how important a feature is to predicting the outcome. </a:t>
             </a:r>
@@ -8986,9 +9094,9 @@
               <a:buChar char="•"/>
             </a:pPr>
             <a:endParaRPr lang="en-US" sz="4400" dirty="0">
-              <a:latin typeface="Arial" charset="0"/>
-              <a:ea typeface="Arial" charset="0"/>
-              <a:cs typeface="Arial" charset="0"/>
+              <a:latin typeface="Avenir Roman" panose="02000503020000020003" pitchFamily="2" charset="0"/>
+              <a:ea typeface="Verdana" panose="020B0604030504040204" pitchFamily="34" charset="0"/>
+              <a:cs typeface="Baghdad" pitchFamily="2" charset="-78"/>
             </a:endParaRPr>
           </a:p>
           <a:p>
@@ -8998,9 +9106,9 @@
               </a:spcBef>
             </a:pPr>
             <a:endParaRPr lang="en-US" sz="4400" dirty="0">
-              <a:latin typeface="Arial" charset="0"/>
-              <a:ea typeface="Arial" charset="0"/>
-              <a:cs typeface="Arial" charset="0"/>
+              <a:latin typeface="Avenir Roman" panose="02000503020000020003" pitchFamily="2" charset="0"/>
+              <a:ea typeface="Verdana" panose="020B0604030504040204" pitchFamily="34" charset="0"/>
+              <a:cs typeface="Baghdad" pitchFamily="2" charset="-78"/>
             </a:endParaRPr>
           </a:p>
           <a:p>
@@ -9013,17 +9121,17 @@
             </a:pPr>
             <a:r>
               <a:rPr lang="en-US" sz="4400" b="1" dirty="0">
-                <a:latin typeface="Arial" charset="0"/>
-                <a:ea typeface="Arial" charset="0"/>
-                <a:cs typeface="Arial" charset="0"/>
+                <a:latin typeface="Avenir Roman" panose="02000503020000020003" pitchFamily="2" charset="0"/>
+                <a:ea typeface="Verdana" panose="020B0604030504040204" pitchFamily="34" charset="0"/>
+                <a:cs typeface="Baghdad" pitchFamily="2" charset="-78"/>
               </a:rPr>
               <a:t>Unary QII on group outcomes/group disparity</a:t>
             </a:r>
             <a:r>
               <a:rPr lang="en-US" sz="4400" dirty="0">
-                <a:latin typeface="Arial" charset="0"/>
-                <a:ea typeface="Arial" charset="0"/>
-                <a:cs typeface="Arial" charset="0"/>
+                <a:latin typeface="Avenir Roman" panose="02000503020000020003" pitchFamily="2" charset="0"/>
+                <a:ea typeface="Verdana" panose="020B0604030504040204" pitchFamily="34" charset="0"/>
+                <a:cs typeface="Baghdad" pitchFamily="2" charset="-78"/>
               </a:rPr>
               <a:t> denotes the influence of a feature on a group of individuals. </a:t>
             </a:r>
@@ -9035,9 +9143,9 @@
               </a:spcBef>
             </a:pPr>
             <a:endParaRPr lang="en-US" sz="4400" dirty="0">
-              <a:latin typeface="Arial" charset="0"/>
-              <a:ea typeface="Arial" charset="0"/>
-              <a:cs typeface="Arial" charset="0"/>
+              <a:latin typeface="Avenir Roman" panose="02000503020000020003" pitchFamily="2" charset="0"/>
+              <a:ea typeface="Verdana" panose="020B0604030504040204" pitchFamily="34" charset="0"/>
+              <a:cs typeface="Baghdad" pitchFamily="2" charset="-78"/>
             </a:endParaRPr>
           </a:p>
           <a:p>
@@ -9050,9 +9158,9 @@
             </a:pPr>
             <a:r>
               <a:rPr lang="en-US" sz="4400" dirty="0">
-                <a:latin typeface="Arial" charset="0"/>
-                <a:ea typeface="Arial" charset="0"/>
-                <a:cs typeface="Arial" charset="0"/>
+                <a:latin typeface="Avenir Roman" panose="02000503020000020003" pitchFamily="2" charset="0"/>
+                <a:ea typeface="Verdana" panose="020B0604030504040204" pitchFamily="34" charset="0"/>
+                <a:cs typeface="Baghdad" pitchFamily="2" charset="-78"/>
               </a:rPr>
               <a:t>We defined our quantity of interest for unary QII as the probability of being predicted a given decile score category.</a:t>
             </a:r>
@@ -9096,18 +9204,21 @@
           </a:bodyPr>
           <a:lstStyle/>
           <a:p>
-            <a:pPr marL="457200" lvl="0" indent="-457200">
+            <a:pPr marL="571500" lvl="0" indent="-571500">
               <a:spcBef>
                 <a:spcPts val="600"/>
               </a:spcBef>
-              <a:buFont typeface="Arial" charset="0"/>
+              <a:buFont typeface="Arial" panose="020B0604020202020204" pitchFamily="34" charset="0"/>
               <a:buChar char="•"/>
             </a:pPr>
-            <a:endParaRPr lang="en-US" sz="3200" dirty="0">
-              <a:latin typeface="Arial" charset="0"/>
-              <a:ea typeface="Arial" charset="0"/>
-              <a:cs typeface="Arial" charset="0"/>
-            </a:endParaRPr>
+            <a:r>
+              <a:rPr lang="en-US" sz="4400" dirty="0">
+                <a:latin typeface="Avenir Roman" panose="02000503020000020003" pitchFamily="2" charset="0"/>
+                <a:ea typeface="Verdana" panose="020B0604030504040204" pitchFamily="34" charset="0"/>
+                <a:cs typeface="Baghdad" pitchFamily="2" charset="-78"/>
+              </a:rPr>
+              <a:t>Marginal QII </a:t>
+            </a:r>
           </a:p>
         </p:txBody>
       </p:sp>
@@ -9158,9 +9269,9 @@
                 <a:solidFill>
                   <a:schemeClr val="bg1"/>
                 </a:solidFill>
-                <a:latin typeface="Arial" charset="0"/>
-                <a:ea typeface="Arial" charset="0"/>
-                <a:cs typeface="Arial" charset="0"/>
+                <a:latin typeface="Avenir Roman" panose="02000503020000020003" pitchFamily="2" charset="0"/>
+                <a:ea typeface="Verdana" panose="020B0604030504040204" pitchFamily="34" charset="0"/>
+                <a:cs typeface="Baghdad" pitchFamily="2" charset="-78"/>
               </a:rPr>
               <a:t>RESULTS</a:t>
             </a:r>
@@ -9188,7 +9299,7 @@
         </p:blipFill>
         <p:spPr>
           <a:xfrm>
-            <a:off x="909520" y="26249413"/>
+            <a:off x="909520" y="26733505"/>
             <a:ext cx="13479103" cy="1069084"/>
           </a:xfrm>
           <a:prstGeom prst="rect">
@@ -9217,7 +9328,7 @@
         </p:blipFill>
         <p:spPr>
           <a:xfrm>
-            <a:off x="3976423" y="29315347"/>
+            <a:off x="3976423" y="29853227"/>
             <a:ext cx="7334183" cy="886102"/>
           </a:xfrm>
           <a:prstGeom prst="rect">
@@ -9225,12 +9336,508 @@
           </a:prstGeom>
         </p:spPr>
       </p:pic>
+      <p:graphicFrame>
+        <p:nvGraphicFramePr>
+          <p:cNvPr id="45" name="Table 44">
+            <a:extLst>
+              <a:ext uri="{FF2B5EF4-FFF2-40B4-BE49-F238E27FC236}">
+                <a16:creationId xmlns:a16="http://schemas.microsoft.com/office/drawing/2014/main" id="{B4AE68D3-F799-974B-A176-70D4E16E6425}"/>
+              </a:ext>
+            </a:extLst>
+          </p:cNvPr>
+          <p:cNvGraphicFramePr>
+            <a:graphicFrameLocks noGrp="1"/>
+          </p:cNvGraphicFramePr>
+          <p:nvPr>
+            <p:extLst>
+              <p:ext uri="{D42A27DB-BD31-4B8C-83A1-F6EECF244321}">
+                <p14:modId xmlns:p14="http://schemas.microsoft.com/office/powerpoint/2010/main" val="983641527"/>
+              </p:ext>
+            </p:extLst>
+          </p:nvPr>
+        </p:nvGraphicFramePr>
+        <p:xfrm>
+          <a:off x="15534157" y="21488600"/>
+          <a:ext cx="12874454" cy="4251960"/>
+        </p:xfrm>
+        <a:graphic>
+          <a:graphicData uri="http://schemas.openxmlformats.org/drawingml/2006/table">
+            <a:tbl>
+              <a:tblPr firstRow="1" bandRow="1">
+                <a:tableStyleId>{863C788D-AEED-4340-9FDC-0209E74E415F}</a:tableStyleId>
+              </a:tblPr>
+              <a:tblGrid>
+                <a:gridCol w="6437227">
+                  <a:extLst>
+                    <a:ext uri="{9D8B030D-6E8A-4147-A177-3AD203B41FA5}">
+                      <a16:colId xmlns:a16="http://schemas.microsoft.com/office/drawing/2014/main" val="4066865838"/>
+                    </a:ext>
+                  </a:extLst>
+                </a:gridCol>
+                <a:gridCol w="6437227">
+                  <a:extLst>
+                    <a:ext uri="{9D8B030D-6E8A-4147-A177-3AD203B41FA5}">
+                      <a16:colId xmlns:a16="http://schemas.microsoft.com/office/drawing/2014/main" val="2039062096"/>
+                    </a:ext>
+                  </a:extLst>
+                </a:gridCol>
+              </a:tblGrid>
+              <a:tr h="370840">
+                <a:tc gridSpan="2">
+                  <a:txBody>
+                    <a:bodyPr/>
+                    <a:lstStyle/>
+                    <a:p>
+                      <a:pPr algn="ctr"/>
+                      <a:r>
+                        <a:rPr lang="en-US" sz="2500" b="1" dirty="0">
+                          <a:latin typeface="Avenir Roman" panose="02000503020000020003" pitchFamily="2" charset="0"/>
+                        </a:rPr>
+                        <a:t>Ms. X’s Information</a:t>
+                      </a:r>
+                    </a:p>
+                  </a:txBody>
+                  <a:tcPr/>
+                </a:tc>
+                <a:tc hMerge="1">
+                  <a:txBody>
+                    <a:bodyPr/>
+                    <a:lstStyle/>
+                    <a:p>
+                      <a:endParaRPr lang="en-US" dirty="0"/>
+                    </a:p>
+                  </a:txBody>
+                  <a:tcPr/>
+                </a:tc>
+                <a:extLst>
+                  <a:ext uri="{0D108BD9-81ED-4DB2-BD59-A6C34878D82A}">
+                    <a16:rowId xmlns:a16="http://schemas.microsoft.com/office/drawing/2014/main" val="3097068178"/>
+                  </a:ext>
+                </a:extLst>
+              </a:tr>
+              <a:tr h="370840">
+                <a:tc>
+                  <a:txBody>
+                    <a:bodyPr/>
+                    <a:lstStyle/>
+                    <a:p>
+                      <a:pPr algn="ctr"/>
+                      <a:r>
+                        <a:rPr lang="en-US" sz="2500" dirty="0">
+                          <a:latin typeface="Avenir Roman" panose="02000503020000020003" pitchFamily="2" charset="0"/>
+                        </a:rPr>
+                        <a:t>Age</a:t>
+                      </a:r>
+                    </a:p>
+                  </a:txBody>
+                  <a:tcPr/>
+                </a:tc>
+                <a:tc>
+                  <a:txBody>
+                    <a:bodyPr/>
+                    <a:lstStyle/>
+                    <a:p>
+                      <a:pPr algn="ctr"/>
+                      <a:r>
+                        <a:rPr lang="en-US" sz="2500" dirty="0">
+                          <a:latin typeface="Avenir Roman" panose="02000503020000020003" pitchFamily="2" charset="0"/>
+                        </a:rPr>
+                        <a:t>26</a:t>
+                      </a:r>
+                    </a:p>
+                  </a:txBody>
+                  <a:tcPr/>
+                </a:tc>
+                <a:extLst>
+                  <a:ext uri="{0D108BD9-81ED-4DB2-BD59-A6C34878D82A}">
+                    <a16:rowId xmlns:a16="http://schemas.microsoft.com/office/drawing/2014/main" val="1493684530"/>
+                  </a:ext>
+                </a:extLst>
+              </a:tr>
+              <a:tr h="370840">
+                <a:tc>
+                  <a:txBody>
+                    <a:bodyPr/>
+                    <a:lstStyle/>
+                    <a:p>
+                      <a:pPr algn="ctr"/>
+                      <a:r>
+                        <a:rPr lang="en-US" sz="2500" dirty="0">
+                          <a:latin typeface="Avenir Roman" panose="02000503020000020003" pitchFamily="2" charset="0"/>
+                        </a:rPr>
+                        <a:t>Juvenile Misdemeanor Count</a:t>
+                      </a:r>
+                    </a:p>
+                  </a:txBody>
+                  <a:tcPr/>
+                </a:tc>
+                <a:tc>
+                  <a:txBody>
+                    <a:bodyPr/>
+                    <a:lstStyle/>
+                    <a:p>
+                      <a:pPr algn="ctr"/>
+                      <a:r>
+                        <a:rPr lang="en-US" sz="2500" dirty="0">
+                          <a:latin typeface="Avenir Roman" panose="02000503020000020003" pitchFamily="2" charset="0"/>
+                        </a:rPr>
+                        <a:t>0</a:t>
+                      </a:r>
+                    </a:p>
+                  </a:txBody>
+                  <a:tcPr/>
+                </a:tc>
+                <a:extLst>
+                  <a:ext uri="{0D108BD9-81ED-4DB2-BD59-A6C34878D82A}">
+                    <a16:rowId xmlns:a16="http://schemas.microsoft.com/office/drawing/2014/main" val="1176067317"/>
+                  </a:ext>
+                </a:extLst>
+              </a:tr>
+              <a:tr h="370840">
+                <a:tc>
+                  <a:txBody>
+                    <a:bodyPr/>
+                    <a:lstStyle/>
+                    <a:p>
+                      <a:pPr algn="ctr"/>
+                      <a:r>
+                        <a:rPr lang="en-US" sz="2500" dirty="0">
+                          <a:latin typeface="Avenir Roman" panose="02000503020000020003" pitchFamily="2" charset="0"/>
+                        </a:rPr>
+                        <a:t>Juvenile Felony Count</a:t>
+                      </a:r>
+                    </a:p>
+                  </a:txBody>
+                  <a:tcPr/>
+                </a:tc>
+                <a:tc>
+                  <a:txBody>
+                    <a:bodyPr/>
+                    <a:lstStyle/>
+                    <a:p>
+                      <a:pPr algn="ctr"/>
+                      <a:r>
+                        <a:rPr lang="en-US" sz="2500" dirty="0">
+                          <a:latin typeface="Avenir Roman" panose="02000503020000020003" pitchFamily="2" charset="0"/>
+                        </a:rPr>
+                        <a:t>0</a:t>
+                      </a:r>
+                    </a:p>
+                  </a:txBody>
+                  <a:tcPr/>
+                </a:tc>
+                <a:extLst>
+                  <a:ext uri="{0D108BD9-81ED-4DB2-BD59-A6C34878D82A}">
+                    <a16:rowId xmlns:a16="http://schemas.microsoft.com/office/drawing/2014/main" val="1470944246"/>
+                  </a:ext>
+                </a:extLst>
+              </a:tr>
+              <a:tr h="370840">
+                <a:tc>
+                  <a:txBody>
+                    <a:bodyPr/>
+                    <a:lstStyle/>
+                    <a:p>
+                      <a:pPr algn="ctr"/>
+                      <a:r>
+                        <a:rPr lang="en-US" sz="2500" dirty="0">
+                          <a:latin typeface="Avenir Roman" panose="02000503020000020003" pitchFamily="2" charset="0"/>
+                        </a:rPr>
+                        <a:t>Juvenile Other Count</a:t>
+                      </a:r>
+                    </a:p>
+                  </a:txBody>
+                  <a:tcPr/>
+                </a:tc>
+                <a:tc>
+                  <a:txBody>
+                    <a:bodyPr/>
+                    <a:lstStyle/>
+                    <a:p>
+                      <a:pPr algn="ctr"/>
+                      <a:r>
+                        <a:rPr lang="en-US" sz="2500" dirty="0">
+                          <a:latin typeface="Avenir Roman" panose="02000503020000020003" pitchFamily="2" charset="0"/>
+                        </a:rPr>
+                        <a:t>0</a:t>
+                      </a:r>
+                    </a:p>
+                  </a:txBody>
+                  <a:tcPr/>
+                </a:tc>
+                <a:extLst>
+                  <a:ext uri="{0D108BD9-81ED-4DB2-BD59-A6C34878D82A}">
+                    <a16:rowId xmlns:a16="http://schemas.microsoft.com/office/drawing/2014/main" val="3482281510"/>
+                  </a:ext>
+                </a:extLst>
+              </a:tr>
+              <a:tr h="370840">
+                <a:tc>
+                  <a:txBody>
+                    <a:bodyPr/>
+                    <a:lstStyle/>
+                    <a:p>
+                      <a:pPr algn="ctr"/>
+                      <a:r>
+                        <a:rPr lang="en-US" sz="2500" dirty="0">
+                          <a:latin typeface="Avenir Roman" panose="02000503020000020003" pitchFamily="2" charset="0"/>
+                        </a:rPr>
+                        <a:t>Priors Count</a:t>
+                      </a:r>
+                    </a:p>
+                  </a:txBody>
+                  <a:tcPr/>
+                </a:tc>
+                <a:tc>
+                  <a:txBody>
+                    <a:bodyPr/>
+                    <a:lstStyle/>
+                    <a:p>
+                      <a:pPr algn="ctr"/>
+                      <a:r>
+                        <a:rPr lang="en-US" sz="2500" dirty="0">
+                          <a:latin typeface="Avenir Roman" panose="02000503020000020003" pitchFamily="2" charset="0"/>
+                        </a:rPr>
+                        <a:t>2</a:t>
+                      </a:r>
+                    </a:p>
+                  </a:txBody>
+                  <a:tcPr/>
+                </a:tc>
+                <a:extLst>
+                  <a:ext uri="{0D108BD9-81ED-4DB2-BD59-A6C34878D82A}">
+                    <a16:rowId xmlns:a16="http://schemas.microsoft.com/office/drawing/2014/main" val="3600244396"/>
+                  </a:ext>
+                </a:extLst>
+              </a:tr>
+              <a:tr h="370840">
+                <a:tc>
+                  <a:txBody>
+                    <a:bodyPr/>
+                    <a:lstStyle/>
+                    <a:p>
+                      <a:pPr algn="ctr"/>
+                      <a:r>
+                        <a:rPr lang="en-US" sz="2500" dirty="0">
+                          <a:latin typeface="Avenir Roman" panose="02000503020000020003" pitchFamily="2" charset="0"/>
+                        </a:rPr>
+                        <a:t>Violence Decile Score (Category)</a:t>
+                      </a:r>
+                    </a:p>
+                  </a:txBody>
+                  <a:tcPr/>
+                </a:tc>
+                <a:tc>
+                  <a:txBody>
+                    <a:bodyPr/>
+                    <a:lstStyle/>
+                    <a:p>
+                      <a:pPr algn="ctr"/>
+                      <a:r>
+                        <a:rPr lang="en-US" sz="2500" dirty="0">
+                          <a:latin typeface="Avenir Roman" panose="02000503020000020003" pitchFamily="2" charset="0"/>
+                        </a:rPr>
+                        <a:t>4 (Low)</a:t>
+                      </a:r>
+                    </a:p>
+                  </a:txBody>
+                  <a:tcPr/>
+                </a:tc>
+                <a:extLst>
+                  <a:ext uri="{0D108BD9-81ED-4DB2-BD59-A6C34878D82A}">
+                    <a16:rowId xmlns:a16="http://schemas.microsoft.com/office/drawing/2014/main" val="2599693475"/>
+                  </a:ext>
+                </a:extLst>
+              </a:tr>
+              <a:tr h="370840">
+                <a:tc>
+                  <a:txBody>
+                    <a:bodyPr/>
+                    <a:lstStyle/>
+                    <a:p>
+                      <a:pPr algn="ctr"/>
+                      <a:r>
+                        <a:rPr lang="en-US" sz="2500" dirty="0">
+                          <a:latin typeface="Avenir Roman" panose="02000503020000020003" pitchFamily="2" charset="0"/>
+                        </a:rPr>
+                        <a:t>Race</a:t>
+                      </a:r>
+                    </a:p>
+                  </a:txBody>
+                  <a:tcPr/>
+                </a:tc>
+                <a:tc>
+                  <a:txBody>
+                    <a:bodyPr/>
+                    <a:lstStyle/>
+                    <a:p>
+                      <a:pPr algn="ctr"/>
+                      <a:r>
+                        <a:rPr lang="en-US" sz="2500" dirty="0">
+                          <a:latin typeface="Avenir Roman" panose="02000503020000020003" pitchFamily="2" charset="0"/>
+                        </a:rPr>
+                        <a:t>African-American</a:t>
+                      </a:r>
+                    </a:p>
+                  </a:txBody>
+                  <a:tcPr/>
+                </a:tc>
+                <a:extLst>
+                  <a:ext uri="{0D108BD9-81ED-4DB2-BD59-A6C34878D82A}">
+                    <a16:rowId xmlns:a16="http://schemas.microsoft.com/office/drawing/2014/main" val="3608968495"/>
+                  </a:ext>
+                </a:extLst>
+              </a:tr>
+              <a:tr h="370840">
+                <a:tc>
+                  <a:txBody>
+                    <a:bodyPr/>
+                    <a:lstStyle/>
+                    <a:p>
+                      <a:pPr algn="ctr"/>
+                      <a:r>
+                        <a:rPr lang="en-US" sz="2500" dirty="0">
+                          <a:latin typeface="Avenir Roman" panose="02000503020000020003" pitchFamily="2" charset="0"/>
+                        </a:rPr>
+                        <a:t>Two-Year </a:t>
+                      </a:r>
+                      <a:r>
+                        <a:rPr lang="en-US" sz="2500" dirty="0" err="1">
+                          <a:latin typeface="Avenir Roman" panose="02000503020000020003" pitchFamily="2" charset="0"/>
+                        </a:rPr>
+                        <a:t>Recid</a:t>
+                      </a:r>
+                      <a:endParaRPr lang="en-US" sz="2500" dirty="0">
+                        <a:latin typeface="Avenir Roman" panose="02000503020000020003" pitchFamily="2" charset="0"/>
+                      </a:endParaRPr>
+                    </a:p>
+                  </a:txBody>
+                  <a:tcPr/>
+                </a:tc>
+                <a:tc>
+                  <a:txBody>
+                    <a:bodyPr/>
+                    <a:lstStyle/>
+                    <a:p>
+                      <a:pPr algn="ctr"/>
+                      <a:r>
+                        <a:rPr lang="en-US" sz="2500" dirty="0">
+                          <a:latin typeface="Avenir Roman" panose="02000503020000020003" pitchFamily="2" charset="0"/>
+                        </a:rPr>
+                        <a:t>Yes</a:t>
+                      </a:r>
+                    </a:p>
+                  </a:txBody>
+                  <a:tcPr/>
+                </a:tc>
+                <a:extLst>
+                  <a:ext uri="{0D108BD9-81ED-4DB2-BD59-A6C34878D82A}">
+                    <a16:rowId xmlns:a16="http://schemas.microsoft.com/office/drawing/2014/main" val="3690737079"/>
+                  </a:ext>
+                </a:extLst>
+              </a:tr>
+            </a:tbl>
+          </a:graphicData>
+        </a:graphic>
+      </p:graphicFrame>
+      <p:cxnSp>
+        <p:nvCxnSpPr>
+          <p:cNvPr id="49" name="Straight Connector 48">
+            <a:extLst>
+              <a:ext uri="{FF2B5EF4-FFF2-40B4-BE49-F238E27FC236}">
+                <a16:creationId xmlns:a16="http://schemas.microsoft.com/office/drawing/2014/main" id="{9FDBF0FE-C7D9-EC4D-B183-B904B02E0F5D}"/>
+              </a:ext>
+            </a:extLst>
+          </p:cNvPr>
+          <p:cNvCxnSpPr>
+            <a:cxnSpLocks/>
+          </p:cNvCxnSpPr>
+          <p:nvPr/>
+        </p:nvCxnSpPr>
+        <p:spPr>
+          <a:xfrm>
+            <a:off x="15308075" y="12294071"/>
+            <a:ext cx="13068804" cy="0"/>
+          </a:xfrm>
+          <a:prstGeom prst="line">
+            <a:avLst/>
+          </a:prstGeom>
+          <a:ln w="76200">
+            <a:solidFill>
+              <a:schemeClr val="bg1">
+                <a:lumMod val="65000"/>
+              </a:schemeClr>
+            </a:solidFill>
+            <a:prstDash val="lgDash"/>
+          </a:ln>
+        </p:spPr>
+        <p:style>
+          <a:lnRef idx="1">
+            <a:schemeClr val="accent1"/>
+          </a:lnRef>
+          <a:fillRef idx="0">
+            <a:schemeClr val="accent1"/>
+          </a:fillRef>
+          <a:effectRef idx="0">
+            <a:schemeClr val="accent1"/>
+          </a:effectRef>
+          <a:fontRef idx="minor">
+            <a:schemeClr val="tx1"/>
+          </a:fontRef>
+        </p:style>
+      </p:cxnSp>
+      <p:cxnSp>
+        <p:nvCxnSpPr>
+          <p:cNvPr id="59" name="Straight Connector 58">
+            <a:extLst>
+              <a:ext uri="{FF2B5EF4-FFF2-40B4-BE49-F238E27FC236}">
+                <a16:creationId xmlns:a16="http://schemas.microsoft.com/office/drawing/2014/main" id="{DCC8FB0D-C8F8-2444-BE2C-88D12B333539}"/>
+              </a:ext>
+            </a:extLst>
+          </p:cNvPr>
+          <p:cNvCxnSpPr>
+            <a:cxnSpLocks/>
+          </p:cNvCxnSpPr>
+          <p:nvPr/>
+        </p:nvCxnSpPr>
+        <p:spPr>
+          <a:xfrm>
+            <a:off x="15195427" y="20823555"/>
+            <a:ext cx="13570412" cy="0"/>
+          </a:xfrm>
+          <a:prstGeom prst="line">
+            <a:avLst/>
+          </a:prstGeom>
+          <a:ln w="76200">
+            <a:solidFill>
+              <a:schemeClr val="bg1">
+                <a:lumMod val="65000"/>
+              </a:schemeClr>
+            </a:solidFill>
+            <a:prstDash val="lgDash"/>
+          </a:ln>
+        </p:spPr>
+        <p:style>
+          <a:lnRef idx="1">
+            <a:schemeClr val="accent1"/>
+          </a:lnRef>
+          <a:fillRef idx="0">
+            <a:schemeClr val="accent1"/>
+          </a:fillRef>
+          <a:effectRef idx="0">
+            <a:schemeClr val="accent1"/>
+          </a:effectRef>
+          <a:fontRef idx="minor">
+            <a:schemeClr val="tx1"/>
+          </a:fontRef>
+        </p:style>
+      </p:cxnSp>
       <p:pic>
         <p:nvPicPr>
-          <p:cNvPr id="14" name="Picture 13">
+          <p:cNvPr id="56" name="Picture 55">
             <a:extLst>
               <a:ext uri="{FF2B5EF4-FFF2-40B4-BE49-F238E27FC236}">
-                <a16:creationId xmlns:a16="http://schemas.microsoft.com/office/drawing/2014/main" id="{E8AAC4AB-F012-4F4F-BCDD-11B37B1306C1}"/>
+                <a16:creationId xmlns:a16="http://schemas.microsoft.com/office/drawing/2014/main" id="{C1988899-5BF6-4D4B-967B-EDC57EFE349F}"/>
               </a:ext>
             </a:extLst>
           </p:cNvPr>
@@ -9247,8 +9854,8 @@
         </p:blipFill>
         <p:spPr>
           <a:xfrm>
-            <a:off x="837901" y="305342"/>
-            <a:ext cx="16044672" cy="4512564"/>
+            <a:off x="15514319" y="25905313"/>
+            <a:ext cx="12862559" cy="6431280"/>
           </a:xfrm>
           <a:prstGeom prst="rect">
             <a:avLst/>
@@ -9257,10 +9864,10 @@
       </p:pic>
       <p:pic>
         <p:nvPicPr>
-          <p:cNvPr id="36" name="Picture 35">
+          <p:cNvPr id="58" name="Picture 57">
             <a:extLst>
               <a:ext uri="{FF2B5EF4-FFF2-40B4-BE49-F238E27FC236}">
-                <a16:creationId xmlns:a16="http://schemas.microsoft.com/office/drawing/2014/main" id="{10B5CD68-209E-AF43-9A9A-C8762B5C0752}"/>
+                <a16:creationId xmlns:a16="http://schemas.microsoft.com/office/drawing/2014/main" id="{6123DE13-BDB0-4640-80D1-313C0161C4DB}"/>
               </a:ext>
             </a:extLst>
           </p:cNvPr>
@@ -9277,8 +9884,38 @@
         </p:blipFill>
         <p:spPr>
           <a:xfrm>
-            <a:off x="15514320" y="5905389"/>
-            <a:ext cx="12874454" cy="6437227"/>
+            <a:off x="15514319" y="5737878"/>
+            <a:ext cx="12868270" cy="6434135"/>
+          </a:xfrm>
+          <a:prstGeom prst="rect">
+            <a:avLst/>
+          </a:prstGeom>
+        </p:spPr>
+      </p:pic>
+      <p:pic>
+        <p:nvPicPr>
+          <p:cNvPr id="61" name="Picture 60">
+            <a:extLst>
+              <a:ext uri="{FF2B5EF4-FFF2-40B4-BE49-F238E27FC236}">
+                <a16:creationId xmlns:a16="http://schemas.microsoft.com/office/drawing/2014/main" id="{0F9F733E-BCFC-EE43-B061-F231E1980EBD}"/>
+              </a:ext>
+            </a:extLst>
+          </p:cNvPr>
+          <p:cNvPicPr>
+            <a:picLocks noChangeAspect="1"/>
+          </p:cNvPicPr>
+          <p:nvPr/>
+        </p:nvPicPr>
+        <p:blipFill>
+          <a:blip r:embed="rId8"/>
+          <a:stretch>
+            <a:fillRect/>
+          </a:stretch>
+        </p:blipFill>
+        <p:spPr>
+          <a:xfrm>
+            <a:off x="15513315" y="13220613"/>
+            <a:ext cx="12864566" cy="6432283"/>
           </a:xfrm>
           <a:prstGeom prst="rect">
             <a:avLst/>
